--- a/spring13/slides/friends-cases.pptx
+++ b/spring13/slides/friends-cases.pptx
@@ -4186,13 +4186,13 @@
   <p:clrMapOvr>
     <a:masterClrMapping/>
   </p:clrMapOvr>
-  <mc:AlternateContent xmlns:mc="http://schemas.openxmlformats.org/markup-compatibility/2006">
-    <mc:Choice xmlns:p14="http://schemas.microsoft.com/office/powerpoint/2010/main" Requires="p14">
+  <mc:AlternateContent xmlns:mc="http://schemas.openxmlformats.org/markup-compatibility/2006" xmlns:p14="http://schemas.microsoft.com/office/powerpoint/2010/main">
+    <mc:Choice Requires="p14">
       <p:transition spd="med" p14:dur="700">
         <p:fade/>
       </p:transition>
     </mc:Choice>
-    <mc:Fallback>
+    <mc:Fallback xmlns="">
       <p:transition xmlns:p14="http://schemas.microsoft.com/office/powerpoint/2010/main" spd="med">
         <p:fade/>
       </p:transition>
@@ -4403,17 +4403,8 @@
             </a:pPr>
             <a:r>
               <a:rPr lang="en-US" sz="4400" dirty="0" smtClean="0"/>
-              <a:t>Six people.  </a:t>
-            </a:r>
-            <a:r>
-              <a:rPr lang="en-US" sz="4400" dirty="0" smtClean="0"/>
-              <a:t>Every </a:t>
-            </a:r>
-            <a:r>
-              <a:rPr lang="en-US" sz="4400" dirty="0" smtClean="0"/>
-              <a:t>two are </a:t>
-            </a:r>
-            <a:endParaRPr lang="en-US" sz="4400" dirty="0" smtClean="0"/>
+              <a:t>Six people.  Every two are </a:t>
+            </a:r>
           </a:p>
           <a:p>
             <a:pPr>
@@ -4422,11 +4413,7 @@
             </a:pPr>
             <a:r>
               <a:rPr lang="en-US" sz="4400" dirty="0" smtClean="0"/>
-              <a:t>either friends or strangers</a:t>
-            </a:r>
-            <a:r>
-              <a:rPr lang="en-US" sz="4400" dirty="0" smtClean="0"/>
-              <a:t>.</a:t>
+              <a:t>either friends or strangers.</a:t>
             </a:r>
           </a:p>
           <a:p>
@@ -4593,13 +4580,13 @@
   <p:clrMapOvr>
     <a:masterClrMapping/>
   </p:clrMapOvr>
-  <mc:AlternateContent xmlns:mc="http://schemas.openxmlformats.org/markup-compatibility/2006">
-    <mc:Choice xmlns:p14="http://schemas.microsoft.com/office/powerpoint/2010/main" Requires="p14">
+  <mc:AlternateContent xmlns:mc="http://schemas.openxmlformats.org/markup-compatibility/2006" xmlns:p14="http://schemas.microsoft.com/office/powerpoint/2010/main">
+    <mc:Choice Requires="p14">
       <p:transition spd="med" p14:dur="700" advClick="0">
         <p:fade/>
       </p:transition>
     </mc:Choice>
-    <mc:Fallback>
+    <mc:Fallback xmlns="">
       <p:transition xmlns:p14="http://schemas.microsoft.com/office/powerpoint/2010/main" spd="med" advClick="0">
         <p:fade/>
       </p:transition>
@@ -6144,13 +6131,13 @@
   <p:clrMapOvr>
     <a:masterClrMapping/>
   </p:clrMapOvr>
-  <mc:AlternateContent xmlns:mc="http://schemas.openxmlformats.org/markup-compatibility/2006">
-    <mc:Choice xmlns:p14="http://schemas.microsoft.com/office/powerpoint/2010/main" Requires="p14">
+  <mc:AlternateContent xmlns:mc="http://schemas.openxmlformats.org/markup-compatibility/2006" xmlns:p14="http://schemas.microsoft.com/office/powerpoint/2010/main">
+    <mc:Choice Requires="p14">
       <p:transition spd="med" p14:dur="700">
         <p:fade/>
       </p:transition>
     </mc:Choice>
-    <mc:Fallback>
+    <mc:Fallback xmlns="">
       <p:transition xmlns:p14="http://schemas.microsoft.com/office/powerpoint/2010/main" spd="med">
         <p:fade/>
       </p:transition>
@@ -6507,23 +6494,7 @@
             </a:pPr>
             <a:r>
               <a:rPr lang="en-US" sz="4800" dirty="0" smtClean="0"/>
-              <a:t>--or convince </a:t>
-            </a:r>
-            <a:r>
-              <a:rPr lang="en-US" sz="4800" dirty="0" smtClean="0"/>
-              <a:t>yourself there </a:t>
-            </a:r>
-            <a:r>
-              <a:rPr lang="en-US" sz="4800" dirty="0" smtClean="0"/>
-              <a:t>isn’t </a:t>
-            </a:r>
-            <a:r>
-              <a:rPr lang="en-US" sz="4800" dirty="0" smtClean="0"/>
-              <a:t>any counterexample, </a:t>
-            </a:r>
-            <a:r>
-              <a:rPr lang="en-US" sz="4800" dirty="0" smtClean="0"/>
-              <a:t>that is, the </a:t>
+              <a:t>--or convince yourself there isn’t any counterexample, that is, the </a:t>
             </a:r>
             <a:r>
               <a:rPr lang="en-US" sz="4800" dirty="0" smtClean="0">
@@ -6667,13 +6638,13 @@
   <p:clrMapOvr>
     <a:masterClrMapping/>
   </p:clrMapOvr>
-  <mc:AlternateContent xmlns:mc="http://schemas.openxmlformats.org/markup-compatibility/2006">
-    <mc:Choice xmlns:p14="http://schemas.microsoft.com/office/powerpoint/2010/main" Requires="p14">
+  <mc:AlternateContent xmlns:mc="http://schemas.openxmlformats.org/markup-compatibility/2006" xmlns:p14="http://schemas.microsoft.com/office/powerpoint/2010/main">
+    <mc:Choice Requires="p14">
       <p:transition spd="med" p14:dur="700" advClick="0">
         <p:fade/>
       </p:transition>
     </mc:Choice>
-    <mc:Fallback>
+    <mc:Fallback xmlns="">
       <p:transition xmlns:p14="http://schemas.microsoft.com/office/powerpoint/2010/main" spd="med" advClick="0">
         <p:fade/>
       </p:transition>
@@ -7853,13 +7824,13 @@
   <p:clrMapOvr>
     <a:masterClrMapping/>
   </p:clrMapOvr>
-  <mc:AlternateContent xmlns:mc="http://schemas.openxmlformats.org/markup-compatibility/2006">
-    <mc:Choice xmlns:p14="http://schemas.microsoft.com/office/powerpoint/2010/main" Requires="p14">
+  <mc:AlternateContent xmlns:mc="http://schemas.openxmlformats.org/markup-compatibility/2006" xmlns:p14="http://schemas.microsoft.com/office/powerpoint/2010/main">
+    <mc:Choice Requires="p14">
       <p:transition spd="med" p14:dur="700">
         <p:fade/>
       </p:transition>
     </mc:Choice>
-    <mc:Fallback>
+    <mc:Fallback xmlns="">
       <p:transition xmlns:p14="http://schemas.microsoft.com/office/powerpoint/2010/main" spd="med">
         <p:fade/>
       </p:transition>
@@ -10030,13 +10001,13 @@
   <p:clrMapOvr>
     <a:masterClrMapping/>
   </p:clrMapOvr>
-  <mc:AlternateContent xmlns:mc="http://schemas.openxmlformats.org/markup-compatibility/2006">
-    <mc:Choice xmlns:p14="http://schemas.microsoft.com/office/powerpoint/2010/main" Requires="p14">
+  <mc:AlternateContent xmlns:mc="http://schemas.openxmlformats.org/markup-compatibility/2006" xmlns:p14="http://schemas.microsoft.com/office/powerpoint/2010/main">
+    <mc:Choice Requires="p14">
       <p:transition spd="med" p14:dur="700" advClick="0">
         <p:fade/>
       </p:transition>
     </mc:Choice>
-    <mc:Fallback>
+    <mc:Fallback xmlns="">
       <p:transition xmlns:p14="http://schemas.microsoft.com/office/powerpoint/2010/main" spd="med" advClick="0">
         <p:fade/>
       </p:transition>
@@ -11208,13 +11179,13 @@
   <p:clrMapOvr>
     <a:masterClrMapping/>
   </p:clrMapOvr>
-  <mc:AlternateContent xmlns:mc="http://schemas.openxmlformats.org/markup-compatibility/2006">
-    <mc:Choice xmlns:p14="http://schemas.microsoft.com/office/powerpoint/2010/main" Requires="p14">
+  <mc:AlternateContent xmlns:mc="http://schemas.openxmlformats.org/markup-compatibility/2006" xmlns:p14="http://schemas.microsoft.com/office/powerpoint/2010/main">
+    <mc:Choice Requires="p14">
       <p:transition spd="med" p14:dur="700" advClick="0">
         <p:fade/>
       </p:transition>
     </mc:Choice>
-    <mc:Fallback>
+    <mc:Fallback xmlns="">
       <p:transition xmlns:p14="http://schemas.microsoft.com/office/powerpoint/2010/main" spd="med" advClick="0">
         <p:fade/>
       </p:transition>
@@ -11318,12 +11289,17 @@
                   <a:srgbClr val="C00000"/>
                 </a:solidFill>
               </a:rPr>
-              <a:t>3 mutual friends</a:t>
-            </a:r>
-            <a:r>
-              <a:rPr lang="en-US" dirty="0" smtClean="0"/>
-              <a:t>.</a:t>
-            </a:r>
+              <a:t>3 mutual </a:t>
+            </a:r>
+            <a:r>
+              <a:rPr lang="en-US" dirty="0" smtClean="0">
+                <a:solidFill>
+                  <a:srgbClr val="C00000"/>
+                </a:solidFill>
+              </a:rPr>
+              <a:t>friends:</a:t>
+            </a:r>
+            <a:endParaRPr lang="en-US" dirty="0" smtClean="0"/>
           </a:p>
         </p:txBody>
       </p:sp>
@@ -12533,13 +12509,13 @@
   <p:clrMapOvr>
     <a:masterClrMapping/>
   </p:clrMapOvr>
-  <mc:AlternateContent xmlns:mc="http://schemas.openxmlformats.org/markup-compatibility/2006">
-    <mc:Choice xmlns:p14="http://schemas.microsoft.com/office/powerpoint/2010/main" Requires="p14">
+  <mc:AlternateContent xmlns:mc="http://schemas.openxmlformats.org/markup-compatibility/2006" xmlns:p14="http://schemas.microsoft.com/office/powerpoint/2010/main">
+    <mc:Choice Requires="p14">
       <p:transition spd="med" p14:dur="700">
         <p:fade/>
       </p:transition>
     </mc:Choice>
-    <mc:Fallback>
+    <mc:Fallback xmlns="">
       <p:transition xmlns:p14="http://schemas.microsoft.com/office/powerpoint/2010/main" spd="med">
         <p:fade/>
       </p:transition>
@@ -13818,13 +13794,13 @@
   <p:clrMapOvr>
     <a:masterClrMapping/>
   </p:clrMapOvr>
-  <mc:AlternateContent xmlns:mc="http://schemas.openxmlformats.org/markup-compatibility/2006">
-    <mc:Choice xmlns:p14="http://schemas.microsoft.com/office/powerpoint/2010/main" Requires="p14">
+  <mc:AlternateContent xmlns:mc="http://schemas.openxmlformats.org/markup-compatibility/2006" xmlns:p14="http://schemas.microsoft.com/office/powerpoint/2010/main">
+    <mc:Choice Requires="p14">
       <p:transition spd="med" p14:dur="700" advClick="0">
         <p:fade/>
       </p:transition>
     </mc:Choice>
-    <mc:Fallback>
+    <mc:Fallback xmlns="">
       <p:transition xmlns:p14="http://schemas.microsoft.com/office/powerpoint/2010/main" spd="med" advClick="0">
         <p:fade/>
       </p:transition>
@@ -13900,7 +13876,7 @@
                             </p:stCondLst>
                             <p:childTnLst>
                               <p:par>
-                                <p:cTn id="9" presetID="22" presetClass="entr" presetSubtype="4" fill="hold" nodeType="clickEffect">
+                                <p:cTn id="9" presetID="9" presetClass="entr" presetSubtype="0" fill="hold" nodeType="clickEffect">
                                   <p:stCondLst>
                                     <p:cond delay="0"/>
                                   </p:stCondLst>
@@ -13923,7 +13899,7 @@
                                         <p:strVal val="visible"/>
                                       </p:to>
                                     </p:set>
-                                    <p:animEffect transition="in" filter="wipe(down)">
+                                    <p:animEffect transition="in" filter="dissolve">
                                       <p:cBhvr>
                                         <p:cTn id="11" dur="500"/>
                                         <p:tgtEl>
@@ -13935,7 +13911,7 @@
                                 </p:cTn>
                               </p:par>
                               <p:par>
-                                <p:cTn id="12" presetID="22" presetClass="entr" presetSubtype="4" fill="hold" nodeType="withEffect">
+                                <p:cTn id="12" presetID="9" presetClass="entr" presetSubtype="0" fill="hold" nodeType="withEffect">
                                   <p:stCondLst>
                                     <p:cond delay="0"/>
                                   </p:stCondLst>
@@ -13958,7 +13934,7 @@
                                         <p:strVal val="visible"/>
                                       </p:to>
                                     </p:set>
-                                    <p:animEffect transition="in" filter="wipe(down)">
+                                    <p:animEffect transition="in" filter="dissolve">
                                       <p:cBhvr>
                                         <p:cTn id="14" dur="500"/>
                                         <p:tgtEl>
@@ -13970,7 +13946,7 @@
                                 </p:cTn>
                               </p:par>
                               <p:par>
-                                <p:cTn id="15" presetID="22" presetClass="entr" presetSubtype="4" fill="hold" nodeType="withEffect">
+                                <p:cTn id="15" presetID="9" presetClass="entr" presetSubtype="0" fill="hold" nodeType="withEffect">
                                   <p:stCondLst>
                                     <p:cond delay="0"/>
                                   </p:stCondLst>
@@ -13993,7 +13969,7 @@
                                         <p:strVal val="visible"/>
                                       </p:to>
                                     </p:set>
-                                    <p:animEffect transition="in" filter="wipe(down)">
+                                    <p:animEffect transition="in" filter="dissolve">
                                       <p:cBhvr>
                                         <p:cTn id="17" dur="500"/>
                                         <p:tgtEl>

--- a/spring13/slides/friends-cases.pptx
+++ b/spring13/slides/friends-cases.pptx
@@ -16,12 +16,12 @@
     <p:sldId id="443" r:id="rId4"/>
     <p:sldId id="444" r:id="rId5"/>
     <p:sldId id="445" r:id="rId6"/>
-    <p:sldId id="446" r:id="rId7"/>
-    <p:sldId id="447" r:id="rId8"/>
-    <p:sldId id="448" r:id="rId9"/>
-    <p:sldId id="449" r:id="rId10"/>
-    <p:sldId id="450" r:id="rId11"/>
-    <p:sldId id="451" r:id="rId12"/>
+    <p:sldId id="447" r:id="rId7"/>
+    <p:sldId id="448" r:id="rId8"/>
+    <p:sldId id="449" r:id="rId9"/>
+    <p:sldId id="450" r:id="rId10"/>
+    <p:sldId id="451" r:id="rId11"/>
+    <p:sldId id="453" r:id="rId12"/>
     <p:sldId id="452" r:id="rId13"/>
   </p:sldIdLst>
   <p:sldSz cx="9144000" cy="6858000" type="screen4x3"/>
@@ -942,7 +942,7 @@
       </p:grpSpPr>
       <p:sp>
         <p:nvSpPr>
-          <p:cNvPr id="49154" name="Slide Image Placeholder 1"/>
+          <p:cNvPr id="50178" name="Slide Image Placeholder 1"/>
           <p:cNvSpPr>
             <a:spLocks noGrp="1" noRot="1" noChangeAspect="1" noTextEdit="1"/>
           </p:cNvSpPr>
@@ -956,7 +956,7 @@
       </p:sp>
       <p:sp>
         <p:nvSpPr>
-          <p:cNvPr id="49155" name="Notes Placeholder 2"/>
+          <p:cNvPr id="50179" name="Notes Placeholder 2"/>
           <p:cNvSpPr>
             <a:spLocks noGrp="1"/>
           </p:cNvSpPr>
@@ -980,7 +980,7 @@
       </p:sp>
       <p:sp>
         <p:nvSpPr>
-          <p:cNvPr id="49156" name="Slide Number Placeholder 3"/>
+          <p:cNvPr id="50180" name="Slide Number Placeholder 3"/>
           <p:cNvSpPr>
             <a:spLocks noGrp="1"/>
           </p:cNvSpPr>
@@ -995,7 +995,7 @@
           <a:bodyPr/>
           <a:lstStyle/>
           <a:p>
-            <a:fld id="{2BBF7FEA-A659-42EC-A266-7D0741F4E136}" type="slidenum">
+            <a:fld id="{D9BDA413-0B0D-4575-BBC6-BFC87808FA77}" type="slidenum">
               <a:rPr lang="en-US" smtClean="0"/>
               <a:pPr/>
               <a:t>10</a:t>
@@ -1565,95 +1565,6 @@
       </p:grpSpPr>
       <p:sp>
         <p:nvSpPr>
-          <p:cNvPr id="45058" name="Slide Image Placeholder 1"/>
-          <p:cNvSpPr>
-            <a:spLocks noGrp="1" noRot="1" noChangeAspect="1" noTextEdit="1"/>
-          </p:cNvSpPr>
-          <p:nvPr>
-            <p:ph type="sldImg"/>
-          </p:nvPr>
-        </p:nvSpPr>
-        <p:spPr>
-          <a:ln/>
-        </p:spPr>
-      </p:sp>
-      <p:sp>
-        <p:nvSpPr>
-          <p:cNvPr id="45059" name="Notes Placeholder 2"/>
-          <p:cNvSpPr>
-            <a:spLocks noGrp="1"/>
-          </p:cNvSpPr>
-          <p:nvPr>
-            <p:ph type="body" idx="1"/>
-          </p:nvPr>
-        </p:nvSpPr>
-        <p:spPr>
-          <a:noFill/>
-          <a:ln/>
-        </p:spPr>
-        <p:txBody>
-          <a:bodyPr/>
-          <a:lstStyle/>
-          <a:p>
-            <a:endParaRPr lang="en-US" smtClean="0">
-              <a:cs typeface="Arial" charset="0"/>
-            </a:endParaRPr>
-          </a:p>
-        </p:txBody>
-      </p:sp>
-      <p:sp>
-        <p:nvSpPr>
-          <p:cNvPr id="45060" name="Slide Number Placeholder 3"/>
-          <p:cNvSpPr>
-            <a:spLocks noGrp="1"/>
-          </p:cNvSpPr>
-          <p:nvPr>
-            <p:ph type="sldNum" sz="quarter" idx="5"/>
-          </p:nvPr>
-        </p:nvSpPr>
-        <p:spPr>
-          <a:noFill/>
-        </p:spPr>
-        <p:txBody>
-          <a:bodyPr/>
-          <a:lstStyle/>
-          <a:p>
-            <a:fld id="{1536EADE-DE08-47FC-90C7-1DECEFDF1223}" type="slidenum">
-              <a:rPr lang="en-US" smtClean="0"/>
-              <a:pPr/>
-              <a:t>6</a:t>
-            </a:fld>
-            <a:endParaRPr lang="en-US" smtClean="0"/>
-          </a:p>
-        </p:txBody>
-      </p:sp>
-    </p:spTree>
-  </p:cSld>
-  <p:clrMapOvr>
-    <a:masterClrMapping/>
-  </p:clrMapOvr>
-</p:notes>
-</file>
-
-<file path=ppt/notesSlides/notesSlide7.xml><?xml version="1.0" encoding="utf-8"?>
-<p:notes xmlns:a="http://schemas.openxmlformats.org/drawingml/2006/main" xmlns:r="http://schemas.openxmlformats.org/officeDocument/2006/relationships" xmlns:p="http://schemas.openxmlformats.org/presentationml/2006/main">
-  <p:cSld>
-    <p:spTree>
-      <p:nvGrpSpPr>
-        <p:cNvPr id="1" name=""/>
-        <p:cNvGrpSpPr/>
-        <p:nvPr/>
-      </p:nvGrpSpPr>
-      <p:grpSpPr>
-        <a:xfrm>
-          <a:off x="0" y="0"/>
-          <a:ext cx="0" cy="0"/>
-          <a:chOff x="0" y="0"/>
-          <a:chExt cx="0" cy="0"/>
-        </a:xfrm>
-      </p:grpSpPr>
-      <p:sp>
-        <p:nvSpPr>
           <p:cNvPr id="46082" name="Slide Image Placeholder 1"/>
           <p:cNvSpPr>
             <a:spLocks noGrp="1" noRot="1" noChangeAspect="1" noTextEdit="1"/>
@@ -1710,7 +1621,7 @@
             <a:fld id="{A0BB5F16-68DA-41D6-801F-8A8B70D2BC66}" type="slidenum">
               <a:rPr lang="en-US" smtClean="0"/>
               <a:pPr/>
-              <a:t>7</a:t>
+              <a:t>6</a:t>
             </a:fld>
             <a:endParaRPr lang="en-US" smtClean="0"/>
           </a:p>
@@ -1724,7 +1635,7 @@
 </p:notes>
 </file>
 
-<file path=ppt/notesSlides/notesSlide8.xml><?xml version="1.0" encoding="utf-8"?>
+<file path=ppt/notesSlides/notesSlide7.xml><?xml version="1.0" encoding="utf-8"?>
 <p:notes xmlns:a="http://schemas.openxmlformats.org/drawingml/2006/main" xmlns:r="http://schemas.openxmlformats.org/officeDocument/2006/relationships" xmlns:p="http://schemas.openxmlformats.org/presentationml/2006/main">
   <p:cSld>
     <p:spTree>
@@ -1799,7 +1710,7 @@
             <a:fld id="{61D99CAE-1688-4618-A394-F44276AB8A5B}" type="slidenum">
               <a:rPr lang="en-US" smtClean="0"/>
               <a:pPr/>
-              <a:t>8</a:t>
+              <a:t>7</a:t>
             </a:fld>
             <a:endParaRPr lang="en-US" smtClean="0"/>
           </a:p>
@@ -1813,7 +1724,7 @@
 </p:notes>
 </file>
 
-<file path=ppt/notesSlides/notesSlide9.xml><?xml version="1.0" encoding="utf-8"?>
+<file path=ppt/notesSlides/notesSlide8.xml><?xml version="1.0" encoding="utf-8"?>
 <p:notes xmlns:a="http://schemas.openxmlformats.org/drawingml/2006/main" xmlns:r="http://schemas.openxmlformats.org/officeDocument/2006/relationships" xmlns:p="http://schemas.openxmlformats.org/presentationml/2006/main">
   <p:cSld>
     <p:spTree>
@@ -1886,6 +1797,95 @@
           <a:lstStyle/>
           <a:p>
             <a:fld id="{E7E3EBBC-C655-44E9-AD34-D1F2F7297403}" type="slidenum">
+              <a:rPr lang="en-US" smtClean="0"/>
+              <a:pPr/>
+              <a:t>8</a:t>
+            </a:fld>
+            <a:endParaRPr lang="en-US" smtClean="0"/>
+          </a:p>
+        </p:txBody>
+      </p:sp>
+    </p:spTree>
+  </p:cSld>
+  <p:clrMapOvr>
+    <a:masterClrMapping/>
+  </p:clrMapOvr>
+</p:notes>
+</file>
+
+<file path=ppt/notesSlides/notesSlide9.xml><?xml version="1.0" encoding="utf-8"?>
+<p:notes xmlns:a="http://schemas.openxmlformats.org/drawingml/2006/main" xmlns:r="http://schemas.openxmlformats.org/officeDocument/2006/relationships" xmlns:p="http://schemas.openxmlformats.org/presentationml/2006/main">
+  <p:cSld>
+    <p:spTree>
+      <p:nvGrpSpPr>
+        <p:cNvPr id="1" name=""/>
+        <p:cNvGrpSpPr/>
+        <p:nvPr/>
+      </p:nvGrpSpPr>
+      <p:grpSpPr>
+        <a:xfrm>
+          <a:off x="0" y="0"/>
+          <a:ext cx="0" cy="0"/>
+          <a:chOff x="0" y="0"/>
+          <a:chExt cx="0" cy="0"/>
+        </a:xfrm>
+      </p:grpSpPr>
+      <p:sp>
+        <p:nvSpPr>
+          <p:cNvPr id="49154" name="Slide Image Placeholder 1"/>
+          <p:cNvSpPr>
+            <a:spLocks noGrp="1" noRot="1" noChangeAspect="1" noTextEdit="1"/>
+          </p:cNvSpPr>
+          <p:nvPr>
+            <p:ph type="sldImg"/>
+          </p:nvPr>
+        </p:nvSpPr>
+        <p:spPr>
+          <a:ln/>
+        </p:spPr>
+      </p:sp>
+      <p:sp>
+        <p:nvSpPr>
+          <p:cNvPr id="49155" name="Notes Placeholder 2"/>
+          <p:cNvSpPr>
+            <a:spLocks noGrp="1"/>
+          </p:cNvSpPr>
+          <p:nvPr>
+            <p:ph type="body" idx="1"/>
+          </p:nvPr>
+        </p:nvSpPr>
+        <p:spPr>
+          <a:noFill/>
+          <a:ln/>
+        </p:spPr>
+        <p:txBody>
+          <a:bodyPr/>
+          <a:lstStyle/>
+          <a:p>
+            <a:endParaRPr lang="en-US" smtClean="0">
+              <a:cs typeface="Arial" charset="0"/>
+            </a:endParaRPr>
+          </a:p>
+        </p:txBody>
+      </p:sp>
+      <p:sp>
+        <p:nvSpPr>
+          <p:cNvPr id="49156" name="Slide Number Placeholder 3"/>
+          <p:cNvSpPr>
+            <a:spLocks noGrp="1"/>
+          </p:cNvSpPr>
+          <p:nvPr>
+            <p:ph type="sldNum" sz="quarter" idx="5"/>
+          </p:nvPr>
+        </p:nvSpPr>
+        <p:spPr>
+          <a:noFill/>
+        </p:spPr>
+        <p:txBody>
+          <a:bodyPr/>
+          <a:lstStyle/>
+          <a:p>
+            <a:fld id="{2BBF7FEA-A659-42EC-A266-7D0741F4E136}" type="slidenum">
               <a:rPr lang="en-US" smtClean="0"/>
               <a:pPr/>
               <a:t>9</a:t>
@@ -3269,7 +3269,7 @@
 </file>
 
 <file path=ppt/slides/slide10.xml><?xml version="1.0" encoding="utf-8"?>
-<p:sld xmlns:a="http://schemas.openxmlformats.org/drawingml/2006/main" xmlns:r="http://schemas.openxmlformats.org/officeDocument/2006/relationships" xmlns:p="http://schemas.openxmlformats.org/presentationml/2006/main" showMasterPhAnim="0">
+<p:sld xmlns:a="http://schemas.openxmlformats.org/drawingml/2006/main" xmlns:r="http://schemas.openxmlformats.org/officeDocument/2006/relationships" xmlns:p="http://schemas.openxmlformats.org/presentationml/2006/main">
   <p:cSld>
     <p:spTree>
       <p:nvGrpSpPr>
@@ -3287,58 +3287,7 @@
       </p:grpSpPr>
       <p:sp>
         <p:nvSpPr>
-          <p:cNvPr id="24579" name="Rectangle 3"/>
-          <p:cNvSpPr>
-            <a:spLocks noGrp="1" noChangeArrowheads="1"/>
-          </p:cNvSpPr>
-          <p:nvPr>
-            <p:ph type="body" idx="1"/>
-          </p:nvPr>
-        </p:nvSpPr>
-        <p:spPr>
-          <a:xfrm>
-            <a:off x="133350" y="2228850"/>
-            <a:ext cx="8877300" cy="2324100"/>
-          </a:xfrm>
-        </p:spPr>
-        <p:txBody>
-          <a:bodyPr/>
-          <a:lstStyle/>
-          <a:p>
-            <a:pPr>
-              <a:buFontTx/>
-              <a:buNone/>
-            </a:pPr>
-            <a:r>
-              <a:rPr lang="en-US" sz="3800" smtClean="0"/>
-              <a:t>Since the Claim is true in either case, </a:t>
-            </a:r>
-          </a:p>
-          <a:p>
-            <a:pPr>
-              <a:buFontTx/>
-              <a:buNone/>
-            </a:pPr>
-            <a:r>
-              <a:rPr lang="en-US" sz="3800" smtClean="0"/>
-              <a:t>and one of these cases always holds,</a:t>
-            </a:r>
-          </a:p>
-          <a:p>
-            <a:pPr>
-              <a:buFontTx/>
-              <a:buNone/>
-            </a:pPr>
-            <a:r>
-              <a:rPr lang="en-US" sz="3800" smtClean="0"/>
-              <a:t>the Claim is always true.</a:t>
-            </a:r>
-          </a:p>
-        </p:txBody>
-      </p:sp>
-      <p:sp>
-        <p:nvSpPr>
-          <p:cNvPr id="24580" name="Rectangle 2"/>
+          <p:cNvPr id="25603" name="Rectangle 2"/>
           <p:cNvSpPr>
             <a:spLocks noGrp="1" noChangeArrowheads="1"/>
           </p:cNvSpPr>
@@ -3352,17 +3301,159 @@
           <a:lstStyle/>
           <a:p>
             <a:r>
-              <a:rPr lang="en-US" smtClean="0"/>
-              <a:t>A Proof of the </a:t>
-            </a:r>
-            <a:r>
-              <a:rPr lang="en-US" smtClean="0">
+              <a:rPr lang="en-US" dirty="0" smtClean="0">
+                <a:solidFill>
+                  <a:schemeClr val="tx1"/>
+                </a:solidFill>
+              </a:rPr>
+              <a:t>Ramsey’s Theorem</a:t>
+            </a:r>
+          </a:p>
+        </p:txBody>
+      </p:sp>
+      <p:sp>
+        <p:nvSpPr>
+          <p:cNvPr id="345092" name="Text Box 4"/>
+          <p:cNvSpPr txBox="1">
+            <a:spLocks noChangeArrowheads="1"/>
+          </p:cNvSpPr>
+          <p:nvPr/>
+        </p:nvSpPr>
+        <p:spPr bwMode="auto">
+          <a:xfrm>
+            <a:off x="333375" y="1485900"/>
+            <a:ext cx="8362950" cy="2308324"/>
+          </a:xfrm>
+          <a:prstGeom prst="rect">
+            <a:avLst/>
+          </a:prstGeom>
+          <a:noFill/>
+          <a:ln w="9525">
+            <a:noFill/>
+            <a:miter lim="800000"/>
+            <a:headEnd/>
+            <a:tailEnd type="none" w="lg" len="lg"/>
+          </a:ln>
+          <a:effectLst/>
+        </p:spPr>
+        <p:txBody>
+          <a:bodyPr>
+            <a:spAutoFit/>
+          </a:bodyPr>
+          <a:lstStyle/>
+          <a:p>
+            <a:pPr algn="l">
+              <a:defRPr/>
+            </a:pPr>
+            <a:r>
+              <a:rPr lang="en-US" sz="3600" dirty="0">
+                <a:latin typeface="Comic Sans MS" pitchFamily="66" charset="0"/>
+              </a:rPr>
+              <a:t>For any</a:t>
+            </a:r>
+            <a:r>
+              <a:rPr lang="en-US" sz="3600" dirty="0">
+                <a:solidFill>
+                  <a:srgbClr val="008000"/>
+                </a:solidFill>
+                <a:latin typeface="Comic Sans MS" pitchFamily="66" charset="0"/>
+              </a:rPr>
+              <a:t> </a:t>
+            </a:r>
+            <a:r>
+              <a:rPr lang="en-US" sz="3600" dirty="0">
                 <a:solidFill>
                   <a:srgbClr val="006600"/>
                 </a:solidFill>
+                <a:latin typeface="Comic Sans MS" pitchFamily="66" charset="0"/>
               </a:rPr>
-              <a:t>Claim</a:t>
-            </a:r>
+              <a:t>k</a:t>
+            </a:r>
+            <a:r>
+              <a:rPr lang="en-US" sz="3600" dirty="0">
+                <a:latin typeface="Comic Sans MS" pitchFamily="66" charset="0"/>
+              </a:rPr>
+              <a:t>, every </a:t>
+            </a:r>
+            <a:r>
+              <a:rPr lang="en-US" sz="3600" i="1" dirty="0">
+                <a:latin typeface="Comic Sans MS" pitchFamily="66" charset="0"/>
+              </a:rPr>
+              <a:t>large enough</a:t>
+            </a:r>
+            <a:r>
+              <a:rPr lang="en-US" sz="3600" dirty="0">
+                <a:latin typeface="Comic Sans MS" pitchFamily="66" charset="0"/>
+              </a:rPr>
+              <a:t> group of people will include either</a:t>
+            </a:r>
+          </a:p>
+          <a:p>
+            <a:pPr>
+              <a:defRPr/>
+            </a:pPr>
+            <a:r>
+              <a:rPr lang="en-US" sz="3600" dirty="0">
+                <a:solidFill>
+                  <a:srgbClr val="006600"/>
+                </a:solidFill>
+                <a:latin typeface="Comic Sans MS" pitchFamily="66" charset="0"/>
+              </a:rPr>
+              <a:t>k</a:t>
+            </a:r>
+            <a:r>
+              <a:rPr lang="en-US" sz="3600" dirty="0">
+                <a:latin typeface="Comic Sans MS" pitchFamily="66" charset="0"/>
+              </a:rPr>
+              <a:t> </a:t>
+            </a:r>
+            <a:r>
+              <a:rPr lang="en-US" sz="3600" dirty="0">
+                <a:solidFill>
+                  <a:srgbClr val="C40025"/>
+                </a:solidFill>
+                <a:latin typeface="Comic Sans MS" pitchFamily="66" charset="0"/>
+              </a:rPr>
+              <a:t>mutual friends</a:t>
+            </a:r>
+            <a:r>
+              <a:rPr lang="en-US" sz="3600" dirty="0">
+                <a:latin typeface="Comic Sans MS" pitchFamily="66" charset="0"/>
+              </a:rPr>
+              <a:t>, or</a:t>
+            </a:r>
+          </a:p>
+          <a:p>
+            <a:pPr>
+              <a:defRPr/>
+            </a:pPr>
+            <a:r>
+              <a:rPr lang="en-US" sz="3600" dirty="0">
+                <a:solidFill>
+                  <a:srgbClr val="006600"/>
+                </a:solidFill>
+                <a:latin typeface="Comic Sans MS" pitchFamily="66" charset="0"/>
+              </a:rPr>
+              <a:t>k </a:t>
+            </a:r>
+            <a:r>
+              <a:rPr lang="en-US" sz="3600" dirty="0">
+                <a:solidFill>
+                  <a:srgbClr val="0000FF"/>
+                </a:solidFill>
+                <a:latin typeface="Comic Sans MS" pitchFamily="66" charset="0"/>
+              </a:rPr>
+              <a:t>mutual strangers</a:t>
+            </a:r>
+            <a:r>
+              <a:rPr lang="en-US" sz="3600" dirty="0" smtClean="0">
+                <a:latin typeface="Comic Sans MS" pitchFamily="66" charset="0"/>
+              </a:rPr>
+              <a:t>.</a:t>
+            </a:r>
+            <a:endParaRPr lang="en-US" sz="3600" dirty="0">
+              <a:latin typeface="Comic Sans MS" pitchFamily="66" charset="0"/>
+            </a:endParaRPr>
           </a:p>
         </p:txBody>
       </p:sp>
@@ -3378,8 +3469,8 @@
         </p:nvSpPr>
         <p:spPr>
           <a:xfrm>
-            <a:off x="7665307" y="6594296"/>
-            <a:ext cx="1478696" cy="261610"/>
+            <a:off x="7687899" y="6594296"/>
+            <a:ext cx="1456104" cy="261610"/>
           </a:xfrm>
           <a:ln/>
         </p:spPr>
@@ -3415,12 +3506,157 @@
     <a:masterClrMapping/>
   </p:clrMapOvr>
   <p:transition xmlns:p14="http://schemas.microsoft.com/office/powerpoint/2010/main" spd="slow" advClick="0">
-    <p:fade/>
+    <p:fade thruBlk="1"/>
   </p:transition>
   <p:timing>
     <p:tnLst>
       <p:par>
-        <p:cTn xmlns:p14="http://schemas.microsoft.com/office/powerpoint/2010/main" id="1" dur="indefinite" restart="never" nodeType="tmRoot"/>
+        <p:cTn xmlns:p14="http://schemas.microsoft.com/office/powerpoint/2010/main" id="1" dur="indefinite" restart="never" nodeType="tmRoot">
+          <p:childTnLst>
+            <p:seq concurrent="1" nextAc="seek">
+              <p:cTn id="2" dur="indefinite" nodeType="mainSeq">
+                <p:childTnLst>
+                  <p:par>
+                    <p:cTn id="3" fill="hold">
+                      <p:stCondLst>
+                        <p:cond delay="indefinite"/>
+                      </p:stCondLst>
+                      <p:childTnLst>
+                        <p:par>
+                          <p:cTn id="4" fill="hold">
+                            <p:stCondLst>
+                              <p:cond delay="0"/>
+                            </p:stCondLst>
+                            <p:childTnLst>
+                              <p:par>
+                                <p:cTn id="5" presetID="9" presetClass="entr" presetSubtype="0" fill="hold" nodeType="clickEffect">
+                                  <p:stCondLst>
+                                    <p:cond delay="0"/>
+                                  </p:stCondLst>
+                                  <p:childTnLst>
+                                    <p:set>
+                                      <p:cBhvr>
+                                        <p:cTn id="6" dur="1" fill="hold">
+                                          <p:stCondLst>
+                                            <p:cond delay="0"/>
+                                          </p:stCondLst>
+                                        </p:cTn>
+                                        <p:tgtEl>
+                                          <p:spTgt spid="345092">
+                                            <p:txEl>
+                                              <p:pRg st="1" end="1"/>
+                                            </p:txEl>
+                                          </p:spTgt>
+                                        </p:tgtEl>
+                                        <p:attrNameLst>
+                                          <p:attrName>style.visibility</p:attrName>
+                                        </p:attrNameLst>
+                                      </p:cBhvr>
+                                      <p:to>
+                                        <p:strVal val="visible"/>
+                                      </p:to>
+                                    </p:set>
+                                    <p:animEffect transition="in" filter="dissolve">
+                                      <p:cBhvr>
+                                        <p:cTn id="7" dur="500"/>
+                                        <p:tgtEl>
+                                          <p:spTgt spid="345092">
+                                            <p:txEl>
+                                              <p:pRg st="1" end="1"/>
+                                            </p:txEl>
+                                          </p:spTgt>
+                                        </p:tgtEl>
+                                      </p:cBhvr>
+                                    </p:animEffect>
+                                  </p:childTnLst>
+                                </p:cTn>
+                              </p:par>
+                            </p:childTnLst>
+                          </p:cTn>
+                        </p:par>
+                      </p:childTnLst>
+                    </p:cTn>
+                  </p:par>
+                  <p:par>
+                    <p:cTn id="8" fill="hold">
+                      <p:stCondLst>
+                        <p:cond delay="indefinite"/>
+                      </p:stCondLst>
+                      <p:childTnLst>
+                        <p:par>
+                          <p:cTn id="9" fill="hold">
+                            <p:stCondLst>
+                              <p:cond delay="0"/>
+                            </p:stCondLst>
+                            <p:childTnLst>
+                              <p:par>
+                                <p:cTn id="10" presetID="9" presetClass="entr" presetSubtype="0" fill="hold" nodeType="clickEffect">
+                                  <p:stCondLst>
+                                    <p:cond delay="0"/>
+                                  </p:stCondLst>
+                                  <p:childTnLst>
+                                    <p:set>
+                                      <p:cBhvr>
+                                        <p:cTn id="11" dur="1" fill="hold">
+                                          <p:stCondLst>
+                                            <p:cond delay="0"/>
+                                          </p:stCondLst>
+                                        </p:cTn>
+                                        <p:tgtEl>
+                                          <p:spTgt spid="345092">
+                                            <p:txEl>
+                                              <p:pRg st="2" end="2"/>
+                                            </p:txEl>
+                                          </p:spTgt>
+                                        </p:tgtEl>
+                                        <p:attrNameLst>
+                                          <p:attrName>style.visibility</p:attrName>
+                                        </p:attrNameLst>
+                                      </p:cBhvr>
+                                      <p:to>
+                                        <p:strVal val="visible"/>
+                                      </p:to>
+                                    </p:set>
+                                    <p:animEffect transition="in" filter="dissolve">
+                                      <p:cBhvr>
+                                        <p:cTn id="12" dur="500"/>
+                                        <p:tgtEl>
+                                          <p:spTgt spid="345092">
+                                            <p:txEl>
+                                              <p:pRg st="2" end="2"/>
+                                            </p:txEl>
+                                          </p:spTgt>
+                                        </p:tgtEl>
+                                      </p:cBhvr>
+                                    </p:animEffect>
+                                  </p:childTnLst>
+                                </p:cTn>
+                              </p:par>
+                            </p:childTnLst>
+                          </p:cTn>
+                        </p:par>
+                      </p:childTnLst>
+                    </p:cTn>
+                  </p:par>
+                </p:childTnLst>
+              </p:cTn>
+              <p:prevCondLst>
+                <p:cond evt="onPrev" delay="0">
+                  <p:tgtEl>
+                    <p:sldTgt/>
+                  </p:tgtEl>
+                </p:cond>
+              </p:prevCondLst>
+              <p:nextCondLst>
+                <p:cond evt="onNext" delay="0">
+                  <p:tgtEl>
+                    <p:sldTgt/>
+                  </p:tgtEl>
+                </p:cond>
+              </p:nextCondLst>
+            </p:seq>
+          </p:childTnLst>
+        </p:cTn>
       </p:par>
     </p:tnLst>
   </p:timing>
@@ -3460,7 +3696,7 @@
           <a:lstStyle/>
           <a:p>
             <a:r>
-              <a:rPr lang="en-US" smtClean="0">
+              <a:rPr lang="en-US" dirty="0" smtClean="0">
                 <a:solidFill>
                   <a:schemeClr val="tx1"/>
                 </a:solidFill>
@@ -3481,7 +3717,7 @@
         <p:spPr bwMode="auto">
           <a:xfrm>
             <a:off x="333375" y="1485900"/>
-            <a:ext cx="8362950" cy="3416300"/>
+            <a:ext cx="8362950" cy="3822585"/>
           </a:xfrm>
           <a:prstGeom prst="rect">
             <a:avLst/>
@@ -3522,37 +3758,120 @@
             <a:r>
               <a:rPr lang="en-US" sz="3600" dirty="0">
                 <a:solidFill>
+                  <a:srgbClr val="006600"/>
+                </a:solidFill>
+                <a:latin typeface="Comic Sans MS" pitchFamily="66" charset="0"/>
+              </a:rPr>
+              <a:t>k</a:t>
+            </a:r>
+            <a:r>
+              <a:rPr lang="en-US" sz="3600" dirty="0">
+                <a:latin typeface="Comic Sans MS" pitchFamily="66" charset="0"/>
+              </a:rPr>
+              <a:t>, every </a:t>
+            </a:r>
+            <a:r>
+              <a:rPr lang="en-US" sz="3600" i="1" dirty="0">
+                <a:latin typeface="Comic Sans MS" pitchFamily="66" charset="0"/>
+              </a:rPr>
+              <a:t>large enough</a:t>
+            </a:r>
+            <a:r>
+              <a:rPr lang="en-US" sz="3600" dirty="0">
+                <a:latin typeface="Comic Sans MS" pitchFamily="66" charset="0"/>
+              </a:rPr>
+              <a:t> group of people will include either</a:t>
+            </a:r>
+          </a:p>
+          <a:p>
+            <a:pPr>
+              <a:defRPr/>
+            </a:pPr>
+            <a:r>
+              <a:rPr lang="en-US" sz="3600" dirty="0" smtClean="0">
+                <a:latin typeface="Comic Sans MS" pitchFamily="66" charset="0"/>
+              </a:rPr>
+              <a:t>size-</a:t>
+            </a:r>
+            <a:r>
+              <a:rPr lang="en-US" sz="3600" dirty="0" smtClean="0">
+                <a:solidFill>
+                  <a:srgbClr val="006600"/>
+                </a:solidFill>
+                <a:latin typeface="Comic Sans MS" pitchFamily="66" charset="0"/>
+              </a:rPr>
+              <a:t>k </a:t>
+            </a:r>
+            <a:r>
+              <a:rPr lang="en-US" sz="3600" dirty="0" smtClean="0">
+                <a:solidFill>
+                  <a:srgbClr val="C40025"/>
+                </a:solidFill>
+                <a:latin typeface="Comic Sans MS" pitchFamily="66" charset="0"/>
+              </a:rPr>
+              <a:t>red clique</a:t>
+            </a:r>
+            <a:r>
+              <a:rPr lang="en-US" sz="3600" dirty="0" smtClean="0">
+                <a:latin typeface="Comic Sans MS" pitchFamily="66" charset="0"/>
+              </a:rPr>
+              <a:t>, or</a:t>
+            </a:r>
+          </a:p>
+          <a:p>
+            <a:pPr algn="l">
+              <a:defRPr/>
+            </a:pPr>
+            <a:r>
+              <a:rPr lang="en-US" sz="3600" dirty="0">
+                <a:latin typeface="Comic Sans MS" pitchFamily="66" charset="0"/>
+              </a:rPr>
+              <a:t> </a:t>
+            </a:r>
+            <a:r>
+              <a:rPr lang="en-US" sz="3600" dirty="0" smtClean="0">
+                <a:latin typeface="Comic Sans MS" pitchFamily="66" charset="0"/>
+              </a:rPr>
+              <a:t>             </a:t>
+            </a:r>
+            <a:r>
+              <a:rPr lang="en-US" sz="1800" dirty="0" smtClean="0">
+                <a:latin typeface="Comic Sans MS" pitchFamily="66" charset="0"/>
+              </a:rPr>
+              <a:t> </a:t>
+            </a:r>
+            <a:r>
+              <a:rPr lang="en-US" sz="3600" dirty="0" smtClean="0">
+                <a:latin typeface="Comic Sans MS" pitchFamily="66" charset="0"/>
+              </a:rPr>
+              <a:t>size</a:t>
+            </a:r>
+            <a:r>
+              <a:rPr lang="en-US" sz="3600" dirty="0">
+                <a:latin typeface="Comic Sans MS" pitchFamily="66" charset="0"/>
+              </a:rPr>
+              <a:t>-</a:t>
+            </a:r>
+            <a:r>
+              <a:rPr lang="en-US" sz="3600" dirty="0">
+                <a:solidFill>
+                  <a:srgbClr val="006600"/>
+                </a:solidFill>
+                <a:latin typeface="Comic Sans MS" pitchFamily="66" charset="0"/>
+              </a:rPr>
+              <a:t>k </a:t>
+            </a:r>
+            <a:r>
+              <a:rPr lang="en-US" sz="3600" dirty="0" smtClean="0">
+                <a:solidFill>
                   <a:schemeClr val="accent1">
                     <a:lumMod val="50000"/>
                   </a:schemeClr>
                 </a:solidFill>
                 <a:latin typeface="Comic Sans MS" pitchFamily="66" charset="0"/>
               </a:rPr>
-              <a:t>k</a:t>
-            </a:r>
-            <a:r>
-              <a:rPr lang="en-US" sz="3600" dirty="0">
-                <a:latin typeface="Comic Sans MS" pitchFamily="66" charset="0"/>
-              </a:rPr>
-              <a:t>, every </a:t>
-            </a:r>
-            <a:r>
-              <a:rPr lang="en-US" sz="3600" i="1" dirty="0">
-                <a:latin typeface="Comic Sans MS" pitchFamily="66" charset="0"/>
-              </a:rPr>
-              <a:t>large enough</a:t>
-            </a:r>
-            <a:r>
-              <a:rPr lang="en-US" sz="3600" dirty="0">
-                <a:latin typeface="Comic Sans MS" pitchFamily="66" charset="0"/>
-              </a:rPr>
-              <a:t> group of people will include either</a:t>
-            </a:r>
-          </a:p>
-          <a:p>
-            <a:pPr>
-              <a:defRPr/>
-            </a:pPr>
+              <a:t>blue </a:t>
+            </a:r>
             <a:r>
               <a:rPr lang="en-US" sz="3600" dirty="0">
                 <a:solidFill>
@@ -3562,57 +3881,39 @@
                 </a:solidFill>
                 <a:latin typeface="Comic Sans MS" pitchFamily="66" charset="0"/>
               </a:rPr>
-              <a:t>k</a:t>
-            </a:r>
+              <a:t>clique</a:t>
+            </a:r>
+            <a:r>
+              <a:rPr lang="en-US" sz="3600" dirty="0" smtClean="0">
+                <a:latin typeface="Comic Sans MS" pitchFamily="66" charset="0"/>
+              </a:rPr>
+              <a:t>.</a:t>
+            </a:r>
+            <a:endParaRPr lang="en-US" sz="3600" dirty="0">
+              <a:latin typeface="Comic Sans MS" pitchFamily="66" charset="0"/>
+            </a:endParaRPr>
+          </a:p>
+          <a:p>
+            <a:pPr algn="l">
+              <a:lnSpc>
+                <a:spcPct val="140000"/>
+              </a:lnSpc>
+              <a:defRPr/>
+            </a:pPr>
             <a:r>
               <a:rPr lang="en-US" sz="3600" dirty="0">
                 <a:latin typeface="Comic Sans MS" pitchFamily="66" charset="0"/>
               </a:rPr>
-              <a:t> mutual friends, or</a:t>
-            </a:r>
-          </a:p>
-          <a:p>
-            <a:pPr>
-              <a:defRPr/>
-            </a:pPr>
+              <a:t>Let</a:t>
+            </a:r>
             <a:r>
               <a:rPr lang="en-US" sz="3600" dirty="0">
                 <a:solidFill>
-                  <a:schemeClr val="accent1">
-                    <a:lumMod val="50000"/>
-                  </a:schemeClr>
+                  <a:srgbClr val="006600"/>
                 </a:solidFill>
                 <a:latin typeface="Comic Sans MS" pitchFamily="66" charset="0"/>
               </a:rPr>
-              <a:t>k</a:t>
-            </a:r>
-            <a:r>
-              <a:rPr lang="en-US" sz="3600" dirty="0">
-                <a:latin typeface="Comic Sans MS" pitchFamily="66" charset="0"/>
-              </a:rPr>
-              <a:t> mutual strangers.</a:t>
-            </a:r>
-          </a:p>
-          <a:p>
-            <a:pPr algn="l">
-              <a:defRPr/>
-            </a:pPr>
-            <a:r>
-              <a:rPr lang="en-US" sz="3600" dirty="0">
-                <a:latin typeface="Comic Sans MS" pitchFamily="66" charset="0"/>
-              </a:rPr>
-              <a:t>Let </a:t>
-            </a:r>
-            <a:r>
-              <a:rPr lang="en-US" sz="3600" dirty="0">
-                <a:solidFill>
-                  <a:schemeClr val="accent1">
-                    <a:lumMod val="50000"/>
-                  </a:schemeClr>
-                </a:solidFill>
-                <a:latin typeface="Comic Sans MS" pitchFamily="66" charset="0"/>
-              </a:rPr>
-              <a:t>R(k)</a:t>
+              <a:t> R(k)</a:t>
             </a:r>
             <a:r>
               <a:rPr lang="en-US" sz="3600" dirty="0">
@@ -3623,6 +3924,9 @@
           </a:p>
           <a:p>
             <a:pPr algn="l">
+              <a:lnSpc>
+                <a:spcPct val="140000"/>
+              </a:lnSpc>
               <a:defRPr/>
             </a:pPr>
             <a:r>
@@ -3634,13 +3938,39 @@
             <a:r>
               <a:rPr lang="en-US" sz="3600" dirty="0">
                 <a:solidFill>
-                  <a:schemeClr val="accent1">
-                    <a:lumMod val="50000"/>
-                  </a:schemeClr>
+                  <a:srgbClr val="006600"/>
                 </a:solidFill>
                 <a:latin typeface="Comic Sans MS" pitchFamily="66" charset="0"/>
               </a:rPr>
-              <a:t>R(3) = 6</a:t>
+              <a:t>R(3) </a:t>
+            </a:r>
+            <a:r>
+              <a:rPr lang="en-US" sz="3600" b="1" dirty="0" smtClean="0">
+                <a:solidFill>
+                  <a:srgbClr val="006600"/>
+                </a:solidFill>
+                <a:latin typeface="Euclid Symbol" charset="2"/>
+                <a:cs typeface="Euclid Symbol" charset="2"/>
+              </a:rPr>
+              <a:t>≤</a:t>
+            </a:r>
+            <a:r>
+              <a:rPr lang="en-US" sz="3600" dirty="0" smtClean="0">
+                <a:solidFill>
+                  <a:srgbClr val="006600"/>
+                </a:solidFill>
+                <a:latin typeface="Comic Sans MS" pitchFamily="66" charset="0"/>
+              </a:rPr>
+              <a:t> </a:t>
+            </a:r>
+            <a:r>
+              <a:rPr lang="en-US" sz="3600" dirty="0">
+                <a:solidFill>
+                  <a:srgbClr val="006600"/>
+                </a:solidFill>
+                <a:latin typeface="Comic Sans MS" pitchFamily="66" charset="0"/>
+              </a:rPr>
+              <a:t>6</a:t>
             </a:r>
             <a:r>
               <a:rPr lang="en-US" sz="3600" dirty="0">
@@ -3694,13 +4024,82 @@
           </a:p>
         </p:txBody>
       </p:sp>
+      <p:sp useBgFill="1">
+        <p:nvSpPr>
+          <p:cNvPr id="2" name="TextBox 1"/>
+          <p:cNvSpPr txBox="1"/>
+          <p:nvPr/>
+        </p:nvSpPr>
+        <p:spPr>
+          <a:xfrm>
+            <a:off x="4918896" y="4620365"/>
+            <a:ext cx="2126531" cy="646331"/>
+          </a:xfrm>
+          <a:prstGeom prst="rect">
+            <a:avLst/>
+          </a:prstGeom>
+        </p:spPr>
+        <p:txBody>
+          <a:bodyPr wrap="none" rtlCol="0">
+            <a:spAutoFit/>
+          </a:bodyPr>
+          <a:lstStyle/>
+          <a:p>
+            <a:r>
+              <a:rPr lang="en-US" sz="3600" dirty="0">
+                <a:solidFill>
+                  <a:srgbClr val="006600"/>
+                </a:solidFill>
+                <a:latin typeface="Comic Sans MS" pitchFamily="66" charset="0"/>
+              </a:rPr>
+              <a:t>R(3) </a:t>
+            </a:r>
+            <a:r>
+              <a:rPr lang="en-US" sz="3600" b="1" dirty="0">
+                <a:solidFill>
+                  <a:srgbClr val="006600"/>
+                </a:solidFill>
+                <a:latin typeface="Euclid Symbol" charset="2"/>
+                <a:cs typeface="Euclid Symbol" charset="2"/>
+              </a:rPr>
+              <a:t>=</a:t>
+            </a:r>
+            <a:r>
+              <a:rPr lang="en-US" sz="3600" dirty="0">
+                <a:solidFill>
+                  <a:srgbClr val="006600"/>
+                </a:solidFill>
+                <a:latin typeface="Comic Sans MS" pitchFamily="66" charset="0"/>
+              </a:rPr>
+              <a:t> </a:t>
+            </a:r>
+            <a:r>
+              <a:rPr lang="en-US" sz="3600" dirty="0" smtClean="0">
+                <a:solidFill>
+                  <a:srgbClr val="006600"/>
+                </a:solidFill>
+                <a:latin typeface="Comic Sans MS" pitchFamily="66" charset="0"/>
+              </a:rPr>
+              <a:t>6.</a:t>
+            </a:r>
+            <a:endParaRPr lang="en-US" sz="4800" dirty="0" smtClean="0">
+              <a:latin typeface="Comic Sans MS" pitchFamily="66" charset="0"/>
+            </a:endParaRPr>
+          </a:p>
+        </p:txBody>
+      </p:sp>
     </p:spTree>
+    <p:extLst>
+      <p:ext uri="{BB962C8B-B14F-4D97-AF65-F5344CB8AC3E}">
+        <p14:creationId xmlns:p14="http://schemas.microsoft.com/office/powerpoint/2010/main" val="1268185338"/>
+      </p:ext>
+    </p:extLst>
   </p:cSld>
   <p:clrMapOvr>
     <a:masterClrMapping/>
   </p:clrMapOvr>
-  <p:transition xmlns:p14="http://schemas.microsoft.com/office/powerpoint/2010/main" spd="slow" advClick="0">
-    <p:fade thruBlk="1"/>
+  <p:transition xmlns:p14="http://schemas.microsoft.com/office/powerpoint/2010/main" advClick="0">
+    <p:fade/>
   </p:transition>
   <p:timing>
     <p:tnLst>
@@ -3723,7 +4122,7 @@
                             </p:stCondLst>
                             <p:childTnLst>
                               <p:par>
-                                <p:cTn id="5" presetID="1" presetClass="entr" presetSubtype="0" fill="hold" nodeType="clickEffect">
+                                <p:cTn id="5" presetID="9" presetClass="entr" presetSubtype="0" fill="hold" nodeType="clickEffect">
                                   <p:stCondLst>
                                     <p:cond delay="0"/>
                                   </p:stCondLst>
@@ -3731,104 +4130,6 @@
                                     <p:set>
                                       <p:cBhvr>
                                         <p:cTn id="6" dur="1" fill="hold">
-                                          <p:stCondLst>
-                                            <p:cond delay="0"/>
-                                          </p:stCondLst>
-                                        </p:cTn>
-                                        <p:tgtEl>
-                                          <p:spTgt spid="345092">
-                                            <p:txEl>
-                                              <p:pRg st="1" end="1"/>
-                                            </p:txEl>
-                                          </p:spTgt>
-                                        </p:tgtEl>
-                                        <p:attrNameLst>
-                                          <p:attrName>style.visibility</p:attrName>
-                                        </p:attrNameLst>
-                                      </p:cBhvr>
-                                      <p:to>
-                                        <p:strVal val="visible"/>
-                                      </p:to>
-                                    </p:set>
-                                  </p:childTnLst>
-                                </p:cTn>
-                              </p:par>
-                            </p:childTnLst>
-                          </p:cTn>
-                        </p:par>
-                      </p:childTnLst>
-                    </p:cTn>
-                  </p:par>
-                  <p:par>
-                    <p:cTn id="7" fill="hold">
-                      <p:stCondLst>
-                        <p:cond delay="indefinite"/>
-                      </p:stCondLst>
-                      <p:childTnLst>
-                        <p:par>
-                          <p:cTn id="8" fill="hold">
-                            <p:stCondLst>
-                              <p:cond delay="0"/>
-                            </p:stCondLst>
-                            <p:childTnLst>
-                              <p:par>
-                                <p:cTn id="9" presetID="1" presetClass="entr" presetSubtype="0" fill="hold" nodeType="clickEffect">
-                                  <p:stCondLst>
-                                    <p:cond delay="0"/>
-                                  </p:stCondLst>
-                                  <p:childTnLst>
-                                    <p:set>
-                                      <p:cBhvr>
-                                        <p:cTn id="10" dur="1" fill="hold">
-                                          <p:stCondLst>
-                                            <p:cond delay="0"/>
-                                          </p:stCondLst>
-                                        </p:cTn>
-                                        <p:tgtEl>
-                                          <p:spTgt spid="345092">
-                                            <p:txEl>
-                                              <p:pRg st="2" end="2"/>
-                                            </p:txEl>
-                                          </p:spTgt>
-                                        </p:tgtEl>
-                                        <p:attrNameLst>
-                                          <p:attrName>style.visibility</p:attrName>
-                                        </p:attrNameLst>
-                                      </p:cBhvr>
-                                      <p:to>
-                                        <p:strVal val="visible"/>
-                                      </p:to>
-                                    </p:set>
-                                  </p:childTnLst>
-                                </p:cTn>
-                              </p:par>
-                            </p:childTnLst>
-                          </p:cTn>
-                        </p:par>
-                      </p:childTnLst>
-                    </p:cTn>
-                  </p:par>
-                  <p:par>
-                    <p:cTn id="11" fill="hold">
-                      <p:stCondLst>
-                        <p:cond delay="indefinite"/>
-                      </p:stCondLst>
-                      <p:childTnLst>
-                        <p:par>
-                          <p:cTn id="12" fill="hold">
-                            <p:stCondLst>
-                              <p:cond delay="0"/>
-                            </p:stCondLst>
-                            <p:childTnLst>
-                              <p:par>
-                                <p:cTn id="13" presetID="1" presetClass="entr" presetSubtype="0" fill="hold" nodeType="clickEffect">
-                                  <p:stCondLst>
-                                    <p:cond delay="0"/>
-                                  </p:stCondLst>
-                                  <p:childTnLst>
-                                    <p:set>
-                                      <p:cBhvr>
-                                        <p:cTn id="14" dur="1" fill="hold">
                                           <p:stCondLst>
                                             <p:cond delay="0"/>
                                           </p:stCondLst>
@@ -3848,18 +4149,48 @@
                                         <p:strVal val="visible"/>
                                       </p:to>
                                     </p:set>
+                                    <p:animEffect transition="in" filter="dissolve">
+                                      <p:cBhvr>
+                                        <p:cTn id="7" dur="500"/>
+                                        <p:tgtEl>
+                                          <p:spTgt spid="345092">
+                                            <p:txEl>
+                                              <p:pRg st="3" end="3"/>
+                                            </p:txEl>
+                                          </p:spTgt>
+                                        </p:tgtEl>
+                                      </p:cBhvr>
+                                    </p:animEffect>
                                   </p:childTnLst>
                                 </p:cTn>
                               </p:par>
+                            </p:childTnLst>
+                          </p:cTn>
+                        </p:par>
+                      </p:childTnLst>
+                    </p:cTn>
+                  </p:par>
+                  <p:par>
+                    <p:cTn id="8" fill="hold">
+                      <p:stCondLst>
+                        <p:cond delay="indefinite"/>
+                      </p:stCondLst>
+                      <p:childTnLst>
+                        <p:par>
+                          <p:cTn id="9" fill="hold">
+                            <p:stCondLst>
+                              <p:cond delay="0"/>
+                            </p:stCondLst>
+                            <p:childTnLst>
                               <p:par>
-                                <p:cTn id="15" presetID="1" presetClass="entr" presetSubtype="0" fill="hold" nodeType="withEffect">
+                                <p:cTn id="10" presetID="9" presetClass="entr" presetSubtype="0" fill="hold" nodeType="clickEffect">
                                   <p:stCondLst>
                                     <p:cond delay="0"/>
                                   </p:stCondLst>
                                   <p:childTnLst>
                                     <p:set>
                                       <p:cBhvr>
-                                        <p:cTn id="16" dur="1" fill="hold">
+                                        <p:cTn id="11" dur="1" fill="hold">
                                           <p:stCondLst>
                                             <p:cond delay="0"/>
                                           </p:stCondLst>
@@ -3879,6 +4210,71 @@
                                         <p:strVal val="visible"/>
                                       </p:to>
                                     </p:set>
+                                    <p:animEffect transition="in" filter="dissolve">
+                                      <p:cBhvr>
+                                        <p:cTn id="12" dur="500"/>
+                                        <p:tgtEl>
+                                          <p:spTgt spid="345092">
+                                            <p:txEl>
+                                              <p:pRg st="4" end="4"/>
+                                            </p:txEl>
+                                          </p:spTgt>
+                                        </p:tgtEl>
+                                      </p:cBhvr>
+                                    </p:animEffect>
+                                  </p:childTnLst>
+                                </p:cTn>
+                              </p:par>
+                            </p:childTnLst>
+                          </p:cTn>
+                        </p:par>
+                      </p:childTnLst>
+                    </p:cTn>
+                  </p:par>
+                  <p:par>
+                    <p:cTn id="13" fill="hold">
+                      <p:stCondLst>
+                        <p:cond delay="indefinite"/>
+                      </p:stCondLst>
+                      <p:childTnLst>
+                        <p:par>
+                          <p:cTn id="14" fill="hold">
+                            <p:stCondLst>
+                              <p:cond delay="0"/>
+                            </p:stCondLst>
+                            <p:childTnLst>
+                              <p:par>
+                                <p:cTn id="15" presetID="9" presetClass="entr" presetSubtype="0" fill="hold" grpId="0" nodeType="clickEffect">
+                                  <p:stCondLst>
+                                    <p:cond delay="0"/>
+                                  </p:stCondLst>
+                                  <p:childTnLst>
+                                    <p:set>
+                                      <p:cBhvr>
+                                        <p:cTn id="16" dur="1" fill="hold">
+                                          <p:stCondLst>
+                                            <p:cond delay="0"/>
+                                          </p:stCondLst>
+                                        </p:cTn>
+                                        <p:tgtEl>
+                                          <p:spTgt spid="2"/>
+                                        </p:tgtEl>
+                                        <p:attrNameLst>
+                                          <p:attrName>style.visibility</p:attrName>
+                                        </p:attrNameLst>
+                                      </p:cBhvr>
+                                      <p:to>
+                                        <p:strVal val="visible"/>
+                                      </p:to>
+                                    </p:set>
+                                    <p:animEffect transition="in" filter="dissolve">
+                                      <p:cBhvr>
+                                        <p:cTn id="17" dur="1000"/>
+                                        <p:tgtEl>
+                                          <p:spTgt spid="2"/>
+                                        </p:tgtEl>
+                                      </p:cBhvr>
+                                    </p:animEffect>
                                   </p:childTnLst>
                                 </p:cTn>
                               </p:par>
@@ -3909,6 +4305,9 @@
         </p:cTn>
       </p:par>
     </p:tnLst>
+    <p:bldLst>
+      <p:bldP spid="2" grpId="0" animBg="1"/>
+    </p:bldLst>
   </p:timing>
 </p:sld>
 </file>
@@ -3999,25 +4398,12 @@
             <a:r>
               <a:rPr lang="en-US" sz="4000" dirty="0">
                 <a:solidFill>
-                  <a:schemeClr val="accent1">
-                    <a:lumMod val="50000"/>
-                  </a:schemeClr>
+                  <a:srgbClr val="006600"/>
                 </a:solidFill>
                 <a:latin typeface="Comic Sans MS" pitchFamily="66" charset="0"/>
               </a:rPr>
-              <a:t>R(4) = 18 </a:t>
-            </a:r>
-            <a:r>
-              <a:rPr lang="en-US" sz="4000" dirty="0">
-                <a:latin typeface="Comic Sans MS" pitchFamily="66" charset="0"/>
-              </a:rPr>
-              <a:t>(not easy!)</a:t>
-            </a:r>
-          </a:p>
-          <a:p>
-            <a:pPr algn="l">
-              <a:defRPr/>
-            </a:pPr>
+              <a:t>R(4) = 18</a:t>
+            </a:r>
             <a:r>
               <a:rPr lang="en-US" sz="4000" dirty="0">
                 <a:solidFill>
@@ -4027,6 +4413,26 @@
                 </a:solidFill>
                 <a:latin typeface="Comic Sans MS" pitchFamily="66" charset="0"/>
               </a:rPr>
+              <a:t> </a:t>
+            </a:r>
+            <a:r>
+              <a:rPr lang="en-US" sz="4000" dirty="0">
+                <a:latin typeface="Comic Sans MS" pitchFamily="66" charset="0"/>
+              </a:rPr>
+              <a:t>(not easy!)</a:t>
+            </a:r>
+          </a:p>
+          <a:p>
+            <a:pPr algn="l">
+              <a:defRPr/>
+            </a:pPr>
+            <a:r>
+              <a:rPr lang="en-US" sz="4000" dirty="0">
+                <a:solidFill>
+                  <a:srgbClr val="006600"/>
+                </a:solidFill>
+                <a:latin typeface="Comic Sans MS" pitchFamily="66" charset="0"/>
+              </a:rPr>
               <a:t>R(5)</a:t>
             </a:r>
             <a:r>
@@ -4089,9 +4495,7 @@
             <a:r>
               <a:rPr lang="en-US" sz="4000" dirty="0">
                 <a:solidFill>
-                  <a:schemeClr val="accent1">
-                    <a:lumMod val="50000"/>
-                  </a:schemeClr>
+                  <a:srgbClr val="006600"/>
                 </a:solidFill>
                 <a:latin typeface="Comic Sans MS" pitchFamily="66" charset="0"/>
               </a:rPr>
@@ -4219,7 +4623,7 @@
                             </p:stCondLst>
                             <p:childTnLst>
                               <p:par>
-                                <p:cTn id="5" presetID="1" presetClass="entr" presetSubtype="0" fill="hold" nodeType="clickEffect">
+                                <p:cTn id="5" presetID="9" presetClass="entr" presetSubtype="0" fill="hold" nodeType="clickEffect">
                                   <p:stCondLst>
                                     <p:cond delay="0"/>
                                   </p:stCondLst>
@@ -4246,6 +4650,18 @@
                                         <p:strVal val="visible"/>
                                       </p:to>
                                     </p:set>
+                                    <p:animEffect transition="in" filter="dissolve">
+                                      <p:cBhvr>
+                                        <p:cTn id="7" dur="500"/>
+                                        <p:tgtEl>
+                                          <p:spTgt spid="6">
+                                            <p:txEl>
+                                              <p:pRg st="1" end="1"/>
+                                            </p:txEl>
+                                          </p:spTgt>
+                                        </p:tgtEl>
+                                      </p:cBhvr>
+                                    </p:animEffect>
                                   </p:childTnLst>
                                 </p:cTn>
                               </p:par>
@@ -4256,26 +4672,26 @@
                     </p:cTn>
                   </p:par>
                   <p:par>
-                    <p:cTn id="7" fill="hold">
+                    <p:cTn id="8" fill="hold">
                       <p:stCondLst>
                         <p:cond delay="indefinite"/>
                       </p:stCondLst>
                       <p:childTnLst>
                         <p:par>
-                          <p:cTn id="8" fill="hold">
+                          <p:cTn id="9" fill="hold">
                             <p:stCondLst>
                               <p:cond delay="0"/>
                             </p:stCondLst>
                             <p:childTnLst>
                               <p:par>
-                                <p:cTn id="9" presetID="1" presetClass="entr" presetSubtype="0" fill="hold" nodeType="clickEffect">
+                                <p:cTn id="10" presetID="9" presetClass="entr" presetSubtype="0" fill="hold" nodeType="clickEffect">
                                   <p:stCondLst>
                                     <p:cond delay="0"/>
                                   </p:stCondLst>
                                   <p:childTnLst>
                                     <p:set>
                                       <p:cBhvr>
-                                        <p:cTn id="10" dur="1" fill="hold">
+                                        <p:cTn id="11" dur="1" fill="hold">
                                           <p:stCondLst>
                                             <p:cond delay="0"/>
                                           </p:stCondLst>
@@ -4295,18 +4711,30 @@
                                         <p:strVal val="visible"/>
                                       </p:to>
                                     </p:set>
+                                    <p:animEffect transition="in" filter="dissolve">
+                                      <p:cBhvr>
+                                        <p:cTn id="12" dur="500"/>
+                                        <p:tgtEl>
+                                          <p:spTgt spid="6">
+                                            <p:txEl>
+                                              <p:pRg st="2" end="2"/>
+                                            </p:txEl>
+                                          </p:spTgt>
+                                        </p:tgtEl>
+                                      </p:cBhvr>
+                                    </p:animEffect>
                                   </p:childTnLst>
                                 </p:cTn>
                               </p:par>
                               <p:par>
-                                <p:cTn id="11" presetID="1" presetClass="entr" presetSubtype="0" fill="hold" nodeType="withEffect">
+                                <p:cTn id="13" presetID="9" presetClass="entr" presetSubtype="0" fill="hold" nodeType="withEffect">
                                   <p:stCondLst>
                                     <p:cond delay="0"/>
                                   </p:stCondLst>
                                   <p:childTnLst>
                                     <p:set>
                                       <p:cBhvr>
-                                        <p:cTn id="12" dur="1" fill="hold">
+                                        <p:cTn id="14" dur="1" fill="hold">
                                           <p:stCondLst>
                                             <p:cond delay="0"/>
                                           </p:stCondLst>
@@ -4326,6 +4754,18 @@
                                         <p:strVal val="visible"/>
                                       </p:to>
                                     </p:set>
+                                    <p:animEffect transition="in" filter="dissolve">
+                                      <p:cBhvr>
+                                        <p:cTn id="15" dur="500"/>
+                                        <p:tgtEl>
+                                          <p:spTgt spid="6">
+                                            <p:txEl>
+                                              <p:pRg st="3" end="3"/>
+                                            </p:txEl>
+                                          </p:spTgt>
+                                        </p:tgtEl>
+                                      </p:cBhvr>
+                                    </p:animEffect>
                                   </p:childTnLst>
                                 </p:cTn>
                               </p:par>
@@ -4389,7 +4829,7 @@
         </p:nvSpPr>
         <p:spPr>
           <a:xfrm>
-            <a:off x="514182" y="1412392"/>
+            <a:off x="524592" y="1412392"/>
             <a:ext cx="8175062" cy="4965812"/>
           </a:xfrm>
         </p:spPr>
@@ -6677,6 +7117,138 @@
           <a:chExt cx="0" cy="0"/>
         </a:xfrm>
       </p:grpSpPr>
+      <p:grpSp>
+        <p:nvGrpSpPr>
+          <p:cNvPr id="8" name="Group 7"/>
+          <p:cNvGrpSpPr/>
+          <p:nvPr/>
+        </p:nvGrpSpPr>
+        <p:grpSpPr>
+          <a:xfrm>
+            <a:off x="5838143" y="4823954"/>
+            <a:ext cx="2274084" cy="1200329"/>
+            <a:chOff x="5838143" y="4823954"/>
+            <a:chExt cx="2274084" cy="1200329"/>
+          </a:xfrm>
+        </p:grpSpPr>
+        <p:sp>
+          <p:nvSpPr>
+            <p:cNvPr id="35" name="TextBox 34"/>
+            <p:cNvSpPr txBox="1">
+              <a:spLocks noChangeArrowheads="1"/>
+            </p:cNvSpPr>
+            <p:nvPr/>
+          </p:nvSpPr>
+          <p:spPr bwMode="auto">
+            <a:xfrm>
+              <a:off x="5838143" y="4823954"/>
+              <a:ext cx="2274084" cy="1200329"/>
+            </a:xfrm>
+            <a:prstGeom prst="rect">
+              <a:avLst/>
+            </a:prstGeom>
+            <a:noFill/>
+            <a:ln w="9525">
+              <a:noFill/>
+              <a:miter lim="800000"/>
+              <a:headEnd/>
+              <a:tailEnd/>
+            </a:ln>
+          </p:spPr>
+          <p:txBody>
+            <a:bodyPr wrap="none">
+              <a:spAutoFit/>
+            </a:bodyPr>
+            <a:lstStyle/>
+            <a:p>
+              <a:r>
+                <a:rPr lang="en-US" sz="3600" dirty="0" smtClean="0">
+                  <a:latin typeface="Comic Sans MS" pitchFamily="66" charset="0"/>
+                </a:rPr>
+                <a:t>   has </a:t>
+              </a:r>
+              <a:r>
+                <a:rPr lang="en-US" sz="3600" b="1" dirty="0" smtClean="0">
+                  <a:latin typeface="Euclid Symbol" charset="2"/>
+                  <a:cs typeface="Euclid Symbol" charset="2"/>
+                </a:rPr>
+                <a:t>≥</a:t>
+              </a:r>
+              <a:r>
+                <a:rPr lang="en-US" sz="3600" b="1" dirty="0">
+                  <a:latin typeface="Euclid Symbol" charset="2"/>
+                  <a:cs typeface="Euclid Symbol" charset="2"/>
+                </a:rPr>
+                <a:t> </a:t>
+              </a:r>
+              <a:r>
+                <a:rPr lang="en-US" sz="3600" dirty="0" smtClean="0">
+                  <a:ln>
+                    <a:solidFill>
+                      <a:srgbClr val="008D00"/>
+                    </a:solidFill>
+                  </a:ln>
+                  <a:latin typeface="Comic Sans MS" pitchFamily="66" charset="0"/>
+                </a:rPr>
+                <a:t>3</a:t>
+              </a:r>
+            </a:p>
+            <a:p>
+              <a:r>
+                <a:rPr lang="en-US" sz="3600" dirty="0" smtClean="0">
+                  <a:solidFill>
+                    <a:srgbClr val="C00000"/>
+                  </a:solidFill>
+                  <a:latin typeface="Comic Sans MS" pitchFamily="66" charset="0"/>
+                </a:rPr>
+                <a:t>friends</a:t>
+              </a:r>
+              <a:endParaRPr lang="en-US" sz="3600" dirty="0">
+                <a:solidFill>
+                  <a:srgbClr val="C00000"/>
+                </a:solidFill>
+                <a:latin typeface="Comic Sans MS" pitchFamily="66" charset="0"/>
+              </a:endParaRPr>
+            </a:p>
+          </p:txBody>
+        </p:sp>
+        <p:sp>
+          <p:nvSpPr>
+            <p:cNvPr id="32" name="Oval 55"/>
+            <p:cNvSpPr>
+              <a:spLocks noChangeArrowheads="1"/>
+            </p:cNvSpPr>
+            <p:nvPr/>
+          </p:nvSpPr>
+          <p:spPr bwMode="auto">
+            <a:xfrm>
+              <a:off x="5977117" y="5060559"/>
+              <a:ext cx="236538" cy="250825"/>
+            </a:xfrm>
+            <a:prstGeom prst="ellipse">
+              <a:avLst/>
+            </a:prstGeom>
+            <a:solidFill>
+              <a:srgbClr val="BB0FAB"/>
+            </a:solidFill>
+            <a:ln w="19050">
+              <a:solidFill>
+                <a:schemeClr val="tx1"/>
+              </a:solidFill>
+              <a:round/>
+              <a:headEnd/>
+              <a:tailEnd type="none" w="lg" len="lg"/>
+            </a:ln>
+          </p:spPr>
+          <p:txBody>
+            <a:bodyPr wrap="none" anchor="ctr"/>
+            <a:lstStyle/>
+            <a:p>
+              <a:endParaRPr lang="en-US"/>
+            </a:p>
+          </p:txBody>
+        </p:sp>
+      </p:grpSp>
       <p:sp>
         <p:nvSpPr>
           <p:cNvPr id="19459" name="Rectangle 2"/>
@@ -6693,11 +7265,11 @@
           <a:lstStyle/>
           <a:p>
             <a:r>
-              <a:rPr lang="en-US" smtClean="0"/>
+              <a:rPr lang="en-US" dirty="0" smtClean="0"/>
               <a:t>A Proof of the </a:t>
             </a:r>
             <a:r>
-              <a:rPr lang="en-US" smtClean="0">
+              <a:rPr lang="en-US" dirty="0" smtClean="0">
                 <a:solidFill>
                   <a:srgbClr val="006600"/>
                 </a:solidFill>
@@ -6722,6 +7294,9 @@
             <a:off x="920750" y="1524000"/>
             <a:ext cx="7918450" cy="1571625"/>
           </a:xfrm>
+          <a:ln>
+            <a:noFill/>
+          </a:ln>
         </p:spPr>
         <p:txBody>
           <a:bodyPr/>
@@ -6751,7 +7326,31 @@
             </a:pPr>
             <a:r>
               <a:rPr lang="en-US" dirty="0" smtClean="0"/>
-              <a:t>  the 5 other people.</a:t>
+              <a:t>  the</a:t>
+            </a:r>
+            <a:r>
+              <a:rPr lang="en-US" dirty="0" smtClean="0">
+                <a:ln>
+                  <a:solidFill>
+                    <a:srgbClr val="3366FF"/>
+                  </a:solidFill>
+                </a:ln>
+              </a:rPr>
+              <a:t> </a:t>
+            </a:r>
+            <a:r>
+              <a:rPr lang="en-US" dirty="0" smtClean="0">
+                <a:ln>
+                  <a:solidFill>
+                    <a:srgbClr val="008D00"/>
+                  </a:solidFill>
+                </a:ln>
+              </a:rPr>
+              <a:t>5</a:t>
+            </a:r>
+            <a:r>
+              <a:rPr lang="en-US" dirty="0" smtClean="0"/>
+              <a:t> other people.</a:t>
             </a:r>
             <a:endParaRPr lang="en-US" sz="4000" b="1" dirty="0" smtClean="0"/>
           </a:p>
@@ -7366,156 +7965,6 @@
           </p:txBody>
         </p:sp>
       </p:grpSp>
-      <p:grpSp>
-        <p:nvGrpSpPr>
-          <p:cNvPr id="3" name="Group 36"/>
-          <p:cNvGrpSpPr/>
-          <p:nvPr/>
-        </p:nvGrpSpPr>
-        <p:grpSpPr>
-          <a:xfrm>
-            <a:off x="3671888" y="4116362"/>
-            <a:ext cx="1778000" cy="2151063"/>
-            <a:chOff x="673100" y="4268788"/>
-            <a:chExt cx="1778000" cy="2151063"/>
-          </a:xfrm>
-        </p:grpSpPr>
-        <p:cxnSp>
-          <p:nvCxnSpPr>
-            <p:cNvPr id="19480" name="AutoShape 61"/>
-            <p:cNvCxnSpPr>
-              <a:cxnSpLocks noChangeShapeType="1"/>
-            </p:cNvCxnSpPr>
-            <p:nvPr/>
-          </p:nvCxnSpPr>
-          <p:spPr bwMode="auto">
-            <a:xfrm>
-              <a:off x="1679575" y="4268788"/>
-              <a:ext cx="771525" cy="506413"/>
-            </a:xfrm>
-            <a:prstGeom prst="straightConnector1">
-              <a:avLst/>
-            </a:prstGeom>
-            <a:noFill/>
-            <a:ln w="31750">
-              <a:solidFill>
-                <a:schemeClr val="accent2"/>
-              </a:solidFill>
-              <a:round/>
-              <a:headEnd/>
-              <a:tailEnd type="none" w="lg" len="lg"/>
-            </a:ln>
-          </p:spPr>
-        </p:cxnSp>
-        <p:cxnSp>
-          <p:nvCxnSpPr>
-            <p:cNvPr id="19481" name="AutoShape 62"/>
-            <p:cNvCxnSpPr>
-              <a:cxnSpLocks noChangeShapeType="1"/>
-            </p:cNvCxnSpPr>
-            <p:nvPr/>
-          </p:nvCxnSpPr>
-          <p:spPr bwMode="auto">
-            <a:xfrm flipV="1">
-              <a:off x="1555750" y="4391026"/>
-              <a:ext cx="0" cy="2028825"/>
-            </a:xfrm>
-            <a:prstGeom prst="straightConnector1">
-              <a:avLst/>
-            </a:prstGeom>
-            <a:noFill/>
-            <a:ln w="31750">
-              <a:solidFill>
-                <a:schemeClr val="accent2"/>
-              </a:solidFill>
-              <a:round/>
-              <a:headEnd/>
-              <a:tailEnd type="none" w="lg" len="lg"/>
-            </a:ln>
-          </p:spPr>
-        </p:cxnSp>
-        <p:cxnSp>
-          <p:nvCxnSpPr>
-            <p:cNvPr id="19482" name="AutoShape 63"/>
-            <p:cNvCxnSpPr>
-              <a:cxnSpLocks noChangeShapeType="1"/>
-            </p:cNvCxnSpPr>
-            <p:nvPr/>
-          </p:nvCxnSpPr>
-          <p:spPr bwMode="auto">
-            <a:xfrm flipH="1">
-              <a:off x="673100" y="4360863"/>
-              <a:ext cx="808038" cy="1455738"/>
-            </a:xfrm>
-            <a:prstGeom prst="straightConnector1">
-              <a:avLst/>
-            </a:prstGeom>
-            <a:noFill/>
-            <a:ln w="31750">
-              <a:solidFill>
-                <a:schemeClr val="accent2"/>
-              </a:solidFill>
-              <a:round/>
-              <a:headEnd/>
-              <a:tailEnd type="none" w="lg" len="lg"/>
-            </a:ln>
-          </p:spPr>
-        </p:cxnSp>
-        <p:cxnSp>
-          <p:nvCxnSpPr>
-            <p:cNvPr id="19483" name="AutoShape 60"/>
-            <p:cNvCxnSpPr>
-              <a:cxnSpLocks noChangeShapeType="1"/>
-            </p:cNvCxnSpPr>
-            <p:nvPr/>
-          </p:nvCxnSpPr>
-          <p:spPr bwMode="auto">
-            <a:xfrm flipV="1">
-              <a:off x="673100" y="4268788"/>
-              <a:ext cx="758825" cy="506413"/>
-            </a:xfrm>
-            <a:prstGeom prst="straightConnector1">
-              <a:avLst/>
-            </a:prstGeom>
-            <a:noFill/>
-            <a:ln w="31750">
-              <a:solidFill>
-                <a:srgbClr val="0066FF"/>
-              </a:solidFill>
-              <a:round/>
-              <a:headEnd/>
-              <a:tailEnd type="none" w="lg" len="lg"/>
-            </a:ln>
-          </p:spPr>
-        </p:cxnSp>
-        <p:cxnSp>
-          <p:nvCxnSpPr>
-            <p:cNvPr id="19484" name="AutoShape 64"/>
-            <p:cNvCxnSpPr>
-              <a:cxnSpLocks noChangeShapeType="1"/>
-            </p:cNvCxnSpPr>
-            <p:nvPr/>
-          </p:nvCxnSpPr>
-          <p:spPr bwMode="auto">
-            <a:xfrm>
-              <a:off x="1628775" y="4360863"/>
-              <a:ext cx="822325" cy="1455738"/>
-            </a:xfrm>
-            <a:prstGeom prst="straightConnector1">
-              <a:avLst/>
-            </a:prstGeom>
-            <a:noFill/>
-            <a:ln w="31750">
-              <a:solidFill>
-                <a:srgbClr val="0066FF"/>
-              </a:solidFill>
-              <a:round/>
-              <a:headEnd/>
-              <a:tailEnd type="none" w="lg" len="lg"/>
-            </a:ln>
-          </p:spPr>
-        </p:cxnSp>
-      </p:grpSp>
       <p:sp>
         <p:nvSpPr>
           <p:cNvPr id="31" name="TextBox 30"/>
@@ -7605,7 +8054,24 @@
               <a:rPr lang="en-US" sz="3600" dirty="0" smtClean="0">
                 <a:latin typeface="Comic Sans MS" pitchFamily="66" charset="0"/>
               </a:rPr>
-              <a:t> least 3 must </a:t>
+              <a:t> least </a:t>
+            </a:r>
+            <a:r>
+              <a:rPr lang="en-US" sz="3600" dirty="0" smtClean="0">
+                <a:ln>
+                  <a:solidFill>
+                    <a:srgbClr val="008D00"/>
+                  </a:solidFill>
+                </a:ln>
+                <a:latin typeface="Comic Sans MS" pitchFamily="66" charset="0"/>
+              </a:rPr>
+              <a:t>3</a:t>
+            </a:r>
+            <a:r>
+              <a:rPr lang="en-US" sz="3600" dirty="0" smtClean="0">
+                <a:latin typeface="Comic Sans MS" pitchFamily="66" charset="0"/>
+              </a:rPr>
+              <a:t> must </a:t>
             </a:r>
             <a:r>
               <a:rPr lang="en-US" sz="3600" dirty="0">
@@ -7661,87 +8127,68 @@
           </a:p>
         </p:txBody>
       </p:sp>
+      <p:sp>
+        <p:nvSpPr>
+          <p:cNvPr id="34" name="Rectangle 11"/>
+          <p:cNvSpPr>
+            <a:spLocks noGrp="1" noChangeArrowheads="1"/>
+          </p:cNvSpPr>
+          <p:nvPr>
+            <p:ph type="sldNum" sz="quarter" idx="10"/>
+          </p:nvPr>
+        </p:nvSpPr>
+        <p:spPr>
+          <a:xfrm>
+            <a:off x="7728814" y="6594296"/>
+            <a:ext cx="1415190" cy="261610"/>
+          </a:xfrm>
+          <a:ln/>
+        </p:spPr>
+        <p:txBody>
+          <a:bodyPr/>
+          <a:lstStyle>
+            <a:lvl1pPr>
+              <a:defRPr/>
+            </a:lvl1pPr>
+          </a:lstStyle>
+          <a:p>
+            <a:pPr>
+              <a:defRPr/>
+            </a:pPr>
+            <a:r>
+              <a:rPr lang="en-US" dirty="0" smtClean="0"/>
+              <a:t>friend-strangers.</a:t>
+            </a:r>
+            <a:fld id="{7D4651B8-09C8-4A4D-BE8E-31B6C97A420D}" type="slidenum">
+              <a:rPr lang="en-US" smtClean="0"/>
+              <a:pPr>
+                <a:defRPr/>
+              </a:pPr>
+              <a:t>5</a:t>
+            </a:fld>
+            <a:endParaRPr lang="en-US" dirty="0"/>
+          </a:p>
+        </p:txBody>
+      </p:sp>
       <p:grpSp>
         <p:nvGrpSpPr>
-          <p:cNvPr id="4" name="Group 35"/>
-          <p:cNvGrpSpPr/>
+          <p:cNvPr id="37" name="Group 31"/>
+          <p:cNvGrpSpPr>
+            <a:grpSpLocks/>
+          </p:cNvGrpSpPr>
           <p:nvPr/>
         </p:nvGrpSpPr>
-        <p:grpSpPr>
+        <p:grpSpPr bwMode="auto">
           <a:xfrm>
-            <a:off x="5869373" y="4823954"/>
-            <a:ext cx="3046027" cy="1200329"/>
-            <a:chOff x="6165208" y="4743271"/>
-            <a:chExt cx="3046027" cy="1200329"/>
+            <a:off x="3492500" y="4016375"/>
+            <a:ext cx="2146300" cy="2463800"/>
+            <a:chOff x="3492500" y="4016375"/>
+            <a:chExt cx="2146300" cy="2463801"/>
           </a:xfrm>
         </p:grpSpPr>
         <p:sp>
           <p:nvSpPr>
-            <p:cNvPr id="33" name="TextBox 32"/>
-            <p:cNvSpPr txBox="1">
-              <a:spLocks noChangeArrowheads="1"/>
-            </p:cNvSpPr>
-            <p:nvPr/>
-          </p:nvSpPr>
-          <p:spPr bwMode="auto">
-            <a:xfrm>
-              <a:off x="6165208" y="4743271"/>
-              <a:ext cx="3046027" cy="1200329"/>
-            </a:xfrm>
-            <a:prstGeom prst="rect">
-              <a:avLst/>
-            </a:prstGeom>
-            <a:noFill/>
-            <a:ln w="9525">
-              <a:noFill/>
-              <a:miter lim="800000"/>
-              <a:headEnd/>
-              <a:tailEnd/>
-            </a:ln>
-          </p:spPr>
-          <p:txBody>
-            <a:bodyPr wrap="none">
-              <a:spAutoFit/>
-            </a:bodyPr>
-            <a:lstStyle/>
-            <a:p>
-              <a:pPr algn="l"/>
-              <a:r>
-                <a:rPr lang="en-US" sz="3600" dirty="0" smtClean="0">
-                  <a:latin typeface="Comic Sans MS" pitchFamily="66" charset="0"/>
-                </a:rPr>
-                <a:t>   has exactly</a:t>
-              </a:r>
-            </a:p>
-            <a:p>
-              <a:pPr algn="l"/>
-              <a:r>
-                <a:rPr lang="en-US" sz="3600" dirty="0" smtClean="0">
-                  <a:latin typeface="Comic Sans MS" pitchFamily="66" charset="0"/>
-                </a:rPr>
-                <a:t>3 </a:t>
-              </a:r>
-              <a:r>
-                <a:rPr lang="en-US" sz="3600" dirty="0" smtClean="0">
-                  <a:solidFill>
-                    <a:srgbClr val="C00000"/>
-                  </a:solidFill>
-                  <a:latin typeface="Comic Sans MS" pitchFamily="66" charset="0"/>
-                </a:rPr>
-                <a:t>friends</a:t>
-              </a:r>
-              <a:endParaRPr lang="en-US" sz="3600" dirty="0">
-                <a:solidFill>
-                  <a:srgbClr val="C00000"/>
-                </a:solidFill>
-                <a:latin typeface="Comic Sans MS" pitchFamily="66" charset="0"/>
-              </a:endParaRPr>
-            </a:p>
-          </p:txBody>
-        </p:sp>
-        <p:sp>
-          <p:nvSpPr>
-            <p:cNvPr id="32" name="Oval 55"/>
+            <p:cNvPr id="39" name="Oval 7"/>
             <p:cNvSpPr>
               <a:spLocks noChangeArrowheads="1"/>
             </p:cNvSpPr>
@@ -7749,8 +8196,239 @@
           </p:nvSpPr>
           <p:spPr bwMode="auto">
             <a:xfrm>
-              <a:off x="6272952" y="4979876"/>
-              <a:ext cx="236538" cy="250825"/>
+              <a:off x="4448175" y="4016375"/>
+              <a:ext cx="207963" cy="207963"/>
+            </a:xfrm>
+            <a:prstGeom prst="ellipse">
+              <a:avLst/>
+            </a:prstGeom>
+            <a:solidFill>
+              <a:schemeClr val="folHlink"/>
+            </a:solidFill>
+            <a:ln w="19050">
+              <a:solidFill>
+                <a:schemeClr val="tx1"/>
+              </a:solidFill>
+              <a:round/>
+              <a:headEnd/>
+              <a:tailEnd type="none" w="lg" len="lg"/>
+            </a:ln>
+          </p:spPr>
+          <p:txBody>
+            <a:bodyPr wrap="none" anchor="ctr"/>
+            <a:lstStyle/>
+            <a:p>
+              <a:endParaRPr lang="en-US"/>
+            </a:p>
+          </p:txBody>
+        </p:sp>
+        <p:sp>
+          <p:nvSpPr>
+            <p:cNvPr id="40" name="Oval 8"/>
+            <p:cNvSpPr>
+              <a:spLocks noChangeArrowheads="1"/>
+            </p:cNvSpPr>
+            <p:nvPr/>
+          </p:nvSpPr>
+          <p:spPr bwMode="auto">
+            <a:xfrm>
+              <a:off x="5418138" y="4597400"/>
+              <a:ext cx="207963" cy="207963"/>
+            </a:xfrm>
+            <a:prstGeom prst="ellipse">
+              <a:avLst/>
+            </a:prstGeom>
+            <a:solidFill>
+              <a:schemeClr val="bg1"/>
+            </a:solidFill>
+            <a:ln w="19050">
+              <a:solidFill>
+                <a:schemeClr val="tx1"/>
+              </a:solidFill>
+              <a:round/>
+              <a:headEnd/>
+              <a:tailEnd type="none" w="lg" len="lg"/>
+            </a:ln>
+          </p:spPr>
+          <p:txBody>
+            <a:bodyPr wrap="none" anchor="ctr"/>
+            <a:lstStyle/>
+            <a:p>
+              <a:endParaRPr lang="en-US"/>
+            </a:p>
+          </p:txBody>
+        </p:sp>
+        <p:sp>
+          <p:nvSpPr>
+            <p:cNvPr id="41" name="Oval 9"/>
+            <p:cNvSpPr>
+              <a:spLocks noChangeArrowheads="1"/>
+            </p:cNvSpPr>
+            <p:nvPr/>
+          </p:nvSpPr>
+          <p:spPr bwMode="auto">
+            <a:xfrm>
+              <a:off x="3492500" y="5638800"/>
+              <a:ext cx="207963" cy="207963"/>
+            </a:xfrm>
+            <a:prstGeom prst="ellipse">
+              <a:avLst/>
+            </a:prstGeom>
+            <a:solidFill>
+              <a:schemeClr val="bg1"/>
+            </a:solidFill>
+            <a:ln w="19050">
+              <a:solidFill>
+                <a:schemeClr val="tx1"/>
+              </a:solidFill>
+              <a:round/>
+              <a:headEnd/>
+              <a:tailEnd type="none" w="lg" len="lg"/>
+            </a:ln>
+          </p:spPr>
+          <p:txBody>
+            <a:bodyPr wrap="none" anchor="ctr"/>
+            <a:lstStyle/>
+            <a:p>
+              <a:endParaRPr lang="en-US"/>
+            </a:p>
+          </p:txBody>
+        </p:sp>
+        <p:sp>
+          <p:nvSpPr>
+            <p:cNvPr id="43" name="Oval 11"/>
+            <p:cNvSpPr>
+              <a:spLocks noChangeArrowheads="1"/>
+            </p:cNvSpPr>
+            <p:nvPr/>
+          </p:nvSpPr>
+          <p:spPr bwMode="auto">
+            <a:xfrm>
+              <a:off x="4448175" y="6272213"/>
+              <a:ext cx="207963" cy="207963"/>
+            </a:xfrm>
+            <a:prstGeom prst="ellipse">
+              <a:avLst/>
+            </a:prstGeom>
+            <a:solidFill>
+              <a:schemeClr val="bg1"/>
+            </a:solidFill>
+            <a:ln w="19050">
+              <a:solidFill>
+                <a:schemeClr val="tx1"/>
+              </a:solidFill>
+              <a:round/>
+              <a:headEnd/>
+              <a:tailEnd type="none" w="lg" len="lg"/>
+            </a:ln>
+          </p:spPr>
+          <p:txBody>
+            <a:bodyPr wrap="none" anchor="ctr"/>
+            <a:lstStyle/>
+            <a:p>
+              <a:endParaRPr lang="en-US"/>
+            </a:p>
+          </p:txBody>
+        </p:sp>
+        <p:cxnSp>
+          <p:nvCxnSpPr>
+            <p:cNvPr id="44" name="AutoShape 19"/>
+            <p:cNvCxnSpPr>
+              <a:cxnSpLocks noChangeShapeType="1"/>
+              <a:stCxn id="39" idx="6"/>
+              <a:endCxn id="40" idx="1"/>
+            </p:cNvCxnSpPr>
+            <p:nvPr/>
+          </p:nvCxnSpPr>
+          <p:spPr bwMode="auto">
+            <a:xfrm>
+              <a:off x="4676775" y="4121150"/>
+              <a:ext cx="771525" cy="506413"/>
+            </a:xfrm>
+            <a:prstGeom prst="straightConnector1">
+              <a:avLst/>
+            </a:prstGeom>
+            <a:noFill/>
+            <a:ln w="19050">
+              <a:solidFill>
+                <a:schemeClr val="tx1"/>
+              </a:solidFill>
+              <a:round/>
+              <a:headEnd/>
+              <a:tailEnd type="none" w="lg" len="lg"/>
+            </a:ln>
+          </p:spPr>
+        </p:cxnSp>
+        <p:cxnSp>
+          <p:nvCxnSpPr>
+            <p:cNvPr id="45" name="AutoShape 20"/>
+            <p:cNvCxnSpPr>
+              <a:cxnSpLocks noChangeShapeType="1"/>
+              <a:stCxn id="43" idx="0"/>
+              <a:endCxn id="39" idx="4"/>
+            </p:cNvCxnSpPr>
+            <p:nvPr/>
+          </p:nvCxnSpPr>
+          <p:spPr bwMode="auto">
+            <a:xfrm flipV="1">
+              <a:off x="4552950" y="4243388"/>
+              <a:ext cx="0" cy="2028825"/>
+            </a:xfrm>
+            <a:prstGeom prst="straightConnector1">
+              <a:avLst/>
+            </a:prstGeom>
+            <a:noFill/>
+            <a:ln w="19050">
+              <a:solidFill>
+                <a:schemeClr val="tx1"/>
+              </a:solidFill>
+              <a:round/>
+              <a:headEnd/>
+              <a:tailEnd type="none" w="lg" len="lg"/>
+            </a:ln>
+          </p:spPr>
+        </p:cxnSp>
+        <p:cxnSp>
+          <p:nvCxnSpPr>
+            <p:cNvPr id="46" name="AutoShape 25"/>
+            <p:cNvCxnSpPr>
+              <a:cxnSpLocks noChangeShapeType="1"/>
+              <a:stCxn id="39" idx="3"/>
+              <a:endCxn id="41" idx="7"/>
+            </p:cNvCxnSpPr>
+            <p:nvPr/>
+          </p:nvCxnSpPr>
+          <p:spPr bwMode="auto">
+            <a:xfrm flipH="1">
+              <a:off x="3670300" y="4213225"/>
+              <a:ext cx="808038" cy="1455738"/>
+            </a:xfrm>
+            <a:prstGeom prst="straightConnector1">
+              <a:avLst/>
+            </a:prstGeom>
+            <a:noFill/>
+            <a:ln w="19050">
+              <a:solidFill>
+                <a:schemeClr val="tx1"/>
+              </a:solidFill>
+              <a:round/>
+              <a:headEnd/>
+              <a:tailEnd type="none" w="lg" len="lg"/>
+            </a:ln>
+          </p:spPr>
+        </p:cxnSp>
+        <p:sp>
+          <p:nvSpPr>
+            <p:cNvPr id="48" name="Oval 55"/>
+            <p:cNvSpPr>
+              <a:spLocks noChangeArrowheads="1"/>
+            </p:cNvSpPr>
+            <p:nvPr/>
+          </p:nvSpPr>
+          <p:spPr bwMode="auto">
+            <a:xfrm>
+              <a:off x="4448175" y="4016375"/>
+              <a:ext cx="207963" cy="207963"/>
             </a:xfrm>
             <a:prstGeom prst="ellipse">
               <a:avLst/>
@@ -7775,50 +8453,351 @@
             </a:p>
           </p:txBody>
         </p:sp>
+        <p:grpSp>
+          <p:nvGrpSpPr>
+            <p:cNvPr id="50" name="Group 33"/>
+            <p:cNvGrpSpPr>
+              <a:grpSpLocks/>
+            </p:cNvGrpSpPr>
+            <p:nvPr/>
+          </p:nvGrpSpPr>
+          <p:grpSpPr bwMode="auto">
+            <a:xfrm>
+              <a:off x="3492500" y="4597400"/>
+              <a:ext cx="2133601" cy="1882776"/>
+              <a:chOff x="3492500" y="4597400"/>
+              <a:chExt cx="2133601" cy="1882776"/>
+            </a:xfrm>
+          </p:grpSpPr>
+          <p:sp>
+            <p:nvSpPr>
+              <p:cNvPr id="58" name="Oval 56"/>
+              <p:cNvSpPr>
+                <a:spLocks noChangeArrowheads="1"/>
+              </p:cNvSpPr>
+              <p:nvPr/>
+            </p:nvSpPr>
+            <p:spPr bwMode="auto">
+              <a:xfrm>
+                <a:off x="5418138" y="4597400"/>
+                <a:ext cx="207963" cy="207963"/>
+              </a:xfrm>
+              <a:prstGeom prst="ellipse">
+                <a:avLst/>
+              </a:prstGeom>
+              <a:solidFill>
+                <a:schemeClr val="bg1"/>
+              </a:solidFill>
+              <a:ln w="19050">
+                <a:solidFill>
+                  <a:schemeClr val="tx1"/>
+                </a:solidFill>
+                <a:round/>
+                <a:headEnd/>
+                <a:tailEnd type="none" w="lg" len="lg"/>
+              </a:ln>
+            </p:spPr>
+            <p:txBody>
+              <a:bodyPr wrap="none" anchor="ctr"/>
+              <a:lstStyle/>
+              <a:p>
+                <a:endParaRPr lang="en-US"/>
+              </a:p>
+            </p:txBody>
+          </p:sp>
+          <p:sp>
+            <p:nvSpPr>
+              <p:cNvPr id="59" name="Oval 57"/>
+              <p:cNvSpPr>
+                <a:spLocks noChangeArrowheads="1"/>
+              </p:cNvSpPr>
+              <p:nvPr/>
+            </p:nvSpPr>
+            <p:spPr bwMode="auto">
+              <a:xfrm>
+                <a:off x="3492500" y="5638800"/>
+                <a:ext cx="207963" cy="207963"/>
+              </a:xfrm>
+              <a:prstGeom prst="ellipse">
+                <a:avLst/>
+              </a:prstGeom>
+              <a:solidFill>
+                <a:schemeClr val="bg1"/>
+              </a:solidFill>
+              <a:ln w="19050">
+                <a:solidFill>
+                  <a:schemeClr val="tx1"/>
+                </a:solidFill>
+                <a:round/>
+                <a:headEnd/>
+                <a:tailEnd type="none" w="lg" len="lg"/>
+              </a:ln>
+            </p:spPr>
+            <p:txBody>
+              <a:bodyPr wrap="none" anchor="ctr"/>
+              <a:lstStyle/>
+              <a:p>
+                <a:endParaRPr lang="en-US"/>
+              </a:p>
+            </p:txBody>
+          </p:sp>
+          <p:sp>
+            <p:nvSpPr>
+              <p:cNvPr id="60" name="Oval 59"/>
+              <p:cNvSpPr>
+                <a:spLocks noChangeArrowheads="1"/>
+              </p:cNvSpPr>
+              <p:nvPr/>
+            </p:nvSpPr>
+            <p:spPr bwMode="auto">
+              <a:xfrm>
+                <a:off x="4448175" y="6272213"/>
+                <a:ext cx="207963" cy="207963"/>
+              </a:xfrm>
+              <a:prstGeom prst="ellipse">
+                <a:avLst/>
+              </a:prstGeom>
+              <a:solidFill>
+                <a:schemeClr val="bg1"/>
+              </a:solidFill>
+              <a:ln w="19050">
+                <a:solidFill>
+                  <a:schemeClr val="tx1"/>
+                </a:solidFill>
+                <a:round/>
+                <a:headEnd/>
+                <a:tailEnd type="none" w="lg" len="lg"/>
+              </a:ln>
+            </p:spPr>
+            <p:txBody>
+              <a:bodyPr wrap="none" anchor="ctr"/>
+              <a:lstStyle/>
+              <a:p>
+                <a:endParaRPr lang="en-US"/>
+              </a:p>
+            </p:txBody>
+          </p:sp>
+        </p:grpSp>
+        <p:cxnSp>
+          <p:nvCxnSpPr>
+            <p:cNvPr id="51" name="AutoShape 61"/>
+            <p:cNvCxnSpPr>
+              <a:cxnSpLocks noChangeShapeType="1"/>
+              <a:stCxn id="48" idx="6"/>
+              <a:endCxn id="58" idx="1"/>
+            </p:cNvCxnSpPr>
+            <p:nvPr/>
+          </p:nvCxnSpPr>
+          <p:spPr bwMode="auto">
+            <a:xfrm>
+              <a:off x="4676775" y="4121150"/>
+              <a:ext cx="771525" cy="506413"/>
+            </a:xfrm>
+            <a:prstGeom prst="straightConnector1">
+              <a:avLst/>
+            </a:prstGeom>
+            <a:noFill/>
+            <a:ln w="28575">
+              <a:solidFill>
+                <a:schemeClr val="accent2"/>
+              </a:solidFill>
+              <a:round/>
+              <a:headEnd/>
+              <a:tailEnd type="none" w="lg" len="lg"/>
+            </a:ln>
+          </p:spPr>
+        </p:cxnSp>
+        <p:cxnSp>
+          <p:nvCxnSpPr>
+            <p:cNvPr id="52" name="AutoShape 62"/>
+            <p:cNvCxnSpPr>
+              <a:cxnSpLocks noChangeShapeType="1"/>
+              <a:stCxn id="60" idx="0"/>
+              <a:endCxn id="48" idx="4"/>
+            </p:cNvCxnSpPr>
+            <p:nvPr/>
+          </p:nvCxnSpPr>
+          <p:spPr bwMode="auto">
+            <a:xfrm flipV="1">
+              <a:off x="4552950" y="4243388"/>
+              <a:ext cx="0" cy="2028825"/>
+            </a:xfrm>
+            <a:prstGeom prst="straightConnector1">
+              <a:avLst/>
+            </a:prstGeom>
+            <a:noFill/>
+            <a:ln w="28575">
+              <a:solidFill>
+                <a:schemeClr val="accent2"/>
+              </a:solidFill>
+              <a:round/>
+              <a:headEnd/>
+              <a:tailEnd type="none" w="lg" len="lg"/>
+            </a:ln>
+          </p:spPr>
+        </p:cxnSp>
+        <p:cxnSp>
+          <p:nvCxnSpPr>
+            <p:cNvPr id="53" name="AutoShape 63"/>
+            <p:cNvCxnSpPr>
+              <a:cxnSpLocks noChangeShapeType="1"/>
+              <a:stCxn id="48" idx="3"/>
+              <a:endCxn id="59" idx="7"/>
+            </p:cNvCxnSpPr>
+            <p:nvPr/>
+          </p:nvCxnSpPr>
+          <p:spPr bwMode="auto">
+            <a:xfrm flipH="1">
+              <a:off x="3670300" y="4213225"/>
+              <a:ext cx="808038" cy="1455738"/>
+            </a:xfrm>
+            <a:prstGeom prst="straightConnector1">
+              <a:avLst/>
+            </a:prstGeom>
+            <a:noFill/>
+            <a:ln w="28575">
+              <a:solidFill>
+                <a:schemeClr val="accent2"/>
+              </a:solidFill>
+              <a:round/>
+              <a:headEnd/>
+              <a:tailEnd type="none" w="lg" len="lg"/>
+            </a:ln>
+          </p:spPr>
+        </p:cxnSp>
+        <p:grpSp>
+          <p:nvGrpSpPr>
+            <p:cNvPr id="54" name="Group 34"/>
+            <p:cNvGrpSpPr/>
+            <p:nvPr/>
+          </p:nvGrpSpPr>
+          <p:grpSpPr>
+            <a:xfrm>
+              <a:off x="3505199" y="4587875"/>
+              <a:ext cx="2133601" cy="1882776"/>
+              <a:chOff x="3492500" y="4597400"/>
+              <a:chExt cx="2133601" cy="1882776"/>
+            </a:xfrm>
+            <a:solidFill>
+              <a:srgbClr val="C00000"/>
+            </a:solidFill>
+          </p:grpSpPr>
+          <p:sp>
+            <p:nvSpPr>
+              <p:cNvPr id="55" name="Oval 56"/>
+              <p:cNvSpPr>
+                <a:spLocks noChangeArrowheads="1"/>
+              </p:cNvSpPr>
+              <p:nvPr/>
+            </p:nvSpPr>
+            <p:spPr bwMode="auto">
+              <a:xfrm>
+                <a:off x="5418138" y="4597400"/>
+                <a:ext cx="207963" cy="207963"/>
+              </a:xfrm>
+              <a:prstGeom prst="ellipse">
+                <a:avLst/>
+              </a:prstGeom>
+              <a:grpFill/>
+              <a:ln w="19050">
+                <a:solidFill>
+                  <a:schemeClr val="tx1"/>
+                </a:solidFill>
+                <a:round/>
+                <a:headEnd/>
+                <a:tailEnd type="none" w="lg" len="lg"/>
+              </a:ln>
+              <a:effectLst/>
+            </p:spPr>
+            <p:txBody>
+              <a:bodyPr wrap="none" anchor="ctr"/>
+              <a:lstStyle/>
+              <a:p>
+                <a:pPr>
+                  <a:defRPr/>
+                </a:pPr>
+                <a:endParaRPr lang="en-US"/>
+              </a:p>
+            </p:txBody>
+          </p:sp>
+          <p:sp>
+            <p:nvSpPr>
+              <p:cNvPr id="56" name="Oval 57"/>
+              <p:cNvSpPr>
+                <a:spLocks noChangeArrowheads="1"/>
+              </p:cNvSpPr>
+              <p:nvPr/>
+            </p:nvSpPr>
+            <p:spPr bwMode="auto">
+              <a:xfrm>
+                <a:off x="3492500" y="5638800"/>
+                <a:ext cx="207963" cy="207963"/>
+              </a:xfrm>
+              <a:prstGeom prst="ellipse">
+                <a:avLst/>
+              </a:prstGeom>
+              <a:grpFill/>
+              <a:ln w="19050">
+                <a:solidFill>
+                  <a:schemeClr val="tx1"/>
+                </a:solidFill>
+                <a:round/>
+                <a:headEnd/>
+                <a:tailEnd type="none" w="lg" len="lg"/>
+              </a:ln>
+              <a:effectLst/>
+            </p:spPr>
+            <p:txBody>
+              <a:bodyPr wrap="none" anchor="ctr"/>
+              <a:lstStyle/>
+              <a:p>
+                <a:pPr>
+                  <a:defRPr/>
+                </a:pPr>
+                <a:endParaRPr lang="en-US"/>
+              </a:p>
+            </p:txBody>
+          </p:sp>
+          <p:sp>
+            <p:nvSpPr>
+              <p:cNvPr id="57" name="Oval 59"/>
+              <p:cNvSpPr>
+                <a:spLocks noChangeArrowheads="1"/>
+              </p:cNvSpPr>
+              <p:nvPr/>
+            </p:nvSpPr>
+            <p:spPr bwMode="auto">
+              <a:xfrm>
+                <a:off x="4448175" y="6272213"/>
+                <a:ext cx="207963" cy="207963"/>
+              </a:xfrm>
+              <a:prstGeom prst="ellipse">
+                <a:avLst/>
+              </a:prstGeom>
+              <a:grpFill/>
+              <a:ln w="19050">
+                <a:solidFill>
+                  <a:schemeClr val="tx1"/>
+                </a:solidFill>
+                <a:round/>
+                <a:headEnd/>
+                <a:tailEnd type="none" w="lg" len="lg"/>
+              </a:ln>
+              <a:effectLst/>
+            </p:spPr>
+            <p:txBody>
+              <a:bodyPr wrap="none" anchor="ctr"/>
+              <a:lstStyle/>
+              <a:p>
+                <a:pPr>
+                  <a:defRPr/>
+                </a:pPr>
+                <a:endParaRPr lang="en-US"/>
+              </a:p>
+            </p:txBody>
+          </p:sp>
+        </p:grpSp>
       </p:grpSp>
-      <p:sp>
-        <p:nvSpPr>
-          <p:cNvPr id="34" name="Rectangle 11"/>
-          <p:cNvSpPr>
-            <a:spLocks noGrp="1" noChangeArrowheads="1"/>
-          </p:cNvSpPr>
-          <p:nvPr>
-            <p:ph type="sldNum" sz="quarter" idx="10"/>
-          </p:nvPr>
-        </p:nvSpPr>
-        <p:spPr>
-          <a:xfrm>
-            <a:off x="7728814" y="6594296"/>
-            <a:ext cx="1415190" cy="261610"/>
-          </a:xfrm>
-          <a:ln/>
-        </p:spPr>
-        <p:txBody>
-          <a:bodyPr/>
-          <a:lstStyle>
-            <a:lvl1pPr>
-              <a:defRPr/>
-            </a:lvl1pPr>
-          </a:lstStyle>
-          <a:p>
-            <a:pPr>
-              <a:defRPr/>
-            </a:pPr>
-            <a:r>
-              <a:rPr lang="en-US" dirty="0" smtClean="0"/>
-              <a:t>friend-strangers.</a:t>
-            </a:r>
-            <a:fld id="{7D4651B8-09C8-4A4D-BE8E-31B6C97A420D}" type="slidenum">
-              <a:rPr lang="en-US" smtClean="0"/>
-              <a:pPr>
-                <a:defRPr/>
-              </a:pPr>
-              <a:t>5</a:t>
-            </a:fld>
-            <a:endParaRPr lang="en-US" dirty="0"/>
-          </a:p>
-        </p:txBody>
-      </p:sp>
     </p:spTree>
   </p:cSld>
   <p:clrMapOvr>
@@ -7963,7 +8942,7 @@
                             </p:stCondLst>
                             <p:childTnLst>
                               <p:par>
-                                <p:cTn id="15" presetID="1" presetClass="entr" presetSubtype="0" fill="hold" nodeType="clickEffect">
+                                <p:cTn id="15" presetID="9" presetClass="entr" presetSubtype="0" fill="hold" nodeType="clickEffect">
                                   <p:stCondLst>
                                     <p:cond delay="0"/>
                                   </p:stCondLst>
@@ -7976,7 +8955,7 @@
                                           </p:stCondLst>
                                         </p:cTn>
                                         <p:tgtEl>
-                                          <p:spTgt spid="3"/>
+                                          <p:spTgt spid="8"/>
                                         </p:tgtEl>
                                         <p:attrNameLst>
                                           <p:attrName>style.visibility</p:attrName>
@@ -7986,29 +8965,28 @@
                                         <p:strVal val="visible"/>
                                       </p:to>
                                     </p:set>
+                                    <p:animEffect transition="in" filter="dissolve">
+                                      <p:cBhvr>
+                                        <p:cTn id="17" dur="500"/>
+                                        <p:tgtEl>
+                                          <p:spTgt spid="8"/>
+                                        </p:tgtEl>
+                                      </p:cBhvr>
+                                    </p:animEffect>
                                   </p:childTnLst>
                                 </p:cTn>
                               </p:par>
                             </p:childTnLst>
                           </p:cTn>
                         </p:par>
-                      </p:childTnLst>
-                    </p:cTn>
-                  </p:par>
-                  <p:par>
-                    <p:cTn id="17" fill="hold">
-                      <p:stCondLst>
-                        <p:cond delay="indefinite"/>
-                      </p:stCondLst>
-                      <p:childTnLst>
                         <p:par>
                           <p:cTn id="18" fill="hold">
                             <p:stCondLst>
-                              <p:cond delay="0"/>
+                              <p:cond delay="500"/>
                             </p:stCondLst>
                             <p:childTnLst>
                               <p:par>
-                                <p:cTn id="19" presetID="1" presetClass="entr" presetSubtype="0" fill="hold" nodeType="clickEffect">
+                                <p:cTn id="19" presetID="9" presetClass="entr" presetSubtype="0" fill="hold" nodeType="afterEffect">
                                   <p:stCondLst>
                                     <p:cond delay="0"/>
                                   </p:stCondLst>
@@ -8021,7 +8999,7 @@
                                           </p:stCondLst>
                                         </p:cTn>
                                         <p:tgtEl>
-                                          <p:spTgt spid="4"/>
+                                          <p:spTgt spid="37"/>
                                         </p:tgtEl>
                                         <p:attrNameLst>
                                           <p:attrName>style.visibility</p:attrName>
@@ -8031,6 +9009,14 @@
                                         <p:strVal val="visible"/>
                                       </p:to>
                                     </p:set>
+                                    <p:animEffect transition="in" filter="dissolve">
+                                      <p:cBhvr>
+                                        <p:cTn id="21" dur="500"/>
+                                        <p:tgtEl>
+                                          <p:spTgt spid="37"/>
+                                        </p:tgtEl>
+                                      </p:cBhvr>
+                                    </p:animEffect>
                                   </p:childTnLst>
                                 </p:cTn>
                               </p:par>
@@ -8069,1962 +9055,7 @@
 </file>
 
 <file path=ppt/slides/slide6.xml><?xml version="1.0" encoding="utf-8"?>
-<p:sld xmlns:a="http://schemas.openxmlformats.org/drawingml/2006/main" xmlns:r="http://schemas.openxmlformats.org/officeDocument/2006/relationships" xmlns:p="http://schemas.openxmlformats.org/presentationml/2006/main" showMasterPhAnim="0">
-  <p:cSld>
-    <p:spTree>
-      <p:nvGrpSpPr>
-        <p:cNvPr id="1" name=""/>
-        <p:cNvGrpSpPr/>
-        <p:nvPr/>
-      </p:nvGrpSpPr>
-      <p:grpSpPr>
-        <a:xfrm>
-          <a:off x="0" y="0"/>
-          <a:ext cx="0" cy="0"/>
-          <a:chOff x="0" y="0"/>
-          <a:chExt cx="0" cy="0"/>
-        </a:xfrm>
-      </p:grpSpPr>
-      <p:sp>
-        <p:nvSpPr>
-          <p:cNvPr id="20483" name="Rectangle 2"/>
-          <p:cNvSpPr>
-            <a:spLocks noGrp="1" noChangeArrowheads="1"/>
-          </p:cNvSpPr>
-          <p:nvPr>
-            <p:ph type="title"/>
-          </p:nvPr>
-        </p:nvSpPr>
-        <p:spPr/>
-        <p:txBody>
-          <a:bodyPr/>
-          <a:lstStyle/>
-          <a:p>
-            <a:r>
-              <a:rPr lang="en-US" dirty="0" smtClean="0"/>
-              <a:t>A Proof of the </a:t>
-            </a:r>
-            <a:r>
-              <a:rPr lang="en-US" dirty="0" smtClean="0">
-                <a:solidFill>
-                  <a:srgbClr val="006600"/>
-                </a:solidFill>
-              </a:rPr>
-              <a:t>Claim</a:t>
-            </a:r>
-          </a:p>
-        </p:txBody>
-      </p:sp>
-      <p:sp>
-        <p:nvSpPr>
-          <p:cNvPr id="20484" name="Rectangle 3"/>
-          <p:cNvSpPr>
-            <a:spLocks noGrp="1" noChangeArrowheads="1"/>
-          </p:cNvSpPr>
-          <p:nvPr>
-            <p:ph type="body" idx="1"/>
-          </p:nvPr>
-        </p:nvSpPr>
-        <p:spPr>
-          <a:xfrm>
-            <a:off x="920750" y="1524000"/>
-            <a:ext cx="7918450" cy="1571625"/>
-          </a:xfrm>
-        </p:spPr>
-        <p:txBody>
-          <a:bodyPr/>
-          <a:lstStyle/>
-          <a:p>
-            <a:r>
-              <a:rPr lang="en-US" dirty="0" smtClean="0"/>
-              <a:t>Person  </a:t>
-            </a:r>
-            <a:r>
-              <a:rPr lang="en-US" dirty="0" smtClean="0">
-                <a:solidFill>
-                  <a:srgbClr val="BB0FAB"/>
-                </a:solidFill>
-              </a:rPr>
-              <a:t> </a:t>
-            </a:r>
-            <a:r>
-              <a:rPr lang="en-US" dirty="0" smtClean="0"/>
-              <a:t>  has a line to each of</a:t>
-            </a:r>
-          </a:p>
-          <a:p>
-            <a:pPr>
-              <a:buFontTx/>
-              <a:buNone/>
-            </a:pPr>
-            <a:r>
-              <a:rPr lang="en-US" dirty="0" smtClean="0"/>
-              <a:t>  the 5 other people.</a:t>
-            </a:r>
-            <a:endParaRPr lang="en-US" sz="4000" b="1" dirty="0" smtClean="0"/>
-          </a:p>
-        </p:txBody>
-      </p:sp>
-      <p:sp>
-        <p:nvSpPr>
-          <p:cNvPr id="20485" name="Oval 6"/>
-          <p:cNvSpPr>
-            <a:spLocks noChangeArrowheads="1"/>
-          </p:cNvSpPr>
-          <p:nvPr/>
-        </p:nvSpPr>
-        <p:spPr bwMode="auto">
-          <a:xfrm>
-            <a:off x="3492500" y="4597400"/>
-            <a:ext cx="207963" cy="207963"/>
-          </a:xfrm>
-          <a:prstGeom prst="ellipse">
-            <a:avLst/>
-          </a:prstGeom>
-          <a:solidFill>
-            <a:schemeClr val="bg1"/>
-          </a:solidFill>
-          <a:ln w="19050">
-            <a:solidFill>
-              <a:schemeClr val="tx1"/>
-            </a:solidFill>
-            <a:round/>
-            <a:headEnd/>
-            <a:tailEnd type="none" w="lg" len="lg"/>
-          </a:ln>
-        </p:spPr>
-        <p:txBody>
-          <a:bodyPr wrap="none" anchor="ctr"/>
-          <a:lstStyle/>
-          <a:p>
-            <a:endParaRPr lang="en-US"/>
-          </a:p>
-        </p:txBody>
-      </p:sp>
-      <p:sp>
-        <p:nvSpPr>
-          <p:cNvPr id="20486" name="Oval 7"/>
-          <p:cNvSpPr>
-            <a:spLocks noChangeArrowheads="1"/>
-          </p:cNvSpPr>
-          <p:nvPr/>
-        </p:nvSpPr>
-        <p:spPr bwMode="auto">
-          <a:xfrm>
-            <a:off x="4448175" y="4016375"/>
-            <a:ext cx="207963" cy="207963"/>
-          </a:xfrm>
-          <a:prstGeom prst="ellipse">
-            <a:avLst/>
-          </a:prstGeom>
-          <a:solidFill>
-            <a:schemeClr val="folHlink"/>
-          </a:solidFill>
-          <a:ln w="19050">
-            <a:solidFill>
-              <a:schemeClr val="tx1"/>
-            </a:solidFill>
-            <a:round/>
-            <a:headEnd/>
-            <a:tailEnd type="none" w="lg" len="lg"/>
-          </a:ln>
-        </p:spPr>
-        <p:txBody>
-          <a:bodyPr wrap="none" anchor="ctr"/>
-          <a:lstStyle/>
-          <a:p>
-            <a:endParaRPr lang="en-US"/>
-          </a:p>
-        </p:txBody>
-      </p:sp>
-      <p:sp>
-        <p:nvSpPr>
-          <p:cNvPr id="20487" name="Oval 8"/>
-          <p:cNvSpPr>
-            <a:spLocks noChangeArrowheads="1"/>
-          </p:cNvSpPr>
-          <p:nvPr/>
-        </p:nvSpPr>
-        <p:spPr bwMode="auto">
-          <a:xfrm>
-            <a:off x="5418138" y="4597400"/>
-            <a:ext cx="207962" cy="207963"/>
-          </a:xfrm>
-          <a:prstGeom prst="ellipse">
-            <a:avLst/>
-          </a:prstGeom>
-          <a:solidFill>
-            <a:schemeClr val="bg1"/>
-          </a:solidFill>
-          <a:ln w="19050">
-            <a:solidFill>
-              <a:schemeClr val="tx1"/>
-            </a:solidFill>
-            <a:round/>
-            <a:headEnd/>
-            <a:tailEnd type="none" w="lg" len="lg"/>
-          </a:ln>
-        </p:spPr>
-        <p:txBody>
-          <a:bodyPr wrap="none" anchor="ctr"/>
-          <a:lstStyle/>
-          <a:p>
-            <a:endParaRPr lang="en-US"/>
-          </a:p>
-        </p:txBody>
-      </p:sp>
-      <p:sp>
-        <p:nvSpPr>
-          <p:cNvPr id="20488" name="Oval 9"/>
-          <p:cNvSpPr>
-            <a:spLocks noChangeArrowheads="1"/>
-          </p:cNvSpPr>
-          <p:nvPr/>
-        </p:nvSpPr>
-        <p:spPr bwMode="auto">
-          <a:xfrm>
-            <a:off x="3492500" y="5638800"/>
-            <a:ext cx="207963" cy="207963"/>
-          </a:xfrm>
-          <a:prstGeom prst="ellipse">
-            <a:avLst/>
-          </a:prstGeom>
-          <a:solidFill>
-            <a:schemeClr val="bg1"/>
-          </a:solidFill>
-          <a:ln w="19050">
-            <a:solidFill>
-              <a:schemeClr val="tx1"/>
-            </a:solidFill>
-            <a:round/>
-            <a:headEnd/>
-            <a:tailEnd type="none" w="lg" len="lg"/>
-          </a:ln>
-        </p:spPr>
-        <p:txBody>
-          <a:bodyPr wrap="none" anchor="ctr"/>
-          <a:lstStyle/>
-          <a:p>
-            <a:endParaRPr lang="en-US"/>
-          </a:p>
-        </p:txBody>
-      </p:sp>
-      <p:sp>
-        <p:nvSpPr>
-          <p:cNvPr id="20489" name="Oval 10"/>
-          <p:cNvSpPr>
-            <a:spLocks noChangeArrowheads="1"/>
-          </p:cNvSpPr>
-          <p:nvPr/>
-        </p:nvSpPr>
-        <p:spPr bwMode="auto">
-          <a:xfrm>
-            <a:off x="5418138" y="5638800"/>
-            <a:ext cx="207962" cy="207963"/>
-          </a:xfrm>
-          <a:prstGeom prst="ellipse">
-            <a:avLst/>
-          </a:prstGeom>
-          <a:solidFill>
-            <a:schemeClr val="bg1"/>
-          </a:solidFill>
-          <a:ln w="19050">
-            <a:solidFill>
-              <a:schemeClr val="tx1"/>
-            </a:solidFill>
-            <a:round/>
-            <a:headEnd/>
-            <a:tailEnd type="none" w="lg" len="lg"/>
-          </a:ln>
-        </p:spPr>
-        <p:txBody>
-          <a:bodyPr wrap="none" anchor="ctr"/>
-          <a:lstStyle/>
-          <a:p>
-            <a:endParaRPr lang="en-US"/>
-          </a:p>
-        </p:txBody>
-      </p:sp>
-      <p:sp>
-        <p:nvSpPr>
-          <p:cNvPr id="20490" name="Oval 11"/>
-          <p:cNvSpPr>
-            <a:spLocks noChangeArrowheads="1"/>
-          </p:cNvSpPr>
-          <p:nvPr/>
-        </p:nvSpPr>
-        <p:spPr bwMode="auto">
-          <a:xfrm>
-            <a:off x="4448175" y="6272213"/>
-            <a:ext cx="207963" cy="207962"/>
-          </a:xfrm>
-          <a:prstGeom prst="ellipse">
-            <a:avLst/>
-          </a:prstGeom>
-          <a:solidFill>
-            <a:schemeClr val="bg1"/>
-          </a:solidFill>
-          <a:ln w="19050">
-            <a:solidFill>
-              <a:schemeClr val="tx1"/>
-            </a:solidFill>
-            <a:round/>
-            <a:headEnd/>
-            <a:tailEnd type="none" w="lg" len="lg"/>
-          </a:ln>
-        </p:spPr>
-        <p:txBody>
-          <a:bodyPr wrap="none" anchor="ctr"/>
-          <a:lstStyle/>
-          <a:p>
-            <a:endParaRPr lang="en-US"/>
-          </a:p>
-        </p:txBody>
-      </p:sp>
-      <p:cxnSp>
-        <p:nvCxnSpPr>
-          <p:cNvPr id="20491" name="AutoShape 18"/>
-          <p:cNvCxnSpPr>
-            <a:cxnSpLocks noChangeShapeType="1"/>
-            <a:stCxn id="20485" idx="7"/>
-            <a:endCxn id="20486" idx="2"/>
-          </p:cNvCxnSpPr>
-          <p:nvPr/>
-        </p:nvCxnSpPr>
-        <p:spPr bwMode="auto">
-          <a:xfrm flipV="1">
-            <a:off x="3670300" y="4121150"/>
-            <a:ext cx="758825" cy="506413"/>
-          </a:xfrm>
-          <a:prstGeom prst="straightConnector1">
-            <a:avLst/>
-          </a:prstGeom>
-          <a:noFill/>
-          <a:ln w="19050">
-            <a:solidFill>
-              <a:schemeClr val="tx1"/>
-            </a:solidFill>
-            <a:round/>
-            <a:headEnd/>
-            <a:tailEnd type="none" w="lg" len="lg"/>
-          </a:ln>
-        </p:spPr>
-      </p:cxnSp>
-      <p:cxnSp>
-        <p:nvCxnSpPr>
-          <p:cNvPr id="20492" name="AutoShape 19"/>
-          <p:cNvCxnSpPr>
-            <a:cxnSpLocks noChangeShapeType="1"/>
-            <a:stCxn id="20486" idx="6"/>
-            <a:endCxn id="20487" idx="1"/>
-          </p:cNvCxnSpPr>
-          <p:nvPr/>
-        </p:nvCxnSpPr>
-        <p:spPr bwMode="auto">
-          <a:xfrm>
-            <a:off x="4676775" y="4121150"/>
-            <a:ext cx="771525" cy="506413"/>
-          </a:xfrm>
-          <a:prstGeom prst="straightConnector1">
-            <a:avLst/>
-          </a:prstGeom>
-          <a:noFill/>
-          <a:ln w="19050">
-            <a:solidFill>
-              <a:schemeClr val="tx1"/>
-            </a:solidFill>
-            <a:round/>
-            <a:headEnd/>
-            <a:tailEnd type="none" w="lg" len="lg"/>
-          </a:ln>
-        </p:spPr>
-      </p:cxnSp>
-      <p:cxnSp>
-        <p:nvCxnSpPr>
-          <p:cNvPr id="20493" name="AutoShape 20"/>
-          <p:cNvCxnSpPr>
-            <a:cxnSpLocks noChangeShapeType="1"/>
-            <a:stCxn id="20490" idx="0"/>
-            <a:endCxn id="20486" idx="4"/>
-          </p:cNvCxnSpPr>
-          <p:nvPr/>
-        </p:nvCxnSpPr>
-        <p:spPr bwMode="auto">
-          <a:xfrm flipV="1">
-            <a:off x="4552950" y="4243388"/>
-            <a:ext cx="0" cy="2028825"/>
-          </a:xfrm>
-          <a:prstGeom prst="straightConnector1">
-            <a:avLst/>
-          </a:prstGeom>
-          <a:noFill/>
-          <a:ln w="19050">
-            <a:solidFill>
-              <a:schemeClr val="tx1"/>
-            </a:solidFill>
-            <a:round/>
-            <a:headEnd/>
-            <a:tailEnd type="none" w="lg" len="lg"/>
-          </a:ln>
-        </p:spPr>
-      </p:cxnSp>
-      <p:cxnSp>
-        <p:nvCxnSpPr>
-          <p:cNvPr id="20494" name="AutoShape 25"/>
-          <p:cNvCxnSpPr>
-            <a:cxnSpLocks noChangeShapeType="1"/>
-            <a:stCxn id="20486" idx="3"/>
-            <a:endCxn id="20488" idx="7"/>
-          </p:cNvCxnSpPr>
-          <p:nvPr/>
-        </p:nvCxnSpPr>
-        <p:spPr bwMode="auto">
-          <a:xfrm flipH="1">
-            <a:off x="3670300" y="4213225"/>
-            <a:ext cx="808038" cy="1455738"/>
-          </a:xfrm>
-          <a:prstGeom prst="straightConnector1">
-            <a:avLst/>
-          </a:prstGeom>
-          <a:noFill/>
-          <a:ln w="19050">
-            <a:solidFill>
-              <a:schemeClr val="tx1"/>
-            </a:solidFill>
-            <a:round/>
-            <a:headEnd/>
-            <a:tailEnd type="none" w="lg" len="lg"/>
-          </a:ln>
-        </p:spPr>
-      </p:cxnSp>
-      <p:cxnSp>
-        <p:nvCxnSpPr>
-          <p:cNvPr id="20495" name="AutoShape 26"/>
-          <p:cNvCxnSpPr>
-            <a:cxnSpLocks noChangeShapeType="1"/>
-            <a:stCxn id="20486" idx="5"/>
-            <a:endCxn id="20489" idx="1"/>
-          </p:cNvCxnSpPr>
-          <p:nvPr/>
-        </p:nvCxnSpPr>
-        <p:spPr bwMode="auto">
-          <a:xfrm>
-            <a:off x="4625975" y="4213225"/>
-            <a:ext cx="822325" cy="1455738"/>
-          </a:xfrm>
-          <a:prstGeom prst="straightConnector1">
-            <a:avLst/>
-          </a:prstGeom>
-          <a:noFill/>
-          <a:ln w="19050">
-            <a:solidFill>
-              <a:schemeClr val="tx1"/>
-            </a:solidFill>
-            <a:round/>
-            <a:headEnd/>
-            <a:tailEnd type="none" w="lg" len="lg"/>
-          </a:ln>
-        </p:spPr>
-      </p:cxnSp>
-      <p:sp>
-        <p:nvSpPr>
-          <p:cNvPr id="20496" name="Oval 54"/>
-          <p:cNvSpPr>
-            <a:spLocks noChangeArrowheads="1"/>
-          </p:cNvSpPr>
-          <p:nvPr/>
-        </p:nvSpPr>
-        <p:spPr bwMode="auto">
-          <a:xfrm>
-            <a:off x="3492500" y="4597400"/>
-            <a:ext cx="207963" cy="207963"/>
-          </a:xfrm>
-          <a:prstGeom prst="ellipse">
-            <a:avLst/>
-          </a:prstGeom>
-          <a:solidFill>
-            <a:schemeClr val="bg1"/>
-          </a:solidFill>
-          <a:ln w="19050">
-            <a:solidFill>
-              <a:schemeClr val="tx1"/>
-            </a:solidFill>
-            <a:round/>
-            <a:headEnd/>
-            <a:tailEnd type="none" w="lg" len="lg"/>
-          </a:ln>
-        </p:spPr>
-        <p:txBody>
-          <a:bodyPr wrap="none" anchor="ctr"/>
-          <a:lstStyle/>
-          <a:p>
-            <a:endParaRPr lang="en-US"/>
-          </a:p>
-        </p:txBody>
-      </p:sp>
-      <p:sp>
-        <p:nvSpPr>
-          <p:cNvPr id="20497" name="Oval 55"/>
-          <p:cNvSpPr>
-            <a:spLocks noChangeArrowheads="1"/>
-          </p:cNvSpPr>
-          <p:nvPr/>
-        </p:nvSpPr>
-        <p:spPr bwMode="auto">
-          <a:xfrm>
-            <a:off x="4448175" y="4016375"/>
-            <a:ext cx="207963" cy="207963"/>
-          </a:xfrm>
-          <a:prstGeom prst="ellipse">
-            <a:avLst/>
-          </a:prstGeom>
-          <a:solidFill>
-            <a:srgbClr val="BB0FAB"/>
-          </a:solidFill>
-          <a:ln w="19050">
-            <a:solidFill>
-              <a:schemeClr val="tx1"/>
-            </a:solidFill>
-            <a:round/>
-            <a:headEnd/>
-            <a:tailEnd type="none" w="lg" len="lg"/>
-          </a:ln>
-        </p:spPr>
-        <p:txBody>
-          <a:bodyPr wrap="none" anchor="ctr"/>
-          <a:lstStyle/>
-          <a:p>
-            <a:endParaRPr lang="en-US"/>
-          </a:p>
-        </p:txBody>
-      </p:sp>
-      <p:sp>
-        <p:nvSpPr>
-          <p:cNvPr id="20498" name="Oval 58"/>
-          <p:cNvSpPr>
-            <a:spLocks noChangeArrowheads="1"/>
-          </p:cNvSpPr>
-          <p:nvPr/>
-        </p:nvSpPr>
-        <p:spPr bwMode="auto">
-          <a:xfrm>
-            <a:off x="5418138" y="5638800"/>
-            <a:ext cx="207962" cy="207963"/>
-          </a:xfrm>
-          <a:prstGeom prst="ellipse">
-            <a:avLst/>
-          </a:prstGeom>
-          <a:solidFill>
-            <a:schemeClr val="bg1"/>
-          </a:solidFill>
-          <a:ln w="19050">
-            <a:solidFill>
-              <a:schemeClr val="tx1"/>
-            </a:solidFill>
-            <a:round/>
-            <a:headEnd/>
-            <a:tailEnd type="none" w="lg" len="lg"/>
-          </a:ln>
-        </p:spPr>
-        <p:txBody>
-          <a:bodyPr wrap="none" anchor="ctr"/>
-          <a:lstStyle/>
-          <a:p>
-            <a:endParaRPr lang="en-US"/>
-          </a:p>
-        </p:txBody>
-      </p:sp>
-      <p:grpSp>
-        <p:nvGrpSpPr>
-          <p:cNvPr id="2" name="Group 33"/>
-          <p:cNvGrpSpPr>
-            <a:grpSpLocks/>
-          </p:cNvGrpSpPr>
-          <p:nvPr/>
-        </p:nvGrpSpPr>
-        <p:grpSpPr bwMode="auto">
-          <a:xfrm>
-            <a:off x="3492500" y="4597400"/>
-            <a:ext cx="2133600" cy="1882775"/>
-            <a:chOff x="3492500" y="4597400"/>
-            <a:chExt cx="2133601" cy="1882776"/>
-          </a:xfrm>
-        </p:grpSpPr>
-        <p:sp>
-          <p:nvSpPr>
-            <p:cNvPr id="20529" name="Oval 56"/>
-            <p:cNvSpPr>
-              <a:spLocks noChangeArrowheads="1"/>
-            </p:cNvSpPr>
-            <p:nvPr/>
-          </p:nvSpPr>
-          <p:spPr bwMode="auto">
-            <a:xfrm>
-              <a:off x="5418138" y="4597400"/>
-              <a:ext cx="207963" cy="207963"/>
-            </a:xfrm>
-            <a:prstGeom prst="ellipse">
-              <a:avLst/>
-            </a:prstGeom>
-            <a:solidFill>
-              <a:schemeClr val="bg1"/>
-            </a:solidFill>
-            <a:ln w="19050">
-              <a:solidFill>
-                <a:schemeClr val="tx1"/>
-              </a:solidFill>
-              <a:round/>
-              <a:headEnd/>
-              <a:tailEnd type="none" w="lg" len="lg"/>
-            </a:ln>
-          </p:spPr>
-          <p:txBody>
-            <a:bodyPr wrap="none" anchor="ctr"/>
-            <a:lstStyle/>
-            <a:p>
-              <a:endParaRPr lang="en-US"/>
-            </a:p>
-          </p:txBody>
-        </p:sp>
-        <p:sp>
-          <p:nvSpPr>
-            <p:cNvPr id="20530" name="Oval 57"/>
-            <p:cNvSpPr>
-              <a:spLocks noChangeArrowheads="1"/>
-            </p:cNvSpPr>
-            <p:nvPr/>
-          </p:nvSpPr>
-          <p:spPr bwMode="auto">
-            <a:xfrm>
-              <a:off x="3492500" y="5638800"/>
-              <a:ext cx="207963" cy="207963"/>
-            </a:xfrm>
-            <a:prstGeom prst="ellipse">
-              <a:avLst/>
-            </a:prstGeom>
-            <a:solidFill>
-              <a:schemeClr val="bg1"/>
-            </a:solidFill>
-            <a:ln w="19050">
-              <a:solidFill>
-                <a:schemeClr val="tx1"/>
-              </a:solidFill>
-              <a:round/>
-              <a:headEnd/>
-              <a:tailEnd type="none" w="lg" len="lg"/>
-            </a:ln>
-          </p:spPr>
-          <p:txBody>
-            <a:bodyPr wrap="none" anchor="ctr"/>
-            <a:lstStyle/>
-            <a:p>
-              <a:endParaRPr lang="en-US"/>
-            </a:p>
-          </p:txBody>
-        </p:sp>
-        <p:sp>
-          <p:nvSpPr>
-            <p:cNvPr id="20531" name="Oval 59"/>
-            <p:cNvSpPr>
-              <a:spLocks noChangeArrowheads="1"/>
-            </p:cNvSpPr>
-            <p:nvPr/>
-          </p:nvSpPr>
-          <p:spPr bwMode="auto">
-            <a:xfrm>
-              <a:off x="4448175" y="6272213"/>
-              <a:ext cx="207963" cy="207963"/>
-            </a:xfrm>
-            <a:prstGeom prst="ellipse">
-              <a:avLst/>
-            </a:prstGeom>
-            <a:solidFill>
-              <a:schemeClr val="bg1"/>
-            </a:solidFill>
-            <a:ln w="19050">
-              <a:solidFill>
-                <a:schemeClr val="tx1"/>
-              </a:solidFill>
-              <a:round/>
-              <a:headEnd/>
-              <a:tailEnd type="none" w="lg" len="lg"/>
-            </a:ln>
-          </p:spPr>
-          <p:txBody>
-            <a:bodyPr wrap="none" anchor="ctr"/>
-            <a:lstStyle/>
-            <a:p>
-              <a:endParaRPr lang="en-US"/>
-            </a:p>
-          </p:txBody>
-        </p:sp>
-      </p:grpSp>
-      <p:cxnSp>
-        <p:nvCxnSpPr>
-          <p:cNvPr id="20500" name="AutoShape 61"/>
-          <p:cNvCxnSpPr>
-            <a:cxnSpLocks noChangeShapeType="1"/>
-            <a:stCxn id="20497" idx="6"/>
-            <a:endCxn id="20529" idx="1"/>
-          </p:cNvCxnSpPr>
-          <p:nvPr/>
-        </p:nvCxnSpPr>
-        <p:spPr bwMode="auto">
-          <a:xfrm>
-            <a:off x="4676775" y="4121150"/>
-            <a:ext cx="771525" cy="506413"/>
-          </a:xfrm>
-          <a:prstGeom prst="straightConnector1">
-            <a:avLst/>
-          </a:prstGeom>
-          <a:noFill/>
-          <a:ln w="28575">
-            <a:solidFill>
-              <a:schemeClr val="accent2"/>
-            </a:solidFill>
-            <a:round/>
-            <a:headEnd/>
-            <a:tailEnd type="none" w="lg" len="lg"/>
-          </a:ln>
-        </p:spPr>
-      </p:cxnSp>
-      <p:cxnSp>
-        <p:nvCxnSpPr>
-          <p:cNvPr id="20501" name="AutoShape 62"/>
-          <p:cNvCxnSpPr>
-            <a:cxnSpLocks noChangeShapeType="1"/>
-            <a:stCxn id="20531" idx="0"/>
-            <a:endCxn id="20497" idx="4"/>
-          </p:cNvCxnSpPr>
-          <p:nvPr/>
-        </p:nvCxnSpPr>
-        <p:spPr bwMode="auto">
-          <a:xfrm flipV="1">
-            <a:off x="4552950" y="4243388"/>
-            <a:ext cx="0" cy="2028825"/>
-          </a:xfrm>
-          <a:prstGeom prst="straightConnector1">
-            <a:avLst/>
-          </a:prstGeom>
-          <a:noFill/>
-          <a:ln w="28575">
-            <a:solidFill>
-              <a:schemeClr val="accent2"/>
-            </a:solidFill>
-            <a:round/>
-            <a:headEnd/>
-            <a:tailEnd type="none" w="lg" len="lg"/>
-          </a:ln>
-        </p:spPr>
-      </p:cxnSp>
-      <p:cxnSp>
-        <p:nvCxnSpPr>
-          <p:cNvPr id="20502" name="AutoShape 63"/>
-          <p:cNvCxnSpPr>
-            <a:cxnSpLocks noChangeShapeType="1"/>
-            <a:stCxn id="20497" idx="3"/>
-            <a:endCxn id="20530" idx="7"/>
-          </p:cNvCxnSpPr>
-          <p:nvPr/>
-        </p:nvCxnSpPr>
-        <p:spPr bwMode="auto">
-          <a:xfrm flipH="1">
-            <a:off x="3670300" y="4213225"/>
-            <a:ext cx="808038" cy="1455738"/>
-          </a:xfrm>
-          <a:prstGeom prst="straightConnector1">
-            <a:avLst/>
-          </a:prstGeom>
-          <a:noFill/>
-          <a:ln w="28575">
-            <a:solidFill>
-              <a:schemeClr val="accent2"/>
-            </a:solidFill>
-            <a:round/>
-            <a:headEnd/>
-            <a:tailEnd type="none" w="lg" len="lg"/>
-          </a:ln>
-        </p:spPr>
-      </p:cxnSp>
-      <p:grpSp>
-        <p:nvGrpSpPr>
-          <p:cNvPr id="3" name="Group 38"/>
-          <p:cNvGrpSpPr>
-            <a:grpSpLocks/>
-          </p:cNvGrpSpPr>
-          <p:nvPr/>
-        </p:nvGrpSpPr>
-        <p:grpSpPr bwMode="auto">
-          <a:xfrm>
-            <a:off x="3670300" y="4121150"/>
-            <a:ext cx="1778000" cy="1547813"/>
-            <a:chOff x="3670300" y="4121150"/>
-            <a:chExt cx="1778000" cy="1547813"/>
-          </a:xfrm>
-        </p:grpSpPr>
-        <p:cxnSp>
-          <p:nvCxnSpPr>
-            <p:cNvPr id="20527" name="AutoShape 60"/>
-            <p:cNvCxnSpPr>
-              <a:cxnSpLocks noChangeShapeType="1"/>
-              <a:stCxn id="20496" idx="7"/>
-              <a:endCxn id="20497" idx="2"/>
-            </p:cNvCxnSpPr>
-            <p:nvPr/>
-          </p:nvCxnSpPr>
-          <p:spPr bwMode="auto">
-            <a:xfrm flipV="1">
-              <a:off x="3670300" y="4121150"/>
-              <a:ext cx="758825" cy="506413"/>
-            </a:xfrm>
-            <a:prstGeom prst="straightConnector1">
-              <a:avLst/>
-            </a:prstGeom>
-            <a:noFill/>
-            <a:ln w="28575">
-              <a:solidFill>
-                <a:srgbClr val="0066FF"/>
-              </a:solidFill>
-              <a:round/>
-              <a:headEnd/>
-              <a:tailEnd type="none" w="lg" len="lg"/>
-            </a:ln>
-          </p:spPr>
-        </p:cxnSp>
-        <p:cxnSp>
-          <p:nvCxnSpPr>
-            <p:cNvPr id="20528" name="AutoShape 64"/>
-            <p:cNvCxnSpPr>
-              <a:cxnSpLocks noChangeShapeType="1"/>
-              <a:stCxn id="20497" idx="5"/>
-              <a:endCxn id="20498" idx="1"/>
-            </p:cNvCxnSpPr>
-            <p:nvPr/>
-          </p:nvCxnSpPr>
-          <p:spPr bwMode="auto">
-            <a:xfrm>
-              <a:off x="4625975" y="4213225"/>
-              <a:ext cx="822325" cy="1455738"/>
-            </a:xfrm>
-            <a:prstGeom prst="straightConnector1">
-              <a:avLst/>
-            </a:prstGeom>
-            <a:noFill/>
-            <a:ln w="28575">
-              <a:solidFill>
-                <a:srgbClr val="0066FF"/>
-              </a:solidFill>
-              <a:round/>
-              <a:headEnd/>
-              <a:tailEnd type="none" w="lg" len="lg"/>
-            </a:ln>
-          </p:spPr>
-        </p:cxnSp>
-      </p:grpSp>
-      <p:grpSp>
-        <p:nvGrpSpPr>
-          <p:cNvPr id="4" name="Group 31"/>
-          <p:cNvGrpSpPr>
-            <a:grpSpLocks/>
-          </p:cNvGrpSpPr>
-          <p:nvPr/>
-        </p:nvGrpSpPr>
-        <p:grpSpPr bwMode="auto">
-          <a:xfrm>
-            <a:off x="3492500" y="4016375"/>
-            <a:ext cx="2146300" cy="2463800"/>
-            <a:chOff x="3492500" y="4016375"/>
-            <a:chExt cx="2146300" cy="2463801"/>
-          </a:xfrm>
-        </p:grpSpPr>
-        <p:sp>
-          <p:nvSpPr>
-            <p:cNvPr id="20507" name="Oval 6"/>
-            <p:cNvSpPr>
-              <a:spLocks noChangeArrowheads="1"/>
-            </p:cNvSpPr>
-            <p:nvPr/>
-          </p:nvSpPr>
-          <p:spPr bwMode="auto">
-            <a:xfrm>
-              <a:off x="3492500" y="4597400"/>
-              <a:ext cx="207963" cy="207963"/>
-            </a:xfrm>
-            <a:prstGeom prst="ellipse">
-              <a:avLst/>
-            </a:prstGeom>
-            <a:solidFill>
-              <a:schemeClr val="bg1"/>
-            </a:solidFill>
-            <a:ln w="19050">
-              <a:solidFill>
-                <a:schemeClr val="tx1"/>
-              </a:solidFill>
-              <a:round/>
-              <a:headEnd/>
-              <a:tailEnd type="none" w="lg" len="lg"/>
-            </a:ln>
-          </p:spPr>
-          <p:txBody>
-            <a:bodyPr wrap="none" anchor="ctr"/>
-            <a:lstStyle/>
-            <a:p>
-              <a:endParaRPr lang="en-US"/>
-            </a:p>
-          </p:txBody>
-        </p:sp>
-        <p:sp>
-          <p:nvSpPr>
-            <p:cNvPr id="20508" name="Oval 7"/>
-            <p:cNvSpPr>
-              <a:spLocks noChangeArrowheads="1"/>
-            </p:cNvSpPr>
-            <p:nvPr/>
-          </p:nvSpPr>
-          <p:spPr bwMode="auto">
-            <a:xfrm>
-              <a:off x="4448175" y="4016375"/>
-              <a:ext cx="207963" cy="207963"/>
-            </a:xfrm>
-            <a:prstGeom prst="ellipse">
-              <a:avLst/>
-            </a:prstGeom>
-            <a:solidFill>
-              <a:schemeClr val="folHlink"/>
-            </a:solidFill>
-            <a:ln w="19050">
-              <a:solidFill>
-                <a:schemeClr val="tx1"/>
-              </a:solidFill>
-              <a:round/>
-              <a:headEnd/>
-              <a:tailEnd type="none" w="lg" len="lg"/>
-            </a:ln>
-          </p:spPr>
-          <p:txBody>
-            <a:bodyPr wrap="none" anchor="ctr"/>
-            <a:lstStyle/>
-            <a:p>
-              <a:endParaRPr lang="en-US"/>
-            </a:p>
-          </p:txBody>
-        </p:sp>
-        <p:sp>
-          <p:nvSpPr>
-            <p:cNvPr id="20509" name="Oval 8"/>
-            <p:cNvSpPr>
-              <a:spLocks noChangeArrowheads="1"/>
-            </p:cNvSpPr>
-            <p:nvPr/>
-          </p:nvSpPr>
-          <p:spPr bwMode="auto">
-            <a:xfrm>
-              <a:off x="5418138" y="4597400"/>
-              <a:ext cx="207963" cy="207963"/>
-            </a:xfrm>
-            <a:prstGeom prst="ellipse">
-              <a:avLst/>
-            </a:prstGeom>
-            <a:solidFill>
-              <a:schemeClr val="bg1"/>
-            </a:solidFill>
-            <a:ln w="19050">
-              <a:solidFill>
-                <a:schemeClr val="tx1"/>
-              </a:solidFill>
-              <a:round/>
-              <a:headEnd/>
-              <a:tailEnd type="none" w="lg" len="lg"/>
-            </a:ln>
-          </p:spPr>
-          <p:txBody>
-            <a:bodyPr wrap="none" anchor="ctr"/>
-            <a:lstStyle/>
-            <a:p>
-              <a:endParaRPr lang="en-US"/>
-            </a:p>
-          </p:txBody>
-        </p:sp>
-        <p:sp>
-          <p:nvSpPr>
-            <p:cNvPr id="20510" name="Oval 9"/>
-            <p:cNvSpPr>
-              <a:spLocks noChangeArrowheads="1"/>
-            </p:cNvSpPr>
-            <p:nvPr/>
-          </p:nvSpPr>
-          <p:spPr bwMode="auto">
-            <a:xfrm>
-              <a:off x="3492500" y="5638800"/>
-              <a:ext cx="207963" cy="207963"/>
-            </a:xfrm>
-            <a:prstGeom prst="ellipse">
-              <a:avLst/>
-            </a:prstGeom>
-            <a:solidFill>
-              <a:schemeClr val="bg1"/>
-            </a:solidFill>
-            <a:ln w="19050">
-              <a:solidFill>
-                <a:schemeClr val="tx1"/>
-              </a:solidFill>
-              <a:round/>
-              <a:headEnd/>
-              <a:tailEnd type="none" w="lg" len="lg"/>
-            </a:ln>
-          </p:spPr>
-          <p:txBody>
-            <a:bodyPr wrap="none" anchor="ctr"/>
-            <a:lstStyle/>
-            <a:p>
-              <a:endParaRPr lang="en-US"/>
-            </a:p>
-          </p:txBody>
-        </p:sp>
-        <p:sp>
-          <p:nvSpPr>
-            <p:cNvPr id="20511" name="Oval 10"/>
-            <p:cNvSpPr>
-              <a:spLocks noChangeArrowheads="1"/>
-            </p:cNvSpPr>
-            <p:nvPr/>
-          </p:nvSpPr>
-          <p:spPr bwMode="auto">
-            <a:xfrm>
-              <a:off x="5418138" y="5638800"/>
-              <a:ext cx="207963" cy="207963"/>
-            </a:xfrm>
-            <a:prstGeom prst="ellipse">
-              <a:avLst/>
-            </a:prstGeom>
-            <a:solidFill>
-              <a:schemeClr val="bg1"/>
-            </a:solidFill>
-            <a:ln w="19050">
-              <a:solidFill>
-                <a:schemeClr val="tx1"/>
-              </a:solidFill>
-              <a:round/>
-              <a:headEnd/>
-              <a:tailEnd type="none" w="lg" len="lg"/>
-            </a:ln>
-          </p:spPr>
-          <p:txBody>
-            <a:bodyPr wrap="none" anchor="ctr"/>
-            <a:lstStyle/>
-            <a:p>
-              <a:endParaRPr lang="en-US"/>
-            </a:p>
-          </p:txBody>
-        </p:sp>
-        <p:sp>
-          <p:nvSpPr>
-            <p:cNvPr id="20512" name="Oval 11"/>
-            <p:cNvSpPr>
-              <a:spLocks noChangeArrowheads="1"/>
-            </p:cNvSpPr>
-            <p:nvPr/>
-          </p:nvSpPr>
-          <p:spPr bwMode="auto">
-            <a:xfrm>
-              <a:off x="4448175" y="6272213"/>
-              <a:ext cx="207963" cy="207963"/>
-            </a:xfrm>
-            <a:prstGeom prst="ellipse">
-              <a:avLst/>
-            </a:prstGeom>
-            <a:solidFill>
-              <a:schemeClr val="bg1"/>
-            </a:solidFill>
-            <a:ln w="19050">
-              <a:solidFill>
-                <a:schemeClr val="tx1"/>
-              </a:solidFill>
-              <a:round/>
-              <a:headEnd/>
-              <a:tailEnd type="none" w="lg" len="lg"/>
-            </a:ln>
-          </p:spPr>
-          <p:txBody>
-            <a:bodyPr wrap="none" anchor="ctr"/>
-            <a:lstStyle/>
-            <a:p>
-              <a:endParaRPr lang="en-US"/>
-            </a:p>
-          </p:txBody>
-        </p:sp>
-        <p:cxnSp>
-          <p:nvCxnSpPr>
-            <p:cNvPr id="20513" name="AutoShape 19"/>
-            <p:cNvCxnSpPr>
-              <a:cxnSpLocks noChangeShapeType="1"/>
-              <a:stCxn id="20508" idx="6"/>
-              <a:endCxn id="20509" idx="1"/>
-            </p:cNvCxnSpPr>
-            <p:nvPr/>
-          </p:nvCxnSpPr>
-          <p:spPr bwMode="auto">
-            <a:xfrm>
-              <a:off x="4676775" y="4121150"/>
-              <a:ext cx="771525" cy="506413"/>
-            </a:xfrm>
-            <a:prstGeom prst="straightConnector1">
-              <a:avLst/>
-            </a:prstGeom>
-            <a:noFill/>
-            <a:ln w="19050">
-              <a:solidFill>
-                <a:schemeClr val="tx1"/>
-              </a:solidFill>
-              <a:round/>
-              <a:headEnd/>
-              <a:tailEnd type="none" w="lg" len="lg"/>
-            </a:ln>
-          </p:spPr>
-        </p:cxnSp>
-        <p:cxnSp>
-          <p:nvCxnSpPr>
-            <p:cNvPr id="20514" name="AutoShape 20"/>
-            <p:cNvCxnSpPr>
-              <a:cxnSpLocks noChangeShapeType="1"/>
-              <a:stCxn id="20512" idx="0"/>
-              <a:endCxn id="20508" idx="4"/>
-            </p:cNvCxnSpPr>
-            <p:nvPr/>
-          </p:nvCxnSpPr>
-          <p:spPr bwMode="auto">
-            <a:xfrm flipV="1">
-              <a:off x="4552950" y="4243388"/>
-              <a:ext cx="0" cy="2028825"/>
-            </a:xfrm>
-            <a:prstGeom prst="straightConnector1">
-              <a:avLst/>
-            </a:prstGeom>
-            <a:noFill/>
-            <a:ln w="19050">
-              <a:solidFill>
-                <a:schemeClr val="tx1"/>
-              </a:solidFill>
-              <a:round/>
-              <a:headEnd/>
-              <a:tailEnd type="none" w="lg" len="lg"/>
-            </a:ln>
-          </p:spPr>
-        </p:cxnSp>
-        <p:cxnSp>
-          <p:nvCxnSpPr>
-            <p:cNvPr id="20515" name="AutoShape 25"/>
-            <p:cNvCxnSpPr>
-              <a:cxnSpLocks noChangeShapeType="1"/>
-              <a:stCxn id="20508" idx="3"/>
-              <a:endCxn id="20510" idx="7"/>
-            </p:cNvCxnSpPr>
-            <p:nvPr/>
-          </p:nvCxnSpPr>
-          <p:spPr bwMode="auto">
-            <a:xfrm flipH="1">
-              <a:off x="3670300" y="4213225"/>
-              <a:ext cx="808038" cy="1455738"/>
-            </a:xfrm>
-            <a:prstGeom prst="straightConnector1">
-              <a:avLst/>
-            </a:prstGeom>
-            <a:noFill/>
-            <a:ln w="19050">
-              <a:solidFill>
-                <a:schemeClr val="tx1"/>
-              </a:solidFill>
-              <a:round/>
-              <a:headEnd/>
-              <a:tailEnd type="none" w="lg" len="lg"/>
-            </a:ln>
-          </p:spPr>
-        </p:cxnSp>
-        <p:sp>
-          <p:nvSpPr>
-            <p:cNvPr id="20516" name="Oval 54"/>
-            <p:cNvSpPr>
-              <a:spLocks noChangeArrowheads="1"/>
-            </p:cNvSpPr>
-            <p:nvPr/>
-          </p:nvSpPr>
-          <p:spPr bwMode="auto">
-            <a:xfrm>
-              <a:off x="3492500" y="4597400"/>
-              <a:ext cx="207963" cy="207963"/>
-            </a:xfrm>
-            <a:prstGeom prst="ellipse">
-              <a:avLst/>
-            </a:prstGeom>
-            <a:solidFill>
-              <a:schemeClr val="bg1"/>
-            </a:solidFill>
-            <a:ln w="19050">
-              <a:solidFill>
-                <a:schemeClr val="tx1"/>
-              </a:solidFill>
-              <a:round/>
-              <a:headEnd/>
-              <a:tailEnd type="none" w="lg" len="lg"/>
-            </a:ln>
-          </p:spPr>
-          <p:txBody>
-            <a:bodyPr wrap="none" anchor="ctr"/>
-            <a:lstStyle/>
-            <a:p>
-              <a:endParaRPr lang="en-US"/>
-            </a:p>
-          </p:txBody>
-        </p:sp>
-        <p:sp>
-          <p:nvSpPr>
-            <p:cNvPr id="20517" name="Oval 55"/>
-            <p:cNvSpPr>
-              <a:spLocks noChangeArrowheads="1"/>
-            </p:cNvSpPr>
-            <p:nvPr/>
-          </p:nvSpPr>
-          <p:spPr bwMode="auto">
-            <a:xfrm>
-              <a:off x="4448175" y="4016375"/>
-              <a:ext cx="207963" cy="207963"/>
-            </a:xfrm>
-            <a:prstGeom prst="ellipse">
-              <a:avLst/>
-            </a:prstGeom>
-            <a:solidFill>
-              <a:srgbClr val="BB0FAB"/>
-            </a:solidFill>
-            <a:ln w="19050">
-              <a:solidFill>
-                <a:schemeClr val="tx1"/>
-              </a:solidFill>
-              <a:round/>
-              <a:headEnd/>
-              <a:tailEnd type="none" w="lg" len="lg"/>
-            </a:ln>
-          </p:spPr>
-          <p:txBody>
-            <a:bodyPr wrap="none" anchor="ctr"/>
-            <a:lstStyle/>
-            <a:p>
-              <a:endParaRPr lang="en-US"/>
-            </a:p>
-          </p:txBody>
-        </p:sp>
-        <p:sp>
-          <p:nvSpPr>
-            <p:cNvPr id="20518" name="Oval 58"/>
-            <p:cNvSpPr>
-              <a:spLocks noChangeArrowheads="1"/>
-            </p:cNvSpPr>
-            <p:nvPr/>
-          </p:nvSpPr>
-          <p:spPr bwMode="auto">
-            <a:xfrm>
-              <a:off x="5418138" y="5638800"/>
-              <a:ext cx="207963" cy="207963"/>
-            </a:xfrm>
-            <a:prstGeom prst="ellipse">
-              <a:avLst/>
-            </a:prstGeom>
-            <a:solidFill>
-              <a:schemeClr val="bg1"/>
-            </a:solidFill>
-            <a:ln w="19050">
-              <a:solidFill>
-                <a:schemeClr val="tx1"/>
-              </a:solidFill>
-              <a:round/>
-              <a:headEnd/>
-              <a:tailEnd type="none" w="lg" len="lg"/>
-            </a:ln>
-          </p:spPr>
-          <p:txBody>
-            <a:bodyPr wrap="none" anchor="ctr"/>
-            <a:lstStyle/>
-            <a:p>
-              <a:endParaRPr lang="en-US"/>
-            </a:p>
-          </p:txBody>
-        </p:sp>
-        <p:grpSp>
-          <p:nvGrpSpPr>
-            <p:cNvPr id="5" name="Group 33"/>
-            <p:cNvGrpSpPr>
-              <a:grpSpLocks/>
-            </p:cNvGrpSpPr>
-            <p:nvPr/>
-          </p:nvGrpSpPr>
-          <p:grpSpPr bwMode="auto">
-            <a:xfrm>
-              <a:off x="3492500" y="4597400"/>
-              <a:ext cx="2133601" cy="1882776"/>
-              <a:chOff x="3492500" y="4597400"/>
-              <a:chExt cx="2133601" cy="1882776"/>
-            </a:xfrm>
-          </p:grpSpPr>
-          <p:sp>
-            <p:nvSpPr>
-              <p:cNvPr id="20524" name="Oval 56"/>
-              <p:cNvSpPr>
-                <a:spLocks noChangeArrowheads="1"/>
-              </p:cNvSpPr>
-              <p:nvPr/>
-            </p:nvSpPr>
-            <p:spPr bwMode="auto">
-              <a:xfrm>
-                <a:off x="5418138" y="4597400"/>
-                <a:ext cx="207963" cy="207963"/>
-              </a:xfrm>
-              <a:prstGeom prst="ellipse">
-                <a:avLst/>
-              </a:prstGeom>
-              <a:solidFill>
-                <a:schemeClr val="bg1"/>
-              </a:solidFill>
-              <a:ln w="19050">
-                <a:solidFill>
-                  <a:schemeClr val="tx1"/>
-                </a:solidFill>
-                <a:round/>
-                <a:headEnd/>
-                <a:tailEnd type="none" w="lg" len="lg"/>
-              </a:ln>
-            </p:spPr>
-            <p:txBody>
-              <a:bodyPr wrap="none" anchor="ctr"/>
-              <a:lstStyle/>
-              <a:p>
-                <a:endParaRPr lang="en-US"/>
-              </a:p>
-            </p:txBody>
-          </p:sp>
-          <p:sp>
-            <p:nvSpPr>
-              <p:cNvPr id="20525" name="Oval 57"/>
-              <p:cNvSpPr>
-                <a:spLocks noChangeArrowheads="1"/>
-              </p:cNvSpPr>
-              <p:nvPr/>
-            </p:nvSpPr>
-            <p:spPr bwMode="auto">
-              <a:xfrm>
-                <a:off x="3492500" y="5638800"/>
-                <a:ext cx="207963" cy="207963"/>
-              </a:xfrm>
-              <a:prstGeom prst="ellipse">
-                <a:avLst/>
-              </a:prstGeom>
-              <a:solidFill>
-                <a:schemeClr val="bg1"/>
-              </a:solidFill>
-              <a:ln w="19050">
-                <a:solidFill>
-                  <a:schemeClr val="tx1"/>
-                </a:solidFill>
-                <a:round/>
-                <a:headEnd/>
-                <a:tailEnd type="none" w="lg" len="lg"/>
-              </a:ln>
-            </p:spPr>
-            <p:txBody>
-              <a:bodyPr wrap="none" anchor="ctr"/>
-              <a:lstStyle/>
-              <a:p>
-                <a:endParaRPr lang="en-US"/>
-              </a:p>
-            </p:txBody>
-          </p:sp>
-          <p:sp>
-            <p:nvSpPr>
-              <p:cNvPr id="20526" name="Oval 59"/>
-              <p:cNvSpPr>
-                <a:spLocks noChangeArrowheads="1"/>
-              </p:cNvSpPr>
-              <p:nvPr/>
-            </p:nvSpPr>
-            <p:spPr bwMode="auto">
-              <a:xfrm>
-                <a:off x="4448175" y="6272213"/>
-                <a:ext cx="207963" cy="207963"/>
-              </a:xfrm>
-              <a:prstGeom prst="ellipse">
-                <a:avLst/>
-              </a:prstGeom>
-              <a:solidFill>
-                <a:schemeClr val="bg1"/>
-              </a:solidFill>
-              <a:ln w="19050">
-                <a:solidFill>
-                  <a:schemeClr val="tx1"/>
-                </a:solidFill>
-                <a:round/>
-                <a:headEnd/>
-                <a:tailEnd type="none" w="lg" len="lg"/>
-              </a:ln>
-            </p:spPr>
-            <p:txBody>
-              <a:bodyPr wrap="none" anchor="ctr"/>
-              <a:lstStyle/>
-              <a:p>
-                <a:endParaRPr lang="en-US"/>
-              </a:p>
-            </p:txBody>
-          </p:sp>
-        </p:grpSp>
-        <p:cxnSp>
-          <p:nvCxnSpPr>
-            <p:cNvPr id="20520" name="AutoShape 61"/>
-            <p:cNvCxnSpPr>
-              <a:cxnSpLocks noChangeShapeType="1"/>
-              <a:stCxn id="20517" idx="6"/>
-              <a:endCxn id="20524" idx="1"/>
-            </p:cNvCxnSpPr>
-            <p:nvPr/>
-          </p:nvCxnSpPr>
-          <p:spPr bwMode="auto">
-            <a:xfrm>
-              <a:off x="4676775" y="4121150"/>
-              <a:ext cx="771525" cy="506413"/>
-            </a:xfrm>
-            <a:prstGeom prst="straightConnector1">
-              <a:avLst/>
-            </a:prstGeom>
-            <a:noFill/>
-            <a:ln w="28575">
-              <a:solidFill>
-                <a:schemeClr val="accent2"/>
-              </a:solidFill>
-              <a:round/>
-              <a:headEnd/>
-              <a:tailEnd type="none" w="lg" len="lg"/>
-            </a:ln>
-          </p:spPr>
-        </p:cxnSp>
-        <p:cxnSp>
-          <p:nvCxnSpPr>
-            <p:cNvPr id="20521" name="AutoShape 62"/>
-            <p:cNvCxnSpPr>
-              <a:cxnSpLocks noChangeShapeType="1"/>
-              <a:stCxn id="20526" idx="0"/>
-              <a:endCxn id="20517" idx="4"/>
-            </p:cNvCxnSpPr>
-            <p:nvPr/>
-          </p:nvCxnSpPr>
-          <p:spPr bwMode="auto">
-            <a:xfrm flipV="1">
-              <a:off x="4552950" y="4243388"/>
-              <a:ext cx="0" cy="2028825"/>
-            </a:xfrm>
-            <a:prstGeom prst="straightConnector1">
-              <a:avLst/>
-            </a:prstGeom>
-            <a:noFill/>
-            <a:ln w="28575">
-              <a:solidFill>
-                <a:schemeClr val="accent2"/>
-              </a:solidFill>
-              <a:round/>
-              <a:headEnd/>
-              <a:tailEnd type="none" w="lg" len="lg"/>
-            </a:ln>
-          </p:spPr>
-        </p:cxnSp>
-        <p:cxnSp>
-          <p:nvCxnSpPr>
-            <p:cNvPr id="20522" name="AutoShape 63"/>
-            <p:cNvCxnSpPr>
-              <a:cxnSpLocks noChangeShapeType="1"/>
-              <a:stCxn id="20517" idx="3"/>
-              <a:endCxn id="20525" idx="7"/>
-            </p:cNvCxnSpPr>
-            <p:nvPr/>
-          </p:nvCxnSpPr>
-          <p:spPr bwMode="auto">
-            <a:xfrm flipH="1">
-              <a:off x="3670300" y="4213225"/>
-              <a:ext cx="808038" cy="1455738"/>
-            </a:xfrm>
-            <a:prstGeom prst="straightConnector1">
-              <a:avLst/>
-            </a:prstGeom>
-            <a:noFill/>
-            <a:ln w="28575">
-              <a:solidFill>
-                <a:schemeClr val="accent2"/>
-              </a:solidFill>
-              <a:round/>
-              <a:headEnd/>
-              <a:tailEnd type="none" w="lg" len="lg"/>
-            </a:ln>
-          </p:spPr>
-        </p:cxnSp>
-        <p:grpSp>
-          <p:nvGrpSpPr>
-            <p:cNvPr id="6" name="Group 34"/>
-            <p:cNvGrpSpPr/>
-            <p:nvPr/>
-          </p:nvGrpSpPr>
-          <p:grpSpPr>
-            <a:xfrm>
-              <a:off x="3505199" y="4587875"/>
-              <a:ext cx="2133601" cy="1882776"/>
-              <a:chOff x="3492500" y="4597400"/>
-              <a:chExt cx="2133601" cy="1882776"/>
-            </a:xfrm>
-            <a:solidFill>
-              <a:srgbClr val="C00000"/>
-            </a:solidFill>
-          </p:grpSpPr>
-          <p:sp>
-            <p:nvSpPr>
-              <p:cNvPr id="51" name="Oval 56"/>
-              <p:cNvSpPr>
-                <a:spLocks noChangeArrowheads="1"/>
-              </p:cNvSpPr>
-              <p:nvPr/>
-            </p:nvSpPr>
-            <p:spPr bwMode="auto">
-              <a:xfrm>
-                <a:off x="5418138" y="4597400"/>
-                <a:ext cx="207963" cy="207963"/>
-              </a:xfrm>
-              <a:prstGeom prst="ellipse">
-                <a:avLst/>
-              </a:prstGeom>
-              <a:grpFill/>
-              <a:ln w="19050">
-                <a:solidFill>
-                  <a:schemeClr val="tx1"/>
-                </a:solidFill>
-                <a:round/>
-                <a:headEnd/>
-                <a:tailEnd type="none" w="lg" len="lg"/>
-              </a:ln>
-              <a:effectLst/>
-            </p:spPr>
-            <p:txBody>
-              <a:bodyPr wrap="none" anchor="ctr"/>
-              <a:lstStyle/>
-              <a:p>
-                <a:pPr>
-                  <a:defRPr/>
-                </a:pPr>
-                <a:endParaRPr lang="en-US"/>
-              </a:p>
-            </p:txBody>
-          </p:sp>
-          <p:sp>
-            <p:nvSpPr>
-              <p:cNvPr id="52" name="Oval 57"/>
-              <p:cNvSpPr>
-                <a:spLocks noChangeArrowheads="1"/>
-              </p:cNvSpPr>
-              <p:nvPr/>
-            </p:nvSpPr>
-            <p:spPr bwMode="auto">
-              <a:xfrm>
-                <a:off x="3492500" y="5638800"/>
-                <a:ext cx="207963" cy="207963"/>
-              </a:xfrm>
-              <a:prstGeom prst="ellipse">
-                <a:avLst/>
-              </a:prstGeom>
-              <a:grpFill/>
-              <a:ln w="19050">
-                <a:solidFill>
-                  <a:schemeClr val="tx1"/>
-                </a:solidFill>
-                <a:round/>
-                <a:headEnd/>
-                <a:tailEnd type="none" w="lg" len="lg"/>
-              </a:ln>
-              <a:effectLst/>
-            </p:spPr>
-            <p:txBody>
-              <a:bodyPr wrap="none" anchor="ctr"/>
-              <a:lstStyle/>
-              <a:p>
-                <a:pPr>
-                  <a:defRPr/>
-                </a:pPr>
-                <a:endParaRPr lang="en-US"/>
-              </a:p>
-            </p:txBody>
-          </p:sp>
-          <p:sp>
-            <p:nvSpPr>
-              <p:cNvPr id="53" name="Oval 59"/>
-              <p:cNvSpPr>
-                <a:spLocks noChangeArrowheads="1"/>
-              </p:cNvSpPr>
-              <p:nvPr/>
-            </p:nvSpPr>
-            <p:spPr bwMode="auto">
-              <a:xfrm>
-                <a:off x="4448175" y="6272213"/>
-                <a:ext cx="207963" cy="207963"/>
-              </a:xfrm>
-              <a:prstGeom prst="ellipse">
-                <a:avLst/>
-              </a:prstGeom>
-              <a:grpFill/>
-              <a:ln w="19050">
-                <a:solidFill>
-                  <a:schemeClr val="tx1"/>
-                </a:solidFill>
-                <a:round/>
-                <a:headEnd/>
-                <a:tailEnd type="none" w="lg" len="lg"/>
-              </a:ln>
-              <a:effectLst/>
-            </p:spPr>
-            <p:txBody>
-              <a:bodyPr wrap="none" anchor="ctr"/>
-              <a:lstStyle/>
-              <a:p>
-                <a:pPr>
-                  <a:defRPr/>
-                </a:pPr>
-                <a:endParaRPr lang="en-US"/>
-              </a:p>
-            </p:txBody>
-          </p:sp>
-        </p:grpSp>
-      </p:grpSp>
-      <p:grpSp>
-        <p:nvGrpSpPr>
-          <p:cNvPr id="7" name="Group 57"/>
-          <p:cNvGrpSpPr/>
-          <p:nvPr/>
-        </p:nvGrpSpPr>
-        <p:grpSpPr>
-          <a:xfrm>
-            <a:off x="5869373" y="4823954"/>
-            <a:ext cx="3046027" cy="1200329"/>
-            <a:chOff x="5869373" y="4823954"/>
-            <a:chExt cx="3046027" cy="1200329"/>
-          </a:xfrm>
-        </p:grpSpPr>
-        <p:sp>
-          <p:nvSpPr>
-            <p:cNvPr id="56" name="TextBox 55"/>
-            <p:cNvSpPr txBox="1">
-              <a:spLocks noChangeArrowheads="1"/>
-            </p:cNvSpPr>
-            <p:nvPr/>
-          </p:nvSpPr>
-          <p:spPr bwMode="auto">
-            <a:xfrm>
-              <a:off x="5869373" y="4823954"/>
-              <a:ext cx="3046027" cy="1200329"/>
-            </a:xfrm>
-            <a:prstGeom prst="rect">
-              <a:avLst/>
-            </a:prstGeom>
-            <a:noFill/>
-            <a:ln w="9525">
-              <a:noFill/>
-              <a:miter lim="800000"/>
-              <a:headEnd/>
-              <a:tailEnd/>
-            </a:ln>
-          </p:spPr>
-          <p:txBody>
-            <a:bodyPr wrap="none">
-              <a:spAutoFit/>
-            </a:bodyPr>
-            <a:lstStyle/>
-            <a:p>
-              <a:pPr algn="l"/>
-              <a:r>
-                <a:rPr lang="en-US" sz="3600" dirty="0" smtClean="0">
-                  <a:latin typeface="Comic Sans MS" pitchFamily="66" charset="0"/>
-                </a:rPr>
-                <a:t>   has exactly</a:t>
-              </a:r>
-            </a:p>
-            <a:p>
-              <a:pPr algn="l"/>
-              <a:r>
-                <a:rPr lang="en-US" sz="3600" dirty="0" smtClean="0">
-                  <a:latin typeface="Comic Sans MS" pitchFamily="66" charset="0"/>
-                </a:rPr>
-                <a:t>3 </a:t>
-              </a:r>
-              <a:r>
-                <a:rPr lang="en-US" sz="3600" dirty="0" smtClean="0">
-                  <a:solidFill>
-                    <a:srgbClr val="C00000"/>
-                  </a:solidFill>
-                  <a:latin typeface="Comic Sans MS" pitchFamily="66" charset="0"/>
-                </a:rPr>
-                <a:t>friends</a:t>
-              </a:r>
-              <a:endParaRPr lang="en-US" sz="3600" dirty="0">
-                <a:solidFill>
-                  <a:srgbClr val="C00000"/>
-                </a:solidFill>
-                <a:latin typeface="Comic Sans MS" pitchFamily="66" charset="0"/>
-              </a:endParaRPr>
-            </a:p>
-          </p:txBody>
-        </p:sp>
-        <p:sp>
-          <p:nvSpPr>
-            <p:cNvPr id="57" name="Oval 55"/>
-            <p:cNvSpPr>
-              <a:spLocks noChangeArrowheads="1"/>
-            </p:cNvSpPr>
-            <p:nvPr/>
-          </p:nvSpPr>
-          <p:spPr bwMode="auto">
-            <a:xfrm>
-              <a:off x="5977117" y="5060559"/>
-              <a:ext cx="236538" cy="250825"/>
-            </a:xfrm>
-            <a:prstGeom prst="ellipse">
-              <a:avLst/>
-            </a:prstGeom>
-            <a:solidFill>
-              <a:srgbClr val="BB0FAB"/>
-            </a:solidFill>
-            <a:ln w="19050">
-              <a:solidFill>
-                <a:schemeClr val="tx1"/>
-              </a:solidFill>
-              <a:round/>
-              <a:headEnd/>
-              <a:tailEnd type="none" w="lg" len="lg"/>
-            </a:ln>
-          </p:spPr>
-          <p:txBody>
-            <a:bodyPr wrap="none" anchor="ctr"/>
-            <a:lstStyle/>
-            <a:p>
-              <a:endParaRPr lang="en-US"/>
-            </a:p>
-          </p:txBody>
-        </p:sp>
-      </p:grpSp>
-      <p:sp>
-        <p:nvSpPr>
-          <p:cNvPr id="59" name="Oval 55"/>
-          <p:cNvSpPr>
-            <a:spLocks noChangeArrowheads="1"/>
-          </p:cNvSpPr>
-          <p:nvPr/>
-        </p:nvSpPr>
-        <p:spPr bwMode="auto">
-          <a:xfrm>
-            <a:off x="2971800" y="1749425"/>
-            <a:ext cx="236538" cy="250825"/>
-          </a:xfrm>
-          <a:prstGeom prst="ellipse">
-            <a:avLst/>
-          </a:prstGeom>
-          <a:solidFill>
-            <a:srgbClr val="BB0FAB"/>
-          </a:solidFill>
-          <a:ln w="19050">
-            <a:solidFill>
-              <a:schemeClr val="tx1"/>
-            </a:solidFill>
-            <a:round/>
-            <a:headEnd/>
-            <a:tailEnd type="none" w="lg" len="lg"/>
-          </a:ln>
-        </p:spPr>
-        <p:txBody>
-          <a:bodyPr wrap="none" anchor="ctr"/>
-          <a:lstStyle/>
-          <a:p>
-            <a:endParaRPr lang="en-US"/>
-          </a:p>
-        </p:txBody>
-      </p:sp>
-      <p:sp>
-        <p:nvSpPr>
-          <p:cNvPr id="61" name="TextBox 60"/>
-          <p:cNvSpPr txBox="1">
-            <a:spLocks noChangeArrowheads="1"/>
-          </p:cNvSpPr>
-          <p:nvPr/>
-        </p:nvSpPr>
-        <p:spPr bwMode="auto">
-          <a:xfrm>
-            <a:off x="942975" y="2796988"/>
-            <a:ext cx="7569013" cy="1200329"/>
-          </a:xfrm>
-          <a:prstGeom prst="rect">
-            <a:avLst/>
-          </a:prstGeom>
-          <a:noFill/>
-          <a:ln w="9525">
-            <a:noFill/>
-            <a:miter lim="800000"/>
-            <a:headEnd/>
-            <a:tailEnd/>
-          </a:ln>
-        </p:spPr>
-        <p:txBody>
-          <a:bodyPr wrap="square">
-            <a:spAutoFit/>
-          </a:bodyPr>
-          <a:lstStyle/>
-          <a:p>
-            <a:pPr algn="l">
-              <a:buFont typeface="Arial" charset="0"/>
-              <a:buChar char="•"/>
-            </a:pPr>
-            <a:r>
-              <a:rPr lang="en-US" sz="3600" dirty="0">
-                <a:latin typeface="Comic Sans MS" pitchFamily="66" charset="0"/>
-              </a:rPr>
-              <a:t> lines are </a:t>
-            </a:r>
-            <a:r>
-              <a:rPr lang="en-US" sz="3600" dirty="0">
-                <a:solidFill>
-                  <a:schemeClr val="accent2"/>
-                </a:solidFill>
-                <a:latin typeface="Comic Sans MS" pitchFamily="66" charset="0"/>
-              </a:rPr>
-              <a:t>red </a:t>
-            </a:r>
-            <a:r>
-              <a:rPr lang="en-US" sz="3600" dirty="0">
-                <a:latin typeface="Comic Sans MS" pitchFamily="66" charset="0"/>
-              </a:rPr>
-              <a:t>or </a:t>
-            </a:r>
-            <a:r>
-              <a:rPr lang="en-US" sz="3600" dirty="0">
-                <a:solidFill>
-                  <a:srgbClr val="0066FF"/>
-                </a:solidFill>
-                <a:latin typeface="Comic Sans MS" pitchFamily="66" charset="0"/>
-              </a:rPr>
-              <a:t>blue</a:t>
-            </a:r>
-            <a:r>
-              <a:rPr lang="en-US" sz="3600" dirty="0">
-                <a:latin typeface="Comic Sans MS" pitchFamily="66" charset="0"/>
-              </a:rPr>
-              <a:t>, so </a:t>
-            </a:r>
-            <a:r>
-              <a:rPr lang="en-US" sz="3600" dirty="0" smtClean="0">
-                <a:latin typeface="Comic Sans MS" pitchFamily="66" charset="0"/>
-              </a:rPr>
-              <a:t>at</a:t>
-            </a:r>
-          </a:p>
-          <a:p>
-            <a:pPr algn="l"/>
-            <a:r>
-              <a:rPr lang="en-US" sz="3600" dirty="0">
-                <a:latin typeface="Comic Sans MS" pitchFamily="66" charset="0"/>
-              </a:rPr>
-              <a:t> </a:t>
-            </a:r>
-            <a:r>
-              <a:rPr lang="en-US" sz="3600" dirty="0" smtClean="0">
-                <a:latin typeface="Comic Sans MS" pitchFamily="66" charset="0"/>
-              </a:rPr>
-              <a:t> least 3 must </a:t>
-            </a:r>
-            <a:r>
-              <a:rPr lang="en-US" sz="3600" dirty="0">
-                <a:latin typeface="Comic Sans MS" pitchFamily="66" charset="0"/>
-              </a:rPr>
-              <a:t>be the same </a:t>
-            </a:r>
-            <a:r>
-              <a:rPr lang="en-US" sz="3600" dirty="0" smtClean="0">
-                <a:latin typeface="Comic Sans MS" pitchFamily="66" charset="0"/>
-              </a:rPr>
-              <a:t>color.</a:t>
-            </a:r>
-            <a:endParaRPr lang="en-US" sz="3600" dirty="0">
-              <a:latin typeface="Comic Sans MS" pitchFamily="66" charset="0"/>
-            </a:endParaRPr>
-          </a:p>
-        </p:txBody>
-      </p:sp>
-      <p:sp>
-        <p:nvSpPr>
-          <p:cNvPr id="58" name="Rectangle 11"/>
-          <p:cNvSpPr>
-            <a:spLocks noGrp="1" noChangeArrowheads="1"/>
-          </p:cNvSpPr>
-          <p:nvPr>
-            <p:ph type="sldNum" sz="quarter" idx="10"/>
-          </p:nvPr>
-        </p:nvSpPr>
-        <p:spPr>
-          <a:xfrm>
-            <a:off x="7728814" y="6594296"/>
-            <a:ext cx="1415190" cy="261610"/>
-          </a:xfrm>
-          <a:ln/>
-        </p:spPr>
-        <p:txBody>
-          <a:bodyPr/>
-          <a:lstStyle>
-            <a:lvl1pPr>
-              <a:defRPr/>
-            </a:lvl1pPr>
-          </a:lstStyle>
-          <a:p>
-            <a:pPr>
-              <a:defRPr/>
-            </a:pPr>
-            <a:r>
-              <a:rPr lang="en-US" dirty="0" smtClean="0"/>
-              <a:t>friend-strangers.</a:t>
-            </a:r>
-            <a:fld id="{7D4651B8-09C8-4A4D-BE8E-31B6C97A420D}" type="slidenum">
-              <a:rPr lang="en-US" smtClean="0"/>
-              <a:pPr>
-                <a:defRPr/>
-              </a:pPr>
-              <a:t>6</a:t>
-            </a:fld>
-            <a:endParaRPr lang="en-US" dirty="0"/>
-          </a:p>
-        </p:txBody>
-      </p:sp>
-    </p:spTree>
-  </p:cSld>
-  <p:clrMapOvr>
-    <a:masterClrMapping/>
-  </p:clrMapOvr>
-  <mc:AlternateContent xmlns:mc="http://schemas.openxmlformats.org/markup-compatibility/2006" xmlns:p14="http://schemas.microsoft.com/office/powerpoint/2010/main">
-    <mc:Choice Requires="p14">
-      <p:transition spd="med" p14:dur="700" advClick="0">
-        <p:fade/>
-      </p:transition>
-    </mc:Choice>
-    <mc:Fallback xmlns="">
-      <p:transition xmlns:p14="http://schemas.microsoft.com/office/powerpoint/2010/main" spd="med" advClick="0">
-        <p:fade/>
-      </p:transition>
-    </mc:Fallback>
-  </mc:AlternateContent>
-  <p:timing>
-    <p:tnLst>
-      <p:par>
-        <p:cTn xmlns:p14="http://schemas.microsoft.com/office/powerpoint/2010/main" id="1" dur="indefinite" restart="never" nodeType="tmRoot"/>
-      </p:par>
-    </p:tnLst>
-  </p:timing>
-</p:sld>
-</file>
-
-<file path=ppt/slides/slide7.xml><?xml version="1.0" encoding="utf-8"?>
-<p:sld xmlns:a="http://schemas.openxmlformats.org/drawingml/2006/main" xmlns:r="http://schemas.openxmlformats.org/officeDocument/2006/relationships" xmlns:p="http://schemas.openxmlformats.org/presentationml/2006/main" showMasterPhAnim="0">
+<p:sld xmlns:a="http://schemas.openxmlformats.org/drawingml/2006/main" xmlns:r="http://schemas.openxmlformats.org/officeDocument/2006/relationships" xmlns:p="http://schemas.openxmlformats.org/presentationml/2006/main" showMasterPhAnim="0" show="0">
   <p:cSld>
     <p:spTree>
       <p:nvGrpSpPr>
@@ -10072,56 +9103,18 @@
       </p:sp>
       <p:grpSp>
         <p:nvGrpSpPr>
-          <p:cNvPr id="2" name="Group 39"/>
-          <p:cNvGrpSpPr>
-            <a:grpSpLocks/>
-          </p:cNvGrpSpPr>
+          <p:cNvPr id="5" name="Group 4"/>
+          <p:cNvGrpSpPr/>
           <p:nvPr/>
         </p:nvGrpSpPr>
-        <p:grpSpPr bwMode="auto">
+        <p:grpSpPr>
           <a:xfrm>
             <a:off x="3492500" y="4016375"/>
             <a:ext cx="2146300" cy="2463800"/>
             <a:chOff x="3492500" y="4016375"/>
-            <a:chExt cx="2146300" cy="2463801"/>
+            <a:chExt cx="2146300" cy="2463800"/>
           </a:xfrm>
         </p:grpSpPr>
-        <p:sp>
-          <p:nvSpPr>
-            <p:cNvPr id="21512" name="Oval 6"/>
-            <p:cNvSpPr>
-              <a:spLocks noChangeArrowheads="1"/>
-            </p:cNvSpPr>
-            <p:nvPr/>
-          </p:nvSpPr>
-          <p:spPr bwMode="auto">
-            <a:xfrm>
-              <a:off x="3492500" y="4597400"/>
-              <a:ext cx="207963" cy="207963"/>
-            </a:xfrm>
-            <a:prstGeom prst="ellipse">
-              <a:avLst/>
-            </a:prstGeom>
-            <a:solidFill>
-              <a:schemeClr val="bg1"/>
-            </a:solidFill>
-            <a:ln w="19050">
-              <a:solidFill>
-                <a:schemeClr val="tx1"/>
-              </a:solidFill>
-              <a:round/>
-              <a:headEnd/>
-              <a:tailEnd type="none" w="lg" len="lg"/>
-            </a:ln>
-          </p:spPr>
-          <p:txBody>
-            <a:bodyPr wrap="none" anchor="ctr"/>
-            <a:lstStyle/>
-            <a:p>
-              <a:endParaRPr lang="en-US"/>
-            </a:p>
-          </p:txBody>
-        </p:sp>
         <p:sp>
           <p:nvSpPr>
             <p:cNvPr id="21513" name="Oval 7"/>
@@ -10204,43 +9197,7 @@
           </p:nvSpPr>
           <p:spPr bwMode="auto">
             <a:xfrm>
-              <a:off x="3492500" y="5638800"/>
-              <a:ext cx="207963" cy="207963"/>
-            </a:xfrm>
-            <a:prstGeom prst="ellipse">
-              <a:avLst/>
-            </a:prstGeom>
-            <a:solidFill>
-              <a:schemeClr val="bg1"/>
-            </a:solidFill>
-            <a:ln w="19050">
-              <a:solidFill>
-                <a:schemeClr val="tx1"/>
-              </a:solidFill>
-              <a:round/>
-              <a:headEnd/>
-              <a:tailEnd type="none" w="lg" len="lg"/>
-            </a:ln>
-          </p:spPr>
-          <p:txBody>
-            <a:bodyPr wrap="none" anchor="ctr"/>
-            <a:lstStyle/>
-            <a:p>
-              <a:endParaRPr lang="en-US"/>
-            </a:p>
-          </p:txBody>
-        </p:sp>
-        <p:sp>
-          <p:nvSpPr>
-            <p:cNvPr id="21516" name="Oval 10"/>
-            <p:cNvSpPr>
-              <a:spLocks noChangeArrowheads="1"/>
-            </p:cNvSpPr>
-            <p:nvPr/>
-          </p:nvSpPr>
-          <p:spPr bwMode="auto">
-            <a:xfrm>
-              <a:off x="5418138" y="5638800"/>
+              <a:off x="3492500" y="5638799"/>
               <a:ext cx="207963" cy="207963"/>
             </a:xfrm>
             <a:prstGeom prst="ellipse">
@@ -10276,7 +9233,7 @@
           </p:nvSpPr>
           <p:spPr bwMode="auto">
             <a:xfrm>
-              <a:off x="4448175" y="6272213"/>
+              <a:off x="4448175" y="6272212"/>
               <a:ext cx="207963" cy="207963"/>
             </a:xfrm>
             <a:prstGeom prst="ellipse">
@@ -10344,7 +9301,7 @@
           <p:spPr bwMode="auto">
             <a:xfrm flipV="1">
               <a:off x="4552950" y="4243388"/>
-              <a:ext cx="0" cy="2028825"/>
+              <a:ext cx="0" cy="2028824"/>
             </a:xfrm>
             <a:prstGeom prst="straightConnector1">
               <a:avLst/>
@@ -10373,7 +9330,7 @@
           <p:spPr bwMode="auto">
             <a:xfrm flipH="1">
               <a:off x="3670300" y="4213225"/>
-              <a:ext cx="808038" cy="1455738"/>
+              <a:ext cx="808038" cy="1455737"/>
             </a:xfrm>
             <a:prstGeom prst="straightConnector1">
               <a:avLst/>
@@ -10389,42 +9346,6 @@
             </a:ln>
           </p:spPr>
         </p:cxnSp>
-        <p:sp>
-          <p:nvSpPr>
-            <p:cNvPr id="21521" name="Oval 54"/>
-            <p:cNvSpPr>
-              <a:spLocks noChangeArrowheads="1"/>
-            </p:cNvSpPr>
-            <p:nvPr/>
-          </p:nvSpPr>
-          <p:spPr bwMode="auto">
-            <a:xfrm>
-              <a:off x="3492500" y="4597400"/>
-              <a:ext cx="207963" cy="207963"/>
-            </a:xfrm>
-            <a:prstGeom prst="ellipse">
-              <a:avLst/>
-            </a:prstGeom>
-            <a:solidFill>
-              <a:schemeClr val="bg1"/>
-            </a:solidFill>
-            <a:ln w="19050">
-              <a:solidFill>
-                <a:schemeClr val="tx1"/>
-              </a:solidFill>
-              <a:round/>
-              <a:headEnd/>
-              <a:tailEnd type="none" w="lg" len="lg"/>
-            </a:ln>
-          </p:spPr>
-          <p:txBody>
-            <a:bodyPr wrap="none" anchor="ctr"/>
-            <a:lstStyle/>
-            <a:p>
-              <a:endParaRPr lang="en-US"/>
-            </a:p>
-          </p:txBody>
-        </p:sp>
         <p:sp>
           <p:nvSpPr>
             <p:cNvPr id="21522" name="Oval 55"/>
@@ -10461,42 +9382,6 @@
             </a:p>
           </p:txBody>
         </p:sp>
-        <p:sp>
-          <p:nvSpPr>
-            <p:cNvPr id="21523" name="Oval 58"/>
-            <p:cNvSpPr>
-              <a:spLocks noChangeArrowheads="1"/>
-            </p:cNvSpPr>
-            <p:nvPr/>
-          </p:nvSpPr>
-          <p:spPr bwMode="auto">
-            <a:xfrm>
-              <a:off x="5418138" y="5638800"/>
-              <a:ext cx="207963" cy="207963"/>
-            </a:xfrm>
-            <a:prstGeom prst="ellipse">
-              <a:avLst/>
-            </a:prstGeom>
-            <a:solidFill>
-              <a:schemeClr val="bg1"/>
-            </a:solidFill>
-            <a:ln w="19050">
-              <a:solidFill>
-                <a:schemeClr val="tx1"/>
-              </a:solidFill>
-              <a:round/>
-              <a:headEnd/>
-              <a:tailEnd type="none" w="lg" len="lg"/>
-            </a:ln>
-          </p:spPr>
-          <p:txBody>
-            <a:bodyPr wrap="none" anchor="ctr"/>
-            <a:lstStyle/>
-            <a:p>
-              <a:endParaRPr lang="en-US"/>
-            </a:p>
-          </p:txBody>
-        </p:sp>
         <p:grpSp>
           <p:nvGrpSpPr>
             <p:cNvPr id="3" name="Group 33"/>
@@ -10508,7 +9393,7 @@
           <p:grpSpPr bwMode="auto">
             <a:xfrm>
               <a:off x="3492500" y="4597400"/>
-              <a:ext cx="2133601" cy="1882776"/>
+              <a:ext cx="2133601" cy="1882775"/>
               <a:chOff x="3492500" y="4597400"/>
               <a:chExt cx="2133601" cy="1882776"/>
             </a:xfrm>
@@ -10664,7 +9549,7 @@
           <p:spPr bwMode="auto">
             <a:xfrm flipV="1">
               <a:off x="4552950" y="4243388"/>
-              <a:ext cx="0" cy="2028825"/>
+              <a:ext cx="0" cy="2028824"/>
             </a:xfrm>
             <a:prstGeom prst="straightConnector1">
               <a:avLst/>
@@ -10693,7 +9578,7 @@
           <p:spPr bwMode="auto">
             <a:xfrm flipH="1">
               <a:off x="3670300" y="4213225"/>
-              <a:ext cx="808038" cy="1455738"/>
+              <a:ext cx="808038" cy="1455737"/>
             </a:xfrm>
             <a:prstGeom prst="straightConnector1">
               <a:avLst/>
@@ -10715,10 +9600,10 @@
             <p:cNvGrpSpPr/>
             <p:nvPr/>
           </p:nvGrpSpPr>
-          <p:grpSpPr>
+          <p:grpSpPr bwMode="auto">
             <a:xfrm>
               <a:off x="3505199" y="4587875"/>
-              <a:ext cx="2133601" cy="1882776"/>
+              <a:ext cx="2133601" cy="1882775"/>
               <a:chOff x="3492500" y="4597400"/>
               <a:chExt cx="2133601" cy="1882776"/>
             </a:xfrm>
@@ -10888,7 +9773,7 @@
         </p:nvSpPr>
         <p:spPr bwMode="auto">
           <a:xfrm>
-            <a:off x="920750" y="1524000"/>
+            <a:off x="910340" y="1524000"/>
             <a:ext cx="7918450" cy="1571625"/>
           </a:xfrm>
           <a:prstGeom prst="rect">
@@ -10998,7 +9883,7 @@
               <a:defRPr/>
             </a:pPr>
             <a:r>
-              <a:rPr kumimoji="0" lang="en-US" sz="3600" b="0" i="0" u="none" strike="noStrike" kern="0" cap="none" spc="0" normalizeH="0" baseline="0" noProof="0" smtClean="0">
+              <a:rPr kumimoji="0" lang="en-US" sz="3600" b="0" i="0" u="none" strike="noStrike" kern="0" cap="none" spc="0" normalizeH="0" baseline="0" noProof="0" dirty="0" smtClean="0">
                 <a:ln>
                   <a:noFill/>
                 </a:ln>
@@ -11028,106 +9913,6 @@
               <a:ea typeface="+mn-ea"/>
               <a:cs typeface="+mn-cs"/>
             </a:endParaRPr>
-          </a:p>
-        </p:txBody>
-      </p:sp>
-      <p:sp>
-        <p:nvSpPr>
-          <p:cNvPr id="35" name="TextBox 34"/>
-          <p:cNvSpPr txBox="1">
-            <a:spLocks noChangeArrowheads="1"/>
-          </p:cNvSpPr>
-          <p:nvPr/>
-        </p:nvSpPr>
-        <p:spPr bwMode="auto">
-          <a:xfrm>
-            <a:off x="5869373" y="4823954"/>
-            <a:ext cx="3046027" cy="1200329"/>
-          </a:xfrm>
-          <a:prstGeom prst="rect">
-            <a:avLst/>
-          </a:prstGeom>
-          <a:noFill/>
-          <a:ln w="9525">
-            <a:noFill/>
-            <a:miter lim="800000"/>
-            <a:headEnd/>
-            <a:tailEnd/>
-          </a:ln>
-        </p:spPr>
-        <p:txBody>
-          <a:bodyPr wrap="none">
-            <a:spAutoFit/>
-          </a:bodyPr>
-          <a:lstStyle/>
-          <a:p>
-            <a:pPr algn="l"/>
-            <a:r>
-              <a:rPr lang="en-US" sz="3600" dirty="0" smtClean="0">
-                <a:latin typeface="Comic Sans MS" pitchFamily="66" charset="0"/>
-              </a:rPr>
-              <a:t>   has exactly</a:t>
-            </a:r>
-          </a:p>
-          <a:p>
-            <a:pPr algn="l"/>
-            <a:r>
-              <a:rPr lang="en-US" sz="3600" dirty="0" smtClean="0">
-                <a:latin typeface="Comic Sans MS" pitchFamily="66" charset="0"/>
-              </a:rPr>
-              <a:t>3 </a:t>
-            </a:r>
-            <a:r>
-              <a:rPr lang="en-US" sz="3600" dirty="0" smtClean="0">
-                <a:solidFill>
-                  <a:srgbClr val="C00000"/>
-                </a:solidFill>
-                <a:latin typeface="Comic Sans MS" pitchFamily="66" charset="0"/>
-              </a:rPr>
-              <a:t>friends</a:t>
-            </a:r>
-            <a:endParaRPr lang="en-US" sz="3600" dirty="0">
-              <a:solidFill>
-                <a:srgbClr val="C00000"/>
-              </a:solidFill>
-              <a:latin typeface="Comic Sans MS" pitchFamily="66" charset="0"/>
-            </a:endParaRPr>
-          </a:p>
-        </p:txBody>
-      </p:sp>
-      <p:sp>
-        <p:nvSpPr>
-          <p:cNvPr id="34" name="Oval 55"/>
-          <p:cNvSpPr>
-            <a:spLocks noChangeArrowheads="1"/>
-          </p:cNvSpPr>
-          <p:nvPr/>
-        </p:nvSpPr>
-        <p:spPr bwMode="auto">
-          <a:xfrm>
-            <a:off x="5977117" y="5060559"/>
-            <a:ext cx="236538" cy="250825"/>
-          </a:xfrm>
-          <a:prstGeom prst="ellipse">
-            <a:avLst/>
-          </a:prstGeom>
-          <a:solidFill>
-            <a:srgbClr val="BB0FAB"/>
-          </a:solidFill>
-          <a:ln w="19050">
-            <a:solidFill>
-              <a:schemeClr val="tx1"/>
-            </a:solidFill>
-            <a:round/>
-            <a:headEnd/>
-            <a:tailEnd type="none" w="lg" len="lg"/>
-          </a:ln>
-        </p:spPr>
-        <p:txBody>
-          <a:bodyPr wrap="none" anchor="ctr"/>
-          <a:lstStyle/>
-          <a:p>
-            <a:endParaRPr lang="en-US"/>
           </a:p>
         </p:txBody>
       </p:sp>
@@ -11168,24 +9953,156 @@
               <a:pPr>
                 <a:defRPr/>
               </a:pPr>
-              <a:t>7</a:t>
+              <a:t>6</a:t>
             </a:fld>
             <a:endParaRPr lang="en-US" dirty="0"/>
           </a:p>
         </p:txBody>
       </p:sp>
+      <p:grpSp>
+        <p:nvGrpSpPr>
+          <p:cNvPr id="41" name="Group 40"/>
+          <p:cNvGrpSpPr/>
+          <p:nvPr/>
+        </p:nvGrpSpPr>
+        <p:grpSpPr>
+          <a:xfrm>
+            <a:off x="5838143" y="4823954"/>
+            <a:ext cx="2274084" cy="1200329"/>
+            <a:chOff x="5838143" y="4823954"/>
+            <a:chExt cx="2274084" cy="1200329"/>
+          </a:xfrm>
+        </p:grpSpPr>
+        <p:sp>
+          <p:nvSpPr>
+            <p:cNvPr id="42" name="TextBox 41"/>
+            <p:cNvSpPr txBox="1">
+              <a:spLocks noChangeArrowheads="1"/>
+            </p:cNvSpPr>
+            <p:nvPr/>
+          </p:nvSpPr>
+          <p:spPr bwMode="auto">
+            <a:xfrm>
+              <a:off x="5838143" y="4823954"/>
+              <a:ext cx="2274084" cy="1200329"/>
+            </a:xfrm>
+            <a:prstGeom prst="rect">
+              <a:avLst/>
+            </a:prstGeom>
+            <a:noFill/>
+            <a:ln w="9525">
+              <a:noFill/>
+              <a:miter lim="800000"/>
+              <a:headEnd/>
+              <a:tailEnd/>
+            </a:ln>
+          </p:spPr>
+          <p:txBody>
+            <a:bodyPr wrap="none">
+              <a:spAutoFit/>
+            </a:bodyPr>
+            <a:lstStyle/>
+            <a:p>
+              <a:r>
+                <a:rPr lang="en-US" sz="3600" dirty="0" smtClean="0">
+                  <a:latin typeface="Comic Sans MS" pitchFamily="66" charset="0"/>
+                </a:rPr>
+                <a:t>   has </a:t>
+              </a:r>
+              <a:r>
+                <a:rPr lang="en-US" sz="3600" b="1" dirty="0" smtClean="0">
+                  <a:latin typeface="Euclid Symbol" charset="2"/>
+                  <a:cs typeface="Euclid Symbol" charset="2"/>
+                </a:rPr>
+                <a:t>≥</a:t>
+              </a:r>
+              <a:r>
+                <a:rPr lang="en-US" sz="3600" b="1" dirty="0">
+                  <a:latin typeface="Euclid Symbol" charset="2"/>
+                  <a:cs typeface="Euclid Symbol" charset="2"/>
+                </a:rPr>
+                <a:t> </a:t>
+              </a:r>
+              <a:r>
+                <a:rPr lang="en-US" sz="3600" dirty="0" smtClean="0">
+                  <a:ln>
+                    <a:solidFill>
+                      <a:srgbClr val="008D00"/>
+                    </a:solidFill>
+                  </a:ln>
+                  <a:latin typeface="Comic Sans MS" pitchFamily="66" charset="0"/>
+                </a:rPr>
+                <a:t>3</a:t>
+              </a:r>
+            </a:p>
+            <a:p>
+              <a:r>
+                <a:rPr lang="en-US" sz="3600" dirty="0" smtClean="0">
+                  <a:solidFill>
+                    <a:srgbClr val="C00000"/>
+                  </a:solidFill>
+                  <a:latin typeface="Comic Sans MS" pitchFamily="66" charset="0"/>
+                </a:rPr>
+                <a:t>friends</a:t>
+              </a:r>
+              <a:endParaRPr lang="en-US" sz="3600" dirty="0">
+                <a:solidFill>
+                  <a:srgbClr val="C00000"/>
+                </a:solidFill>
+                <a:latin typeface="Comic Sans MS" pitchFamily="66" charset="0"/>
+              </a:endParaRPr>
+            </a:p>
+          </p:txBody>
+        </p:sp>
+        <p:sp>
+          <p:nvSpPr>
+            <p:cNvPr id="43" name="Oval 55"/>
+            <p:cNvSpPr>
+              <a:spLocks noChangeArrowheads="1"/>
+            </p:cNvSpPr>
+            <p:nvPr/>
+          </p:nvSpPr>
+          <p:spPr bwMode="auto">
+            <a:xfrm>
+              <a:off x="5977117" y="5060559"/>
+              <a:ext cx="236538" cy="250825"/>
+            </a:xfrm>
+            <a:prstGeom prst="ellipse">
+              <a:avLst/>
+            </a:prstGeom>
+            <a:solidFill>
+              <a:srgbClr val="BB0FAB"/>
+            </a:solidFill>
+            <a:ln w="19050">
+              <a:solidFill>
+                <a:schemeClr val="tx1"/>
+              </a:solidFill>
+              <a:round/>
+              <a:headEnd/>
+              <a:tailEnd type="none" w="lg" len="lg"/>
+            </a:ln>
+          </p:spPr>
+          <p:txBody>
+            <a:bodyPr wrap="none" anchor="ctr"/>
+            <a:lstStyle/>
+            <a:p>
+              <a:endParaRPr lang="en-US"/>
+            </a:p>
+          </p:txBody>
+        </p:sp>
+      </p:grpSp>
     </p:spTree>
   </p:cSld>
   <p:clrMapOvr>
     <a:masterClrMapping/>
   </p:clrMapOvr>
-  <mc:AlternateContent xmlns:mc="http://schemas.openxmlformats.org/markup-compatibility/2006" xmlns:p14="http://schemas.microsoft.com/office/powerpoint/2010/main">
-    <mc:Choice Requires="p14">
+  <mc:AlternateContent xmlns:mc="http://schemas.openxmlformats.org/markup-compatibility/2006">
+    <mc:Choice xmlns:p14="http://schemas.microsoft.com/office/powerpoint/2010/main" Requires="p14">
       <p:transition spd="med" p14:dur="700" advClick="0">
         <p:fade/>
       </p:transition>
     </mc:Choice>
-    <mc:Fallback xmlns="">
+    <mc:Fallback>
       <p:transition xmlns:p14="http://schemas.microsoft.com/office/powerpoint/2010/main" spd="med" advClick="0">
         <p:fade/>
       </p:transition>
@@ -11201,7 +10118,7 @@
 </p:sld>
 </file>
 
-<file path=ppt/slides/slide8.xml><?xml version="1.0" encoding="utf-8"?>
+<file path=ppt/slides/slide7.xml><?xml version="1.0" encoding="utf-8"?>
 <p:sld xmlns:a="http://schemas.openxmlformats.org/drawingml/2006/main" xmlns:r="http://schemas.openxmlformats.org/officeDocument/2006/relationships" xmlns:p="http://schemas.openxmlformats.org/presentationml/2006/main" showMasterPhAnim="0">
   <p:cSld>
     <p:spTree>
@@ -11244,7 +10161,7 @@
             </a:pPr>
             <a:r>
               <a:rPr lang="en-US" dirty="0" smtClean="0"/>
-              <a:t>Case 1:   </a:t>
+              <a:t>Case 1:  </a:t>
             </a:r>
             <a:r>
               <a:rPr lang="en-US" dirty="0" smtClean="0">
@@ -11256,13 +10173,8 @@
             </a:r>
             <a:r>
               <a:rPr lang="en-US" dirty="0" smtClean="0"/>
-              <a:t> of these friends of </a:t>
-            </a:r>
-            <a:endParaRPr lang="en-US" dirty="0" smtClean="0">
-              <a:solidFill>
-                <a:srgbClr val="BB0FAB"/>
-              </a:solidFill>
-            </a:endParaRPr>
+              <a:t> of these friends are</a:t>
+            </a:r>
           </a:p>
           <a:p>
             <a:pPr>
@@ -11271,7 +10183,7 @@
             </a:pPr>
             <a:r>
               <a:rPr lang="en-US" dirty="0" smtClean="0"/>
-              <a:t>are friends of each other,</a:t>
+              <a:t>friends of each other,</a:t>
             </a:r>
           </a:p>
           <a:p>
@@ -11289,15 +10201,7 @@
                   <a:srgbClr val="C00000"/>
                 </a:solidFill>
               </a:rPr>
-              <a:t>3 mutual </a:t>
-            </a:r>
-            <a:r>
-              <a:rPr lang="en-US" dirty="0" smtClean="0">
-                <a:solidFill>
-                  <a:srgbClr val="C00000"/>
-                </a:solidFill>
-              </a:rPr>
-              <a:t>friends:</a:t>
+              <a:t>3 mutual friends:</a:t>
             </a:r>
             <a:endParaRPr lang="en-US" dirty="0" smtClean="0"/>
           </a:p>
@@ -11319,42 +10223,6 @@
             <a:chExt cx="2146300" cy="2463801"/>
           </a:xfrm>
         </p:grpSpPr>
-        <p:sp>
-          <p:nvSpPr>
-            <p:cNvPr id="22541" name="Oval 6"/>
-            <p:cNvSpPr>
-              <a:spLocks noChangeArrowheads="1"/>
-            </p:cNvSpPr>
-            <p:nvPr/>
-          </p:nvSpPr>
-          <p:spPr bwMode="auto">
-            <a:xfrm>
-              <a:off x="3492500" y="4597400"/>
-              <a:ext cx="207963" cy="207963"/>
-            </a:xfrm>
-            <a:prstGeom prst="ellipse">
-              <a:avLst/>
-            </a:prstGeom>
-            <a:solidFill>
-              <a:schemeClr val="bg1"/>
-            </a:solidFill>
-            <a:ln w="19050">
-              <a:solidFill>
-                <a:schemeClr val="tx1"/>
-              </a:solidFill>
-              <a:round/>
-              <a:headEnd/>
-              <a:tailEnd type="none" w="lg" len="lg"/>
-            </a:ln>
-          </p:spPr>
-          <p:txBody>
-            <a:bodyPr wrap="none" anchor="ctr"/>
-            <a:lstStyle/>
-            <a:p>
-              <a:endParaRPr lang="en-US"/>
-            </a:p>
-          </p:txBody>
-        </p:sp>
         <p:sp>
           <p:nvSpPr>
             <p:cNvPr id="22542" name="Oval 7"/>
@@ -11438,42 +10306,6 @@
           <p:spPr bwMode="auto">
             <a:xfrm>
               <a:off x="3492500" y="5638800"/>
-              <a:ext cx="207963" cy="207963"/>
-            </a:xfrm>
-            <a:prstGeom prst="ellipse">
-              <a:avLst/>
-            </a:prstGeom>
-            <a:solidFill>
-              <a:schemeClr val="bg1"/>
-            </a:solidFill>
-            <a:ln w="19050">
-              <a:solidFill>
-                <a:schemeClr val="tx1"/>
-              </a:solidFill>
-              <a:round/>
-              <a:headEnd/>
-              <a:tailEnd type="none" w="lg" len="lg"/>
-            </a:ln>
-          </p:spPr>
-          <p:txBody>
-            <a:bodyPr wrap="none" anchor="ctr"/>
-            <a:lstStyle/>
-            <a:p>
-              <a:endParaRPr lang="en-US"/>
-            </a:p>
-          </p:txBody>
-        </p:sp>
-        <p:sp>
-          <p:nvSpPr>
-            <p:cNvPr id="22545" name="Oval 10"/>
-            <p:cNvSpPr>
-              <a:spLocks noChangeArrowheads="1"/>
-            </p:cNvSpPr>
-            <p:nvPr/>
-          </p:nvSpPr>
-          <p:spPr bwMode="auto">
-            <a:xfrm>
-              <a:off x="5418138" y="5638800"/>
               <a:ext cx="207963" cy="207963"/>
             </a:xfrm>
             <a:prstGeom prst="ellipse">
@@ -11624,42 +10456,6 @@
         </p:cxnSp>
         <p:sp>
           <p:nvSpPr>
-            <p:cNvPr id="22550" name="Oval 54"/>
-            <p:cNvSpPr>
-              <a:spLocks noChangeArrowheads="1"/>
-            </p:cNvSpPr>
-            <p:nvPr/>
-          </p:nvSpPr>
-          <p:spPr bwMode="auto">
-            <a:xfrm>
-              <a:off x="3492500" y="4597400"/>
-              <a:ext cx="207963" cy="207963"/>
-            </a:xfrm>
-            <a:prstGeom prst="ellipse">
-              <a:avLst/>
-            </a:prstGeom>
-            <a:solidFill>
-              <a:schemeClr val="bg1"/>
-            </a:solidFill>
-            <a:ln w="19050">
-              <a:solidFill>
-                <a:schemeClr val="tx1"/>
-              </a:solidFill>
-              <a:round/>
-              <a:headEnd/>
-              <a:tailEnd type="none" w="lg" len="lg"/>
-            </a:ln>
-          </p:spPr>
-          <p:txBody>
-            <a:bodyPr wrap="none" anchor="ctr"/>
-            <a:lstStyle/>
-            <a:p>
-              <a:endParaRPr lang="en-US"/>
-            </a:p>
-          </p:txBody>
-        </p:sp>
-        <p:sp>
-          <p:nvSpPr>
             <p:cNvPr id="22551" name="Oval 55"/>
             <p:cNvSpPr>
               <a:spLocks noChangeArrowheads="1"/>
@@ -11676,42 +10472,6 @@
             </a:prstGeom>
             <a:solidFill>
               <a:srgbClr val="BB0FAB"/>
-            </a:solidFill>
-            <a:ln w="19050">
-              <a:solidFill>
-                <a:schemeClr val="tx1"/>
-              </a:solidFill>
-              <a:round/>
-              <a:headEnd/>
-              <a:tailEnd type="none" w="lg" len="lg"/>
-            </a:ln>
-          </p:spPr>
-          <p:txBody>
-            <a:bodyPr wrap="none" anchor="ctr"/>
-            <a:lstStyle/>
-            <a:p>
-              <a:endParaRPr lang="en-US"/>
-            </a:p>
-          </p:txBody>
-        </p:sp>
-        <p:sp>
-          <p:nvSpPr>
-            <p:cNvPr id="22552" name="Oval 58"/>
-            <p:cNvSpPr>
-              <a:spLocks noChangeArrowheads="1"/>
-            </p:cNvSpPr>
-            <p:nvPr/>
-          </p:nvSpPr>
-          <p:spPr bwMode="auto">
-            <a:xfrm>
-              <a:off x="5418138" y="5638800"/>
-              <a:ext cx="207963" cy="207963"/>
-            </a:xfrm>
-            <a:prstGeom prst="ellipse">
-              <a:avLst/>
-            </a:prstGeom>
-            <a:solidFill>
-              <a:schemeClr val="bg1"/>
             </a:solidFill>
             <a:ln w="19050">
               <a:solidFill>
@@ -12216,9 +10976,9 @@
             <a:avLst/>
           </a:prstGeom>
           <a:noFill/>
-          <a:ln w="19050" algn="ctr">
+          <a:ln w="38100" algn="ctr">
             <a:solidFill>
-              <a:srgbClr val="C00000"/>
+              <a:srgbClr val="FF6600"/>
             </a:solidFill>
             <a:prstDash val="sysDash"/>
             <a:round/>
@@ -12227,20 +10987,61 @@
           </a:ln>
         </p:spPr>
       </p:cxnSp>
+      <p:sp>
+        <p:nvSpPr>
+          <p:cNvPr id="41" name="Rectangle 11"/>
+          <p:cNvSpPr>
+            <a:spLocks noGrp="1" noChangeArrowheads="1"/>
+          </p:cNvSpPr>
+          <p:nvPr>
+            <p:ph type="sldNum" sz="quarter" idx="10"/>
+          </p:nvPr>
+        </p:nvSpPr>
+        <p:spPr>
+          <a:xfrm>
+            <a:off x="7728814" y="6594296"/>
+            <a:ext cx="1415190" cy="261610"/>
+          </a:xfrm>
+          <a:ln/>
+        </p:spPr>
+        <p:txBody>
+          <a:bodyPr/>
+          <a:lstStyle>
+            <a:lvl1pPr>
+              <a:defRPr/>
+            </a:lvl1pPr>
+          </a:lstStyle>
+          <a:p>
+            <a:pPr>
+              <a:defRPr/>
+            </a:pPr>
+            <a:r>
+              <a:rPr lang="en-US" dirty="0" smtClean="0"/>
+              <a:t>friend-strangers.</a:t>
+            </a:r>
+            <a:fld id="{7D4651B8-09C8-4A4D-BE8E-31B6C97A420D}" type="slidenum">
+              <a:rPr lang="en-US" smtClean="0"/>
+              <a:pPr>
+                <a:defRPr/>
+              </a:pPr>
+              <a:t>7</a:t>
+            </a:fld>
+            <a:endParaRPr lang="en-US" dirty="0"/>
+          </a:p>
+        </p:txBody>
+      </p:sp>
       <p:grpSp>
         <p:nvGrpSpPr>
-          <p:cNvPr id="6" name="Group 107"/>
-          <p:cNvGrpSpPr>
-            <a:grpSpLocks/>
-          </p:cNvGrpSpPr>
+          <p:cNvPr id="7" name="Group 6"/>
+          <p:cNvGrpSpPr/>
           <p:nvPr/>
         </p:nvGrpSpPr>
-        <p:grpSpPr bwMode="auto">
+        <p:grpSpPr>
           <a:xfrm>
-            <a:off x="3635375" y="4127500"/>
-            <a:ext cx="1835150" cy="1606550"/>
-            <a:chOff x="3507153" y="2189957"/>
-            <a:chExt cx="1834420" cy="1606978"/>
+            <a:off x="3635376" y="4127500"/>
+            <a:ext cx="1840463" cy="1606550"/>
+            <a:chOff x="3635376" y="4127500"/>
+            <a:chExt cx="1840463" cy="1606550"/>
           </a:xfrm>
         </p:grpSpPr>
         <p:cxnSp>
@@ -12253,35 +11054,8 @@
           </p:nvCxnSpPr>
           <p:spPr bwMode="auto">
             <a:xfrm>
-              <a:off x="4524376" y="2189957"/>
-              <a:ext cx="817197" cy="532474"/>
-            </a:xfrm>
-            <a:prstGeom prst="straightConnector1">
-              <a:avLst/>
-            </a:prstGeom>
-            <a:noFill/>
-            <a:ln w="38100">
-              <a:solidFill>
-                <a:schemeClr val="accent2"/>
-              </a:solidFill>
-              <a:round/>
-              <a:headEnd/>
-              <a:tailEnd type="none" w="lg" len="lg"/>
-            </a:ln>
-          </p:spPr>
-        </p:cxnSp>
-        <p:cxnSp>
-          <p:nvCxnSpPr>
-            <p:cNvPr id="22539" name="AutoShape 109"/>
-            <p:cNvCxnSpPr>
-              <a:cxnSpLocks noChangeShapeType="1"/>
-            </p:cNvCxnSpPr>
-            <p:nvPr/>
-          </p:nvCxnSpPr>
-          <p:spPr bwMode="auto">
-            <a:xfrm rot="5400000" flipH="1" flipV="1">
-              <a:off x="3963443" y="2418805"/>
-              <a:ext cx="921840" cy="1834420"/>
+              <a:off x="4653003" y="4127500"/>
+              <a:ext cx="817522" cy="532332"/>
             </a:xfrm>
             <a:prstGeom prst="straightConnector1">
               <a:avLst/>
@@ -12307,8 +11081,8 @@
           </p:nvCxnSpPr>
           <p:spPr bwMode="auto">
             <a:xfrm rot="5400000">
-              <a:off x="3158698" y="2614184"/>
-              <a:ext cx="1531207" cy="834295"/>
+              <a:off x="3287290" y="4551337"/>
+              <a:ext cx="1530799" cy="834627"/>
             </a:xfrm>
             <a:prstGeom prst="straightConnector1">
               <a:avLst/>
@@ -12324,186 +11098,35 @@
             </a:ln>
           </p:spPr>
         </p:cxnSp>
+        <p:cxnSp>
+          <p:nvCxnSpPr>
+            <p:cNvPr id="37" name="Straight Connector 36"/>
+            <p:cNvCxnSpPr>
+              <a:cxnSpLocks noChangeShapeType="1"/>
+            </p:cNvCxnSpPr>
+            <p:nvPr/>
+          </p:nvCxnSpPr>
+          <p:spPr bwMode="auto">
+            <a:xfrm flipV="1">
+              <a:off x="3720064" y="4753840"/>
+              <a:ext cx="1755775" cy="955675"/>
+            </a:xfrm>
+            <a:prstGeom prst="line">
+              <a:avLst/>
+            </a:prstGeom>
+            <a:noFill/>
+            <a:ln w="50800" algn="ctr">
+              <a:solidFill>
+                <a:schemeClr val="accent6"/>
+              </a:solidFill>
+              <a:prstDash val="solid"/>
+              <a:round/>
+              <a:headEnd/>
+              <a:tailEnd/>
+            </a:ln>
+          </p:spPr>
+        </p:cxnSp>
       </p:grpSp>
-      <p:sp>
-        <p:nvSpPr>
-          <p:cNvPr id="38" name="Oval 55"/>
-          <p:cNvSpPr>
-            <a:spLocks noChangeArrowheads="1"/>
-          </p:cNvSpPr>
-          <p:nvPr/>
-        </p:nvSpPr>
-        <p:spPr bwMode="auto">
-          <a:xfrm>
-            <a:off x="7072313" y="1763712"/>
-            <a:ext cx="236538" cy="250825"/>
-          </a:xfrm>
-          <a:prstGeom prst="ellipse">
-            <a:avLst/>
-          </a:prstGeom>
-          <a:solidFill>
-            <a:srgbClr val="BB0FAB"/>
-          </a:solidFill>
-          <a:ln w="19050">
-            <a:solidFill>
-              <a:schemeClr val="tx1"/>
-            </a:solidFill>
-            <a:round/>
-            <a:headEnd/>
-            <a:tailEnd type="none" w="lg" len="lg"/>
-          </a:ln>
-        </p:spPr>
-        <p:txBody>
-          <a:bodyPr wrap="none" anchor="ctr"/>
-          <a:lstStyle/>
-          <a:p>
-            <a:endParaRPr lang="en-US"/>
-          </a:p>
-        </p:txBody>
-      </p:sp>
-      <p:sp>
-        <p:nvSpPr>
-          <p:cNvPr id="39" name="TextBox 38"/>
-          <p:cNvSpPr txBox="1">
-            <a:spLocks noChangeArrowheads="1"/>
-          </p:cNvSpPr>
-          <p:nvPr/>
-        </p:nvSpPr>
-        <p:spPr bwMode="auto">
-          <a:xfrm>
-            <a:off x="5869373" y="4823954"/>
-            <a:ext cx="3046027" cy="1200329"/>
-          </a:xfrm>
-          <a:prstGeom prst="rect">
-            <a:avLst/>
-          </a:prstGeom>
-          <a:noFill/>
-          <a:ln w="9525">
-            <a:noFill/>
-            <a:miter lim="800000"/>
-            <a:headEnd/>
-            <a:tailEnd/>
-          </a:ln>
-        </p:spPr>
-        <p:txBody>
-          <a:bodyPr wrap="none">
-            <a:spAutoFit/>
-          </a:bodyPr>
-          <a:lstStyle/>
-          <a:p>
-            <a:pPr algn="l"/>
-            <a:r>
-              <a:rPr lang="en-US" sz="3600" dirty="0" smtClean="0">
-                <a:latin typeface="Comic Sans MS" pitchFamily="66" charset="0"/>
-              </a:rPr>
-              <a:t>   has exactly</a:t>
-            </a:r>
-          </a:p>
-          <a:p>
-            <a:pPr algn="l"/>
-            <a:r>
-              <a:rPr lang="en-US" sz="3600" dirty="0" smtClean="0">
-                <a:latin typeface="Comic Sans MS" pitchFamily="66" charset="0"/>
-              </a:rPr>
-              <a:t>3 </a:t>
-            </a:r>
-            <a:r>
-              <a:rPr lang="en-US" sz="3600" dirty="0" smtClean="0">
-                <a:solidFill>
-                  <a:srgbClr val="C00000"/>
-                </a:solidFill>
-                <a:latin typeface="Comic Sans MS" pitchFamily="66" charset="0"/>
-              </a:rPr>
-              <a:t>friends</a:t>
-            </a:r>
-            <a:endParaRPr lang="en-US" sz="3600" dirty="0">
-              <a:solidFill>
-                <a:srgbClr val="C00000"/>
-              </a:solidFill>
-              <a:latin typeface="Comic Sans MS" pitchFamily="66" charset="0"/>
-            </a:endParaRPr>
-          </a:p>
-        </p:txBody>
-      </p:sp>
-      <p:sp>
-        <p:nvSpPr>
-          <p:cNvPr id="40" name="Oval 55"/>
-          <p:cNvSpPr>
-            <a:spLocks noChangeArrowheads="1"/>
-          </p:cNvSpPr>
-          <p:nvPr/>
-        </p:nvSpPr>
-        <p:spPr bwMode="auto">
-          <a:xfrm>
-            <a:off x="5977117" y="5060559"/>
-            <a:ext cx="236538" cy="250825"/>
-          </a:xfrm>
-          <a:prstGeom prst="ellipse">
-            <a:avLst/>
-          </a:prstGeom>
-          <a:solidFill>
-            <a:srgbClr val="BB0FAB"/>
-          </a:solidFill>
-          <a:ln w="19050">
-            <a:solidFill>
-              <a:schemeClr val="tx1"/>
-            </a:solidFill>
-            <a:round/>
-            <a:headEnd/>
-            <a:tailEnd type="none" w="lg" len="lg"/>
-          </a:ln>
-        </p:spPr>
-        <p:txBody>
-          <a:bodyPr wrap="none" anchor="ctr"/>
-          <a:lstStyle/>
-          <a:p>
-            <a:endParaRPr lang="en-US"/>
-          </a:p>
-        </p:txBody>
-      </p:sp>
-      <p:sp>
-        <p:nvSpPr>
-          <p:cNvPr id="41" name="Rectangle 11"/>
-          <p:cNvSpPr>
-            <a:spLocks noGrp="1" noChangeArrowheads="1"/>
-          </p:cNvSpPr>
-          <p:nvPr>
-            <p:ph type="sldNum" sz="quarter" idx="10"/>
-          </p:nvPr>
-        </p:nvSpPr>
-        <p:spPr>
-          <a:xfrm>
-            <a:off x="7728814" y="6594296"/>
-            <a:ext cx="1415190" cy="261610"/>
-          </a:xfrm>
-          <a:ln/>
-        </p:spPr>
-        <p:txBody>
-          <a:bodyPr/>
-          <a:lstStyle>
-            <a:lvl1pPr>
-              <a:defRPr/>
-            </a:lvl1pPr>
-          </a:lstStyle>
-          <a:p>
-            <a:pPr>
-              <a:defRPr/>
-            </a:pPr>
-            <a:r>
-              <a:rPr lang="en-US" dirty="0" smtClean="0"/>
-              <a:t>friend-strangers.</a:t>
-            </a:r>
-            <a:fld id="{7D4651B8-09C8-4A4D-BE8E-31B6C97A420D}" type="slidenum">
-              <a:rPr lang="en-US" smtClean="0"/>
-              <a:pPr>
-                <a:defRPr/>
-              </a:pPr>
-              <a:t>8</a:t>
-            </a:fld>
-            <a:endParaRPr lang="en-US" dirty="0"/>
-          </a:p>
-        </p:txBody>
-      </p:sp>
     </p:spTree>
   </p:cSld>
   <p:clrMapOvr>
@@ -12533,6 +11156,9 @@
                     <p:cTn id="3" fill="hold">
                       <p:stCondLst>
                         <p:cond delay="indefinite"/>
+                        <p:cond evt="onBegin" delay="0">
+                          <p:tn val="2"/>
+                        </p:cond>
                       </p:stCondLst>
                       <p:childTnLst>
                         <p:par>
@@ -12542,7 +11168,7 @@
                             </p:stCondLst>
                             <p:childTnLst>
                               <p:par>
-                                <p:cTn id="5" presetID="1" presetClass="entr" presetSubtype="0" fill="hold" nodeType="clickEffect">
+                                <p:cTn id="5" presetID="9" presetClass="entr" presetSubtype="0" fill="hold" grpId="0" nodeType="withEffect">
                                   <p:stCondLst>
                                     <p:cond delay="0"/>
                                   </p:stCondLst>
@@ -12550,6 +11176,101 @@
                                     <p:set>
                                       <p:cBhvr>
                                         <p:cTn id="6" dur="1" fill="hold">
+                                          <p:stCondLst>
+                                            <p:cond delay="0"/>
+                                          </p:stCondLst>
+                                        </p:cTn>
+                                        <p:tgtEl>
+                                          <p:spTgt spid="347139">
+                                            <p:txEl>
+                                              <p:pRg st="0" end="0"/>
+                                            </p:txEl>
+                                          </p:spTgt>
+                                        </p:tgtEl>
+                                        <p:attrNameLst>
+                                          <p:attrName>style.visibility</p:attrName>
+                                        </p:attrNameLst>
+                                      </p:cBhvr>
+                                      <p:to>
+                                        <p:strVal val="visible"/>
+                                      </p:to>
+                                    </p:set>
+                                    <p:animEffect transition="in" filter="dissolve">
+                                      <p:cBhvr>
+                                        <p:cTn id="7" dur="500"/>
+                                        <p:tgtEl>
+                                          <p:spTgt spid="347139">
+                                            <p:txEl>
+                                              <p:pRg st="0" end="0"/>
+                                            </p:txEl>
+                                          </p:spTgt>
+                                        </p:tgtEl>
+                                      </p:cBhvr>
+                                    </p:animEffect>
+                                  </p:childTnLst>
+                                </p:cTn>
+                              </p:par>
+                              <p:par>
+                                <p:cTn id="8" presetID="9" presetClass="entr" presetSubtype="0" fill="hold" grpId="0" nodeType="withEffect">
+                                  <p:stCondLst>
+                                    <p:cond delay="0"/>
+                                  </p:stCondLst>
+                                  <p:childTnLst>
+                                    <p:set>
+                                      <p:cBhvr>
+                                        <p:cTn id="9" dur="1" fill="hold">
+                                          <p:stCondLst>
+                                            <p:cond delay="0"/>
+                                          </p:stCondLst>
+                                        </p:cTn>
+                                        <p:tgtEl>
+                                          <p:spTgt spid="347139">
+                                            <p:txEl>
+                                              <p:pRg st="1" end="1"/>
+                                            </p:txEl>
+                                          </p:spTgt>
+                                        </p:tgtEl>
+                                        <p:attrNameLst>
+                                          <p:attrName>style.visibility</p:attrName>
+                                        </p:attrNameLst>
+                                      </p:cBhvr>
+                                      <p:to>
+                                        <p:strVal val="visible"/>
+                                      </p:to>
+                                    </p:set>
+                                    <p:animEffect transition="in" filter="dissolve">
+                                      <p:cBhvr>
+                                        <p:cTn id="10" dur="500"/>
+                                        <p:tgtEl>
+                                          <p:spTgt spid="347139">
+                                            <p:txEl>
+                                              <p:pRg st="1" end="1"/>
+                                            </p:txEl>
+                                          </p:spTgt>
+                                        </p:tgtEl>
+                                      </p:cBhvr>
+                                    </p:animEffect>
+                                  </p:childTnLst>
+                                </p:cTn>
+                              </p:par>
+                            </p:childTnLst>
+                          </p:cTn>
+                        </p:par>
+                        <p:par>
+                          <p:cTn id="11" fill="hold">
+                            <p:stCondLst>
+                              <p:cond delay="500"/>
+                            </p:stCondLst>
+                            <p:childTnLst>
+                              <p:par>
+                                <p:cTn id="12" presetID="1" presetClass="entr" presetSubtype="0" fill="hold" nodeType="afterEffect">
+                                  <p:stCondLst>
+                                    <p:cond delay="0"/>
+                                  </p:stCondLst>
+                                  <p:childTnLst>
+                                    <p:set>
+                                      <p:cBhvr>
+                                        <p:cTn id="13" dur="1" fill="hold">
                                           <p:stCondLst>
                                             <p:cond delay="0"/>
                                           </p:stCondLst>
@@ -12572,20 +11293,20 @@
                           </p:cTn>
                         </p:par>
                         <p:par>
-                          <p:cTn id="7" fill="hold">
+                          <p:cTn id="14" fill="hold">
                             <p:stCondLst>
-                              <p:cond delay="0"/>
+                              <p:cond delay="500"/>
                             </p:stCondLst>
                             <p:childTnLst>
                               <p:par>
-                                <p:cTn id="8" presetID="22" presetClass="entr" presetSubtype="4" fill="hold" nodeType="afterEffect">
+                                <p:cTn id="15" presetID="22" presetClass="entr" presetSubtype="4" fill="hold" nodeType="afterEffect">
                                   <p:stCondLst>
                                     <p:cond delay="0"/>
                                   </p:stCondLst>
                                   <p:childTnLst>
                                     <p:set>
                                       <p:cBhvr>
-                                        <p:cTn id="9" dur="1" fill="hold">
+                                        <p:cTn id="16" dur="1" fill="hold">
                                           <p:stCondLst>
                                             <p:cond delay="0"/>
                                           </p:stCondLst>
@@ -12603,7 +11324,7 @@
                                     </p:set>
                                     <p:animEffect transition="in" filter="wipe(down)">
                                       <p:cBhvr>
-                                        <p:cTn id="10" dur="500"/>
+                                        <p:cTn id="17" dur="500"/>
                                         <p:tgtEl>
                                           <p:spTgt spid="112"/>
                                         </p:tgtEl>
@@ -12619,26 +11340,26 @@
                     </p:cTn>
                   </p:par>
                   <p:par>
-                    <p:cTn id="11" fill="hold">
+                    <p:cTn id="18" fill="hold">
                       <p:stCondLst>
                         <p:cond delay="indefinite"/>
                       </p:stCondLst>
                       <p:childTnLst>
                         <p:par>
-                          <p:cTn id="12" fill="hold">
+                          <p:cTn id="19" fill="hold">
                             <p:stCondLst>
                               <p:cond delay="0"/>
                             </p:stCondLst>
                             <p:childTnLst>
                               <p:par>
-                                <p:cTn id="13" presetID="1" presetClass="entr" presetSubtype="0" fill="hold" nodeType="clickEffect">
+                                <p:cTn id="20" presetID="9" presetClass="entr" presetSubtype="0" fill="hold" grpId="0" nodeType="clickEffect">
                                   <p:stCondLst>
                                     <p:cond delay="0"/>
                                   </p:stCondLst>
                                   <p:childTnLst>
                                     <p:set>
                                       <p:cBhvr>
-                                        <p:cTn id="14" dur="1" fill="hold">
+                                        <p:cTn id="21" dur="1" fill="hold">
                                           <p:stCondLst>
                                             <p:cond delay="0"/>
                                           </p:stCondLst>
@@ -12658,6 +11379,18 @@
                                         <p:strVal val="visible"/>
                                       </p:to>
                                     </p:set>
+                                    <p:animEffect transition="in" filter="dissolve">
+                                      <p:cBhvr>
+                                        <p:cTn id="22" dur="500"/>
+                                        <p:tgtEl>
+                                          <p:spTgt spid="347139">
+                                            <p:txEl>
+                                              <p:pRg st="2" end="2"/>
+                                            </p:txEl>
+                                          </p:spTgt>
+                                        </p:tgtEl>
+                                      </p:cBhvr>
+                                    </p:animEffect>
                                   </p:childTnLst>
                                 </p:cTn>
                               </p:par>
@@ -12665,26 +11398,26 @@
                           </p:cTn>
                         </p:par>
                         <p:par>
-                          <p:cTn id="15" fill="hold">
+                          <p:cTn id="23" fill="hold">
                             <p:stCondLst>
-                              <p:cond delay="0"/>
+                              <p:cond delay="500"/>
                             </p:stCondLst>
                             <p:childTnLst>
                               <p:par>
-                                <p:cTn id="16" presetID="1" presetClass="entr" presetSubtype="0" fill="hold" nodeType="afterEffect">
+                                <p:cTn id="24" presetID="9" presetClass="entr" presetSubtype="0" fill="hold" nodeType="afterEffect">
                                   <p:stCondLst>
-                                    <p:cond delay="1000"/>
+                                    <p:cond delay="0"/>
                                   </p:stCondLst>
                                   <p:childTnLst>
                                     <p:set>
                                       <p:cBhvr>
-                                        <p:cTn id="17" dur="1" fill="hold">
+                                        <p:cTn id="25" dur="1" fill="hold">
                                           <p:stCondLst>
                                             <p:cond delay="0"/>
                                           </p:stCondLst>
                                         </p:cTn>
                                         <p:tgtEl>
-                                          <p:spTgt spid="6"/>
+                                          <p:spTgt spid="7"/>
                                         </p:tgtEl>
                                         <p:attrNameLst>
                                           <p:attrName>style.visibility</p:attrName>
@@ -12694,6 +11427,1019 @@
                                         <p:strVal val="visible"/>
                                       </p:to>
                                     </p:set>
+                                    <p:animEffect transition="in" filter="dissolve">
+                                      <p:cBhvr>
+                                        <p:cTn id="26" dur="1000"/>
+                                        <p:tgtEl>
+                                          <p:spTgt spid="7"/>
+                                        </p:tgtEl>
+                                      </p:cBhvr>
+                                    </p:animEffect>
+                                  </p:childTnLst>
+                                </p:cTn>
+                              </p:par>
+                            </p:childTnLst>
+                          </p:cTn>
+                        </p:par>
+                      </p:childTnLst>
+                    </p:cTn>
+                  </p:par>
+                </p:childTnLst>
+              </p:cTn>
+              <p:prevCondLst>
+                <p:cond evt="onPrev" delay="0">
+                  <p:tgtEl>
+                    <p:sldTgt/>
+                  </p:tgtEl>
+                </p:cond>
+              </p:prevCondLst>
+              <p:nextCondLst>
+                <p:cond evt="onNext" delay="0">
+                  <p:tgtEl>
+                    <p:sldTgt/>
+                  </p:tgtEl>
+                </p:cond>
+              </p:nextCondLst>
+            </p:seq>
+          </p:childTnLst>
+        </p:cTn>
+      </p:par>
+    </p:tnLst>
+    <p:bldLst>
+      <p:bldP spid="347139" grpId="0" build="p"/>
+    </p:bldLst>
+  </p:timing>
+</p:sld>
+</file>
+
+<file path=ppt/slides/slide8.xml><?xml version="1.0" encoding="utf-8"?>
+<p:sld xmlns:a="http://schemas.openxmlformats.org/drawingml/2006/main" xmlns:r="http://schemas.openxmlformats.org/officeDocument/2006/relationships" xmlns:p="http://schemas.openxmlformats.org/presentationml/2006/main" showMasterPhAnim="0">
+  <p:cSld>
+    <p:spTree>
+      <p:nvGrpSpPr>
+        <p:cNvPr id="1" name=""/>
+        <p:cNvGrpSpPr/>
+        <p:nvPr/>
+      </p:nvGrpSpPr>
+      <p:grpSpPr>
+        <a:xfrm>
+          <a:off x="0" y="0"/>
+          <a:ext cx="0" cy="0"/>
+          <a:chOff x="0" y="0"/>
+          <a:chExt cx="0" cy="0"/>
+        </a:xfrm>
+      </p:grpSpPr>
+      <p:sp>
+        <p:nvSpPr>
+          <p:cNvPr id="347139" name="Rectangle 3"/>
+          <p:cNvSpPr>
+            <a:spLocks noGrp="1" noChangeArrowheads="1"/>
+          </p:cNvSpPr>
+          <p:nvPr>
+            <p:ph type="body" idx="1"/>
+          </p:nvPr>
+        </p:nvSpPr>
+        <p:spPr>
+          <a:xfrm>
+            <a:off x="419100" y="1555750"/>
+            <a:ext cx="8382000" cy="2025650"/>
+          </a:xfrm>
+        </p:spPr>
+        <p:txBody>
+          <a:bodyPr/>
+          <a:lstStyle/>
+          <a:p>
+            <a:pPr>
+              <a:buFontTx/>
+              <a:buNone/>
+              <a:defRPr/>
+            </a:pPr>
+            <a:r>
+              <a:rPr lang="en-US" dirty="0" smtClean="0"/>
+              <a:t>Case 2:  none of these friends</a:t>
+            </a:r>
+            <a:r>
+              <a:rPr lang="en-US" dirty="0">
+                <a:solidFill>
+                  <a:srgbClr val="BB0FAB"/>
+                </a:solidFill>
+              </a:rPr>
+              <a:t> </a:t>
+            </a:r>
+            <a:r>
+              <a:rPr lang="en-US" dirty="0" smtClean="0"/>
+              <a:t>are </a:t>
+            </a:r>
+          </a:p>
+          <a:p>
+            <a:pPr>
+              <a:buFontTx/>
+              <a:buNone/>
+              <a:defRPr/>
+            </a:pPr>
+            <a:r>
+              <a:rPr lang="en-US" dirty="0" smtClean="0"/>
+              <a:t>friends of each other,</a:t>
+            </a:r>
+          </a:p>
+          <a:p>
+            <a:pPr>
+              <a:buFontTx/>
+              <a:buNone/>
+              <a:defRPr/>
+            </a:pPr>
+            <a:r>
+              <a:rPr lang="en-US" dirty="0" smtClean="0"/>
+              <a:t>so we have </a:t>
+            </a:r>
+            <a:r>
+              <a:rPr lang="en-US" dirty="0" smtClean="0">
+                <a:solidFill>
+                  <a:schemeClr val="accent1">
+                    <a:lumMod val="50000"/>
+                  </a:schemeClr>
+                </a:solidFill>
+              </a:rPr>
+              <a:t>3 mutual strangers:</a:t>
+            </a:r>
+            <a:endParaRPr lang="en-US" dirty="0"/>
+          </a:p>
+        </p:txBody>
+      </p:sp>
+      <p:sp>
+        <p:nvSpPr>
+          <p:cNvPr id="23556" name="Rectangle 2"/>
+          <p:cNvSpPr>
+            <a:spLocks noGrp="1" noChangeArrowheads="1"/>
+          </p:cNvSpPr>
+          <p:nvPr>
+            <p:ph type="title"/>
+          </p:nvPr>
+        </p:nvSpPr>
+        <p:spPr/>
+        <p:txBody>
+          <a:bodyPr/>
+          <a:lstStyle/>
+          <a:p>
+            <a:r>
+              <a:rPr lang="en-US" smtClean="0"/>
+              <a:t>A Proof of the </a:t>
+            </a:r>
+            <a:r>
+              <a:rPr lang="en-US" smtClean="0">
+                <a:solidFill>
+                  <a:srgbClr val="006600"/>
+                </a:solidFill>
+              </a:rPr>
+              <a:t>Claim</a:t>
+            </a:r>
+          </a:p>
+        </p:txBody>
+      </p:sp>
+      <p:sp>
+        <p:nvSpPr>
+          <p:cNvPr id="23562" name="Oval 7"/>
+          <p:cNvSpPr>
+            <a:spLocks noChangeArrowheads="1"/>
+          </p:cNvSpPr>
+          <p:nvPr/>
+        </p:nvSpPr>
+        <p:spPr bwMode="auto">
+          <a:xfrm>
+            <a:off x="4454525" y="4006850"/>
+            <a:ext cx="207963" cy="207963"/>
+          </a:xfrm>
+          <a:prstGeom prst="ellipse">
+            <a:avLst/>
+          </a:prstGeom>
+          <a:solidFill>
+            <a:schemeClr val="folHlink"/>
+          </a:solidFill>
+          <a:ln w="19050">
+            <a:solidFill>
+              <a:schemeClr val="tx1"/>
+            </a:solidFill>
+            <a:round/>
+            <a:headEnd/>
+            <a:tailEnd type="none" w="lg" len="lg"/>
+          </a:ln>
+        </p:spPr>
+        <p:txBody>
+          <a:bodyPr wrap="none" anchor="ctr"/>
+          <a:lstStyle/>
+          <a:p>
+            <a:endParaRPr lang="en-US">
+              <a:solidFill>
+                <a:srgbClr val="0000E5"/>
+              </a:solidFill>
+            </a:endParaRPr>
+          </a:p>
+        </p:txBody>
+      </p:sp>
+      <p:sp>
+        <p:nvSpPr>
+          <p:cNvPr id="23563" name="Oval 8"/>
+          <p:cNvSpPr>
+            <a:spLocks noChangeArrowheads="1"/>
+          </p:cNvSpPr>
+          <p:nvPr/>
+        </p:nvSpPr>
+        <p:spPr bwMode="auto">
+          <a:xfrm>
+            <a:off x="5424488" y="4587875"/>
+            <a:ext cx="207963" cy="207963"/>
+          </a:xfrm>
+          <a:prstGeom prst="ellipse">
+            <a:avLst/>
+          </a:prstGeom>
+          <a:solidFill>
+            <a:schemeClr val="bg1"/>
+          </a:solidFill>
+          <a:ln w="19050">
+            <a:solidFill>
+              <a:schemeClr val="tx1"/>
+            </a:solidFill>
+            <a:round/>
+            <a:headEnd/>
+            <a:tailEnd type="none" w="lg" len="lg"/>
+          </a:ln>
+        </p:spPr>
+        <p:txBody>
+          <a:bodyPr wrap="none" anchor="ctr"/>
+          <a:lstStyle/>
+          <a:p>
+            <a:endParaRPr lang="en-US">
+              <a:solidFill>
+                <a:srgbClr val="0000E5"/>
+              </a:solidFill>
+            </a:endParaRPr>
+          </a:p>
+        </p:txBody>
+      </p:sp>
+      <p:sp>
+        <p:nvSpPr>
+          <p:cNvPr id="23564" name="Oval 9"/>
+          <p:cNvSpPr>
+            <a:spLocks noChangeArrowheads="1"/>
+          </p:cNvSpPr>
+          <p:nvPr/>
+        </p:nvSpPr>
+        <p:spPr bwMode="auto">
+          <a:xfrm>
+            <a:off x="3498850" y="5629274"/>
+            <a:ext cx="207963" cy="207963"/>
+          </a:xfrm>
+          <a:prstGeom prst="ellipse">
+            <a:avLst/>
+          </a:prstGeom>
+          <a:solidFill>
+            <a:schemeClr val="bg1"/>
+          </a:solidFill>
+          <a:ln w="19050">
+            <a:solidFill>
+              <a:schemeClr val="tx1"/>
+            </a:solidFill>
+            <a:round/>
+            <a:headEnd/>
+            <a:tailEnd type="none" w="lg" len="lg"/>
+          </a:ln>
+        </p:spPr>
+        <p:txBody>
+          <a:bodyPr wrap="none" anchor="ctr"/>
+          <a:lstStyle/>
+          <a:p>
+            <a:endParaRPr lang="en-US">
+              <a:solidFill>
+                <a:srgbClr val="0000E5"/>
+              </a:solidFill>
+            </a:endParaRPr>
+          </a:p>
+        </p:txBody>
+      </p:sp>
+      <p:sp>
+        <p:nvSpPr>
+          <p:cNvPr id="23566" name="Oval 11"/>
+          <p:cNvSpPr>
+            <a:spLocks noChangeArrowheads="1"/>
+          </p:cNvSpPr>
+          <p:nvPr/>
+        </p:nvSpPr>
+        <p:spPr bwMode="auto">
+          <a:xfrm>
+            <a:off x="4465473" y="6262687"/>
+            <a:ext cx="207963" cy="207963"/>
+          </a:xfrm>
+          <a:prstGeom prst="ellipse">
+            <a:avLst/>
+          </a:prstGeom>
+          <a:solidFill>
+            <a:schemeClr val="accent6"/>
+          </a:solidFill>
+          <a:ln w="19050">
+            <a:solidFill>
+              <a:schemeClr val="tx1"/>
+            </a:solidFill>
+            <a:round/>
+            <a:headEnd/>
+            <a:tailEnd type="none" w="lg" len="lg"/>
+          </a:ln>
+        </p:spPr>
+        <p:txBody>
+          <a:bodyPr wrap="none" anchor="ctr"/>
+          <a:lstStyle/>
+          <a:p>
+            <a:endParaRPr lang="en-US">
+              <a:solidFill>
+                <a:srgbClr val="0000E5"/>
+              </a:solidFill>
+            </a:endParaRPr>
+          </a:p>
+        </p:txBody>
+      </p:sp>
+      <p:cxnSp>
+        <p:nvCxnSpPr>
+          <p:cNvPr id="23567" name="AutoShape 19"/>
+          <p:cNvCxnSpPr>
+            <a:cxnSpLocks noChangeShapeType="1"/>
+            <a:stCxn id="23562" idx="6"/>
+            <a:endCxn id="23563" idx="1"/>
+          </p:cNvCxnSpPr>
+          <p:nvPr/>
+        </p:nvCxnSpPr>
+        <p:spPr bwMode="auto">
+          <a:xfrm>
+            <a:off x="4683125" y="4111625"/>
+            <a:ext cx="771525" cy="506413"/>
+          </a:xfrm>
+          <a:prstGeom prst="straightConnector1">
+            <a:avLst/>
+          </a:prstGeom>
+          <a:noFill/>
+          <a:ln w="19050">
+            <a:solidFill>
+              <a:schemeClr val="tx1"/>
+            </a:solidFill>
+            <a:round/>
+            <a:headEnd/>
+            <a:tailEnd type="none" w="lg" len="lg"/>
+          </a:ln>
+        </p:spPr>
+      </p:cxnSp>
+      <p:cxnSp>
+        <p:nvCxnSpPr>
+          <p:cNvPr id="23568" name="AutoShape 20"/>
+          <p:cNvCxnSpPr>
+            <a:cxnSpLocks noChangeShapeType="1"/>
+            <a:stCxn id="23566" idx="0"/>
+            <a:endCxn id="23562" idx="4"/>
+          </p:cNvCxnSpPr>
+          <p:nvPr/>
+        </p:nvCxnSpPr>
+        <p:spPr bwMode="auto">
+          <a:xfrm flipH="1" flipV="1">
+            <a:off x="4558507" y="4214813"/>
+            <a:ext cx="10948" cy="2047874"/>
+          </a:xfrm>
+          <a:prstGeom prst="straightConnector1">
+            <a:avLst/>
+          </a:prstGeom>
+          <a:noFill/>
+          <a:ln w="19050">
+            <a:solidFill>
+              <a:schemeClr val="tx1"/>
+            </a:solidFill>
+            <a:round/>
+            <a:headEnd/>
+            <a:tailEnd type="none" w="lg" len="lg"/>
+          </a:ln>
+        </p:spPr>
+      </p:cxnSp>
+      <p:cxnSp>
+        <p:nvCxnSpPr>
+          <p:cNvPr id="23569" name="AutoShape 25"/>
+          <p:cNvCxnSpPr>
+            <a:cxnSpLocks noChangeShapeType="1"/>
+            <a:stCxn id="23562" idx="3"/>
+            <a:endCxn id="23564" idx="7"/>
+          </p:cNvCxnSpPr>
+          <p:nvPr/>
+        </p:nvCxnSpPr>
+        <p:spPr bwMode="auto">
+          <a:xfrm flipH="1">
+            <a:off x="3676650" y="4203700"/>
+            <a:ext cx="808038" cy="1455737"/>
+          </a:xfrm>
+          <a:prstGeom prst="straightConnector1">
+            <a:avLst/>
+          </a:prstGeom>
+          <a:noFill/>
+          <a:ln w="19050">
+            <a:solidFill>
+              <a:schemeClr val="tx1"/>
+            </a:solidFill>
+            <a:round/>
+            <a:headEnd/>
+            <a:tailEnd type="none" w="lg" len="lg"/>
+          </a:ln>
+        </p:spPr>
+      </p:cxnSp>
+      <p:sp>
+        <p:nvSpPr>
+          <p:cNvPr id="23571" name="Oval 55"/>
+          <p:cNvSpPr>
+            <a:spLocks noChangeArrowheads="1"/>
+          </p:cNvSpPr>
+          <p:nvPr/>
+        </p:nvSpPr>
+        <p:spPr bwMode="auto">
+          <a:xfrm>
+            <a:off x="4454525" y="4006850"/>
+            <a:ext cx="207963" cy="207963"/>
+          </a:xfrm>
+          <a:prstGeom prst="ellipse">
+            <a:avLst/>
+          </a:prstGeom>
+          <a:solidFill>
+            <a:srgbClr val="BB0FAB"/>
+          </a:solidFill>
+          <a:ln w="19050">
+            <a:solidFill>
+              <a:schemeClr val="tx1"/>
+            </a:solidFill>
+            <a:round/>
+            <a:headEnd/>
+            <a:tailEnd type="none" w="lg" len="lg"/>
+          </a:ln>
+        </p:spPr>
+        <p:txBody>
+          <a:bodyPr wrap="none" anchor="ctr"/>
+          <a:lstStyle/>
+          <a:p>
+            <a:endParaRPr lang="en-US">
+              <a:solidFill>
+                <a:srgbClr val="0000E5"/>
+              </a:solidFill>
+            </a:endParaRPr>
+          </a:p>
+        </p:txBody>
+      </p:sp>
+      <p:cxnSp>
+        <p:nvCxnSpPr>
+          <p:cNvPr id="23574" name="AutoShape 61"/>
+          <p:cNvCxnSpPr>
+            <a:cxnSpLocks noChangeShapeType="1"/>
+            <a:stCxn id="23571" idx="6"/>
+            <a:endCxn id="23578" idx="1"/>
+          </p:cNvCxnSpPr>
+          <p:nvPr/>
+        </p:nvCxnSpPr>
+        <p:spPr bwMode="auto">
+          <a:xfrm>
+            <a:off x="4683125" y="4111625"/>
+            <a:ext cx="771525" cy="506413"/>
+          </a:xfrm>
+          <a:prstGeom prst="straightConnector1">
+            <a:avLst/>
+          </a:prstGeom>
+          <a:noFill/>
+          <a:ln w="28575">
+            <a:solidFill>
+              <a:schemeClr val="accent2"/>
+            </a:solidFill>
+            <a:round/>
+            <a:headEnd/>
+            <a:tailEnd type="none" w="lg" len="lg"/>
+          </a:ln>
+        </p:spPr>
+      </p:cxnSp>
+      <p:cxnSp>
+        <p:nvCxnSpPr>
+          <p:cNvPr id="23575" name="AutoShape 62"/>
+          <p:cNvCxnSpPr>
+            <a:cxnSpLocks noChangeShapeType="1"/>
+            <a:stCxn id="23580" idx="0"/>
+            <a:endCxn id="23571" idx="4"/>
+          </p:cNvCxnSpPr>
+          <p:nvPr/>
+        </p:nvCxnSpPr>
+        <p:spPr bwMode="auto">
+          <a:xfrm flipV="1">
+            <a:off x="4555990" y="4214813"/>
+            <a:ext cx="2517" cy="2055485"/>
+          </a:xfrm>
+          <a:prstGeom prst="straightConnector1">
+            <a:avLst/>
+          </a:prstGeom>
+          <a:noFill/>
+          <a:ln w="28575">
+            <a:solidFill>
+              <a:schemeClr val="accent2"/>
+            </a:solidFill>
+            <a:round/>
+            <a:headEnd/>
+            <a:tailEnd type="none" w="lg" len="lg"/>
+          </a:ln>
+        </p:spPr>
+      </p:cxnSp>
+      <p:cxnSp>
+        <p:nvCxnSpPr>
+          <p:cNvPr id="23576" name="AutoShape 63"/>
+          <p:cNvCxnSpPr>
+            <a:cxnSpLocks noChangeShapeType="1"/>
+            <a:stCxn id="23571" idx="3"/>
+            <a:endCxn id="23579" idx="7"/>
+          </p:cNvCxnSpPr>
+          <p:nvPr/>
+        </p:nvCxnSpPr>
+        <p:spPr bwMode="auto">
+          <a:xfrm flipH="1">
+            <a:off x="3676650" y="4203700"/>
+            <a:ext cx="808038" cy="1455737"/>
+          </a:xfrm>
+          <a:prstGeom prst="straightConnector1">
+            <a:avLst/>
+          </a:prstGeom>
+          <a:noFill/>
+          <a:ln w="28575">
+            <a:solidFill>
+              <a:schemeClr val="accent2"/>
+            </a:solidFill>
+            <a:round/>
+            <a:headEnd/>
+            <a:tailEnd type="none" w="lg" len="lg"/>
+          </a:ln>
+        </p:spPr>
+      </p:cxnSp>
+      <p:sp>
+        <p:nvSpPr>
+          <p:cNvPr id="23578" name="Oval 56"/>
+          <p:cNvSpPr>
+            <a:spLocks noChangeArrowheads="1"/>
+          </p:cNvSpPr>
+          <p:nvPr/>
+        </p:nvSpPr>
+        <p:spPr bwMode="auto">
+          <a:xfrm>
+            <a:off x="5424488" y="4587875"/>
+            <a:ext cx="207963" cy="207963"/>
+          </a:xfrm>
+          <a:prstGeom prst="ellipse">
+            <a:avLst/>
+          </a:prstGeom>
+          <a:solidFill>
+            <a:schemeClr val="accent6"/>
+          </a:solidFill>
+          <a:ln w="19050">
+            <a:solidFill>
+              <a:schemeClr val="tx1"/>
+            </a:solidFill>
+            <a:round/>
+            <a:headEnd/>
+            <a:tailEnd type="none" w="lg" len="lg"/>
+          </a:ln>
+        </p:spPr>
+        <p:txBody>
+          <a:bodyPr wrap="none" anchor="ctr"/>
+          <a:lstStyle/>
+          <a:p>
+            <a:endParaRPr lang="en-US">
+              <a:solidFill>
+                <a:srgbClr val="0000E5"/>
+              </a:solidFill>
+            </a:endParaRPr>
+          </a:p>
+        </p:txBody>
+      </p:sp>
+      <p:sp>
+        <p:nvSpPr>
+          <p:cNvPr id="23579" name="Oval 57"/>
+          <p:cNvSpPr>
+            <a:spLocks noChangeArrowheads="1"/>
+          </p:cNvSpPr>
+          <p:nvPr/>
+        </p:nvSpPr>
+        <p:spPr bwMode="auto">
+          <a:xfrm>
+            <a:off x="3498850" y="5629274"/>
+            <a:ext cx="207963" cy="207963"/>
+          </a:xfrm>
+          <a:prstGeom prst="ellipse">
+            <a:avLst/>
+          </a:prstGeom>
+          <a:solidFill>
+            <a:schemeClr val="accent6"/>
+          </a:solidFill>
+          <a:ln w="19050">
+            <a:solidFill>
+              <a:schemeClr val="tx1"/>
+            </a:solidFill>
+            <a:round/>
+            <a:headEnd/>
+            <a:tailEnd type="none" w="lg" len="lg"/>
+          </a:ln>
+        </p:spPr>
+        <p:txBody>
+          <a:bodyPr wrap="none" anchor="ctr"/>
+          <a:lstStyle/>
+          <a:p>
+            <a:endParaRPr lang="en-US">
+              <a:solidFill>
+                <a:srgbClr val="0000E5"/>
+              </a:solidFill>
+            </a:endParaRPr>
+          </a:p>
+        </p:txBody>
+      </p:sp>
+      <p:sp>
+        <p:nvSpPr>
+          <p:cNvPr id="33" name="Rectangle 11"/>
+          <p:cNvSpPr>
+            <a:spLocks noGrp="1" noChangeArrowheads="1"/>
+          </p:cNvSpPr>
+          <p:nvPr>
+            <p:ph type="sldNum" sz="quarter" idx="10"/>
+          </p:nvPr>
+        </p:nvSpPr>
+        <p:spPr>
+          <a:xfrm>
+            <a:off x="7728813" y="6594296"/>
+            <a:ext cx="1415190" cy="261610"/>
+          </a:xfrm>
+          <a:ln/>
+        </p:spPr>
+        <p:txBody>
+          <a:bodyPr/>
+          <a:lstStyle>
+            <a:lvl1pPr>
+              <a:defRPr/>
+            </a:lvl1pPr>
+          </a:lstStyle>
+          <a:p>
+            <a:pPr>
+              <a:defRPr/>
+            </a:pPr>
+            <a:r>
+              <a:rPr lang="en-US" dirty="0" smtClean="0"/>
+              <a:t>friend-strangers.</a:t>
+            </a:r>
+            <a:fld id="{7D4651B8-09C8-4A4D-BE8E-31B6C97A420D}" type="slidenum">
+              <a:rPr lang="en-US" smtClean="0"/>
+              <a:pPr>
+                <a:defRPr/>
+              </a:pPr>
+              <a:t>8</a:t>
+            </a:fld>
+            <a:endParaRPr lang="en-US" dirty="0"/>
+          </a:p>
+        </p:txBody>
+      </p:sp>
+      <p:grpSp>
+        <p:nvGrpSpPr>
+          <p:cNvPr id="7" name="Group 6"/>
+          <p:cNvGrpSpPr/>
+          <p:nvPr/>
+        </p:nvGrpSpPr>
+        <p:grpSpPr>
+          <a:xfrm>
+            <a:off x="3505034" y="4585961"/>
+            <a:ext cx="2120137" cy="1892300"/>
+            <a:chOff x="3505034" y="4564063"/>
+            <a:chExt cx="2120137" cy="1892300"/>
+          </a:xfrm>
+        </p:grpSpPr>
+        <p:sp>
+          <p:nvSpPr>
+            <p:cNvPr id="23580" name="Oval 59"/>
+            <p:cNvSpPr>
+              <a:spLocks noChangeArrowheads="1"/>
+            </p:cNvSpPr>
+            <p:nvPr/>
+          </p:nvSpPr>
+          <p:spPr bwMode="auto">
+            <a:xfrm>
+              <a:off x="4452008" y="6248400"/>
+              <a:ext cx="207963" cy="207963"/>
+            </a:xfrm>
+            <a:prstGeom prst="ellipse">
+              <a:avLst/>
+            </a:prstGeom>
+            <a:solidFill>
+              <a:schemeClr val="accent5">
+                <a:lumMod val="75000"/>
+              </a:schemeClr>
+            </a:solidFill>
+            <a:ln w="19050">
+              <a:solidFill>
+                <a:schemeClr val="tx1"/>
+              </a:solidFill>
+              <a:round/>
+              <a:headEnd/>
+              <a:tailEnd type="none" w="lg" len="lg"/>
+            </a:ln>
+          </p:spPr>
+          <p:txBody>
+            <a:bodyPr wrap="none" anchor="ctr"/>
+            <a:lstStyle/>
+            <a:p>
+              <a:endParaRPr lang="en-US">
+                <a:solidFill>
+                  <a:srgbClr val="0000E5"/>
+                </a:solidFill>
+              </a:endParaRPr>
+            </a:p>
+          </p:txBody>
+        </p:sp>
+        <p:sp>
+          <p:nvSpPr>
+            <p:cNvPr id="53" name="Oval 56"/>
+            <p:cNvSpPr>
+              <a:spLocks noChangeArrowheads="1"/>
+            </p:cNvSpPr>
+            <p:nvPr/>
+          </p:nvSpPr>
+          <p:spPr bwMode="auto">
+            <a:xfrm>
+              <a:off x="5417208" y="4564063"/>
+              <a:ext cx="207963" cy="207963"/>
+            </a:xfrm>
+            <a:prstGeom prst="ellipse">
+              <a:avLst/>
+            </a:prstGeom>
+            <a:solidFill>
+              <a:srgbClr val="3366FF"/>
+            </a:solidFill>
+            <a:ln w="19050">
+              <a:solidFill>
+                <a:schemeClr val="tx1"/>
+              </a:solidFill>
+              <a:round/>
+              <a:headEnd/>
+              <a:tailEnd type="none" w="lg" len="lg"/>
+            </a:ln>
+            <a:effectLst/>
+          </p:spPr>
+          <p:txBody>
+            <a:bodyPr wrap="none" anchor="ctr"/>
+            <a:lstStyle/>
+            <a:p>
+              <a:pPr>
+                <a:defRPr/>
+              </a:pPr>
+              <a:endParaRPr lang="en-US">
+                <a:solidFill>
+                  <a:srgbClr val="0000E5"/>
+                </a:solidFill>
+              </a:endParaRPr>
+            </a:p>
+          </p:txBody>
+        </p:sp>
+        <p:sp>
+          <p:nvSpPr>
+            <p:cNvPr id="54" name="Oval 57"/>
+            <p:cNvSpPr>
+              <a:spLocks noChangeArrowheads="1"/>
+            </p:cNvSpPr>
+            <p:nvPr/>
+          </p:nvSpPr>
+          <p:spPr bwMode="auto">
+            <a:xfrm>
+              <a:off x="3505034" y="5619749"/>
+              <a:ext cx="207963" cy="207963"/>
+            </a:xfrm>
+            <a:prstGeom prst="ellipse">
+              <a:avLst/>
+            </a:prstGeom>
+            <a:solidFill>
+              <a:srgbClr val="3366FF"/>
+            </a:solidFill>
+            <a:ln w="19050">
+              <a:solidFill>
+                <a:schemeClr val="tx1"/>
+              </a:solidFill>
+              <a:round/>
+              <a:headEnd/>
+              <a:tailEnd type="none" w="lg" len="lg"/>
+            </a:ln>
+            <a:effectLst/>
+          </p:spPr>
+          <p:txBody>
+            <a:bodyPr wrap="none" anchor="ctr"/>
+            <a:lstStyle/>
+            <a:p>
+              <a:pPr>
+                <a:defRPr/>
+              </a:pPr>
+              <a:endParaRPr lang="en-US">
+                <a:solidFill>
+                  <a:srgbClr val="0000E5"/>
+                </a:solidFill>
+              </a:endParaRPr>
+            </a:p>
+          </p:txBody>
+        </p:sp>
+        <p:cxnSp>
+          <p:nvCxnSpPr>
+            <p:cNvPr id="60" name="AutoShape 1072"/>
+            <p:cNvCxnSpPr>
+              <a:cxnSpLocks noChangeShapeType="1"/>
+            </p:cNvCxnSpPr>
+            <p:nvPr/>
+          </p:nvCxnSpPr>
+          <p:spPr bwMode="auto">
+            <a:xfrm>
+              <a:off x="3716338" y="5724525"/>
+              <a:ext cx="777875" cy="558800"/>
+            </a:xfrm>
+            <a:prstGeom prst="straightConnector1">
+              <a:avLst/>
+            </a:prstGeom>
+            <a:noFill/>
+            <a:ln w="38100">
+              <a:solidFill>
+                <a:srgbClr val="0066FF"/>
+              </a:solidFill>
+              <a:round/>
+              <a:headEnd/>
+              <a:tailEnd type="none" w="lg" len="lg"/>
+            </a:ln>
+          </p:spPr>
+        </p:cxnSp>
+        <p:cxnSp>
+          <p:nvCxnSpPr>
+            <p:cNvPr id="61" name="AutoShape 1073"/>
+            <p:cNvCxnSpPr>
+              <a:cxnSpLocks noChangeShapeType="1"/>
+            </p:cNvCxnSpPr>
+            <p:nvPr/>
+          </p:nvCxnSpPr>
+          <p:spPr bwMode="auto">
+            <a:xfrm flipV="1">
+              <a:off x="3713821" y="4741863"/>
+              <a:ext cx="1747837" cy="968375"/>
+            </a:xfrm>
+            <a:prstGeom prst="straightConnector1">
+              <a:avLst/>
+            </a:prstGeom>
+            <a:noFill/>
+            <a:ln w="38100">
+              <a:solidFill>
+                <a:srgbClr val="0066FF"/>
+              </a:solidFill>
+              <a:round/>
+              <a:headEnd/>
+              <a:tailEnd type="none" w="lg" len="lg"/>
+            </a:ln>
+          </p:spPr>
+        </p:cxnSp>
+        <p:cxnSp>
+          <p:nvCxnSpPr>
+            <p:cNvPr id="62" name="AutoShape 1074"/>
+            <p:cNvCxnSpPr>
+              <a:cxnSpLocks noChangeShapeType="1"/>
+            </p:cNvCxnSpPr>
+            <p:nvPr/>
+          </p:nvCxnSpPr>
+          <p:spPr bwMode="auto">
+            <a:xfrm flipV="1">
+              <a:off x="4672176" y="4752812"/>
+              <a:ext cx="822325" cy="1527175"/>
+            </a:xfrm>
+            <a:prstGeom prst="straightConnector1">
+              <a:avLst/>
+            </a:prstGeom>
+            <a:noFill/>
+            <a:ln w="38100">
+              <a:solidFill>
+                <a:srgbClr val="0066FF"/>
+              </a:solidFill>
+              <a:round/>
+              <a:headEnd/>
+              <a:tailEnd type="none" w="lg" len="lg"/>
+            </a:ln>
+          </p:spPr>
+        </p:cxnSp>
+      </p:grpSp>
+    </p:spTree>
+  </p:cSld>
+  <p:clrMapOvr>
+    <a:masterClrMapping/>
+  </p:clrMapOvr>
+  <mc:AlternateContent xmlns:mc="http://schemas.openxmlformats.org/markup-compatibility/2006" xmlns:p14="http://schemas.microsoft.com/office/powerpoint/2010/main">
+    <mc:Choice Requires="p14">
+      <p:transition spd="med" p14:dur="700" advClick="0">
+        <p:fade/>
+      </p:transition>
+    </mc:Choice>
+    <mc:Fallback xmlns="">
+      <p:transition xmlns:p14="http://schemas.microsoft.com/office/powerpoint/2010/main" spd="med" advClick="0">
+        <p:fade/>
+      </p:transition>
+    </mc:Fallback>
+  </mc:AlternateContent>
+  <p:timing>
+    <p:tnLst>
+      <p:par>
+        <p:cTn xmlns:p14="http://schemas.microsoft.com/office/powerpoint/2010/main" id="1" dur="indefinite" restart="never" nodeType="tmRoot">
+          <p:childTnLst>
+            <p:seq concurrent="1" nextAc="seek">
+              <p:cTn id="2" dur="indefinite" nodeType="mainSeq">
+                <p:childTnLst>
+                  <p:par>
+                    <p:cTn id="3" fill="hold">
+                      <p:stCondLst>
+                        <p:cond delay="indefinite"/>
+                      </p:stCondLst>
+                      <p:childTnLst>
+                        <p:par>
+                          <p:cTn id="4" fill="hold">
+                            <p:stCondLst>
+                              <p:cond delay="0"/>
+                            </p:stCondLst>
+                            <p:childTnLst>
+                              <p:par>
+                                <p:cTn id="5" presetID="9" presetClass="entr" presetSubtype="0" fill="hold" nodeType="clickEffect">
+                                  <p:stCondLst>
+                                    <p:cond delay="0"/>
+                                  </p:stCondLst>
+                                  <p:childTnLst>
+                                    <p:set>
+                                      <p:cBhvr>
+                                        <p:cTn id="6" dur="1" fill="hold">
+                                          <p:stCondLst>
+                                            <p:cond delay="0"/>
+                                          </p:stCondLst>
+                                        </p:cTn>
+                                        <p:tgtEl>
+                                          <p:spTgt spid="347139">
+                                            <p:txEl>
+                                              <p:pRg st="2" end="2"/>
+                                            </p:txEl>
+                                          </p:spTgt>
+                                        </p:tgtEl>
+                                        <p:attrNameLst>
+                                          <p:attrName>style.visibility</p:attrName>
+                                        </p:attrNameLst>
+                                      </p:cBhvr>
+                                      <p:to>
+                                        <p:strVal val="visible"/>
+                                      </p:to>
+                                    </p:set>
+                                    <p:animEffect transition="in" filter="dissolve">
+                                      <p:cBhvr>
+                                        <p:cTn id="7" dur="500"/>
+                                        <p:tgtEl>
+                                          <p:spTgt spid="347139">
+                                            <p:txEl>
+                                              <p:pRg st="2" end="2"/>
+                                            </p:txEl>
+                                          </p:spTgt>
+                                        </p:tgtEl>
+                                      </p:cBhvr>
+                                    </p:animEffect>
+                                  </p:childTnLst>
+                                </p:cTn>
+                              </p:par>
+                            </p:childTnLst>
+                          </p:cTn>
+                        </p:par>
+                        <p:par>
+                          <p:cTn id="8" fill="hold">
+                            <p:stCondLst>
+                              <p:cond delay="500"/>
+                            </p:stCondLst>
+                            <p:childTnLst>
+                              <p:par>
+                                <p:cTn id="9" presetID="9" presetClass="entr" presetSubtype="0" fill="hold" nodeType="afterEffect">
+                                  <p:stCondLst>
+                                    <p:cond delay="0"/>
+                                  </p:stCondLst>
+                                  <p:childTnLst>
+                                    <p:set>
+                                      <p:cBhvr>
+                                        <p:cTn id="10" dur="1" fill="hold">
+                                          <p:stCondLst>
+                                            <p:cond delay="0"/>
+                                          </p:stCondLst>
+                                        </p:cTn>
+                                        <p:tgtEl>
+                                          <p:spTgt spid="7"/>
+                                        </p:tgtEl>
+                                        <p:attrNameLst>
+                                          <p:attrName>style.visibility</p:attrName>
+                                        </p:attrNameLst>
+                                      </p:cBhvr>
+                                      <p:to>
+                                        <p:strVal val="visible"/>
+                                      </p:to>
+                                    </p:set>
+                                    <p:animEffect transition="in" filter="dissolve">
+                                      <p:cBhvr>
+                                        <p:cTn id="11" dur="500"/>
+                                        <p:tgtEl>
+                                          <p:spTgt spid="7"/>
+                                        </p:tgtEl>
+                                      </p:cBhvr>
+                                    </p:animEffect>
                                   </p:childTnLst>
                                 </p:cTn>
                               </p:par>
@@ -12747,7 +12493,7 @@
       </p:grpSpPr>
       <p:sp>
         <p:nvSpPr>
-          <p:cNvPr id="347139" name="Rectangle 3"/>
+          <p:cNvPr id="24579" name="Rectangle 3"/>
           <p:cNvSpPr>
             <a:spLocks noGrp="1" noChangeArrowheads="1"/>
           </p:cNvSpPr>
@@ -12757,8 +12503,8 @@
         </p:nvSpPr>
         <p:spPr>
           <a:xfrm>
-            <a:off x="419100" y="1555750"/>
-            <a:ext cx="8382000" cy="2025650"/>
+            <a:off x="133350" y="2228850"/>
+            <a:ext cx="8877300" cy="2324100"/>
           </a:xfrm>
         </p:spPr>
         <p:txBody>
@@ -12768,68 +12514,37 @@
             <a:pPr>
               <a:buFontTx/>
               <a:buNone/>
-              <a:defRPr/>
             </a:pPr>
             <a:r>
-              <a:rPr lang="en-US" dirty="0" smtClean="0"/>
-              <a:t>Case 2:  none of these friends</a:t>
-            </a:r>
-            <a:r>
-              <a:rPr lang="en-US" dirty="0" smtClean="0">
-                <a:solidFill>
-                  <a:srgbClr val="C00000"/>
-                </a:solidFill>
-              </a:rPr>
-              <a:t> </a:t>
-            </a:r>
-            <a:r>
-              <a:rPr lang="en-US" dirty="0" smtClean="0"/>
-              <a:t>of </a:t>
-            </a:r>
-            <a:endParaRPr lang="en-US" dirty="0" smtClean="0">
-              <a:solidFill>
-                <a:srgbClr val="BB0FAB"/>
-              </a:solidFill>
-            </a:endParaRPr>
+              <a:rPr lang="en-US" sz="3800" smtClean="0"/>
+              <a:t>Since the Claim is true in either case, </a:t>
+            </a:r>
           </a:p>
           <a:p>
             <a:pPr>
               <a:buFontTx/>
               <a:buNone/>
-              <a:defRPr/>
             </a:pPr>
             <a:r>
-              <a:rPr lang="en-US" dirty="0" smtClean="0"/>
-              <a:t>are friends of each other,</a:t>
+              <a:rPr lang="en-US" sz="3800" smtClean="0"/>
+              <a:t>and one of these cases always holds,</a:t>
             </a:r>
           </a:p>
           <a:p>
             <a:pPr>
               <a:buFontTx/>
               <a:buNone/>
-              <a:defRPr/>
             </a:pPr>
             <a:r>
-              <a:rPr lang="en-US" dirty="0" smtClean="0"/>
-              <a:t>so we have </a:t>
-            </a:r>
-            <a:r>
-              <a:rPr lang="en-US" dirty="0" smtClean="0">
-                <a:solidFill>
-                  <a:schemeClr val="accent1">
-                    <a:lumMod val="50000"/>
-                  </a:schemeClr>
-                </a:solidFill>
-              </a:rPr>
-              <a:t>3 mutual strangers:</a:t>
-            </a:r>
-            <a:endParaRPr lang="en-US" dirty="0"/>
+              <a:rPr lang="en-US" sz="3800" smtClean="0"/>
+              <a:t>the Claim is always true.</a:t>
+            </a:r>
           </a:p>
         </p:txBody>
       </p:sp>
       <p:sp>
         <p:nvSpPr>
-          <p:cNvPr id="23556" name="Rectangle 2"/>
+          <p:cNvPr id="24580" name="Rectangle 2"/>
           <p:cNvSpPr>
             <a:spLocks noGrp="1" noChangeArrowheads="1"/>
           </p:cNvSpPr>
@@ -12857,898 +12572,9 @@
           </a:p>
         </p:txBody>
       </p:sp>
-      <p:grpSp>
-        <p:nvGrpSpPr>
-          <p:cNvPr id="2" name="Group 33"/>
-          <p:cNvGrpSpPr>
-            <a:grpSpLocks/>
-          </p:cNvGrpSpPr>
-          <p:nvPr/>
-        </p:nvGrpSpPr>
-        <p:grpSpPr bwMode="auto">
-          <a:xfrm>
-            <a:off x="3498850" y="4006850"/>
-            <a:ext cx="2146300" cy="2463800"/>
-            <a:chOff x="3492500" y="4016375"/>
-            <a:chExt cx="2146300" cy="2463801"/>
-          </a:xfrm>
-        </p:grpSpPr>
-        <p:sp>
-          <p:nvSpPr>
-            <p:cNvPr id="23561" name="Oval 6"/>
-            <p:cNvSpPr>
-              <a:spLocks noChangeArrowheads="1"/>
-            </p:cNvSpPr>
-            <p:nvPr/>
-          </p:nvSpPr>
-          <p:spPr bwMode="auto">
-            <a:xfrm>
-              <a:off x="3492500" y="4597400"/>
-              <a:ext cx="207963" cy="207963"/>
-            </a:xfrm>
-            <a:prstGeom prst="ellipse">
-              <a:avLst/>
-            </a:prstGeom>
-            <a:solidFill>
-              <a:schemeClr val="bg1"/>
-            </a:solidFill>
-            <a:ln w="19050">
-              <a:solidFill>
-                <a:schemeClr val="tx1"/>
-              </a:solidFill>
-              <a:round/>
-              <a:headEnd/>
-              <a:tailEnd type="none" w="lg" len="lg"/>
-            </a:ln>
-          </p:spPr>
-          <p:txBody>
-            <a:bodyPr wrap="none" anchor="ctr"/>
-            <a:lstStyle/>
-            <a:p>
-              <a:endParaRPr lang="en-US"/>
-            </a:p>
-          </p:txBody>
-        </p:sp>
-        <p:sp>
-          <p:nvSpPr>
-            <p:cNvPr id="23562" name="Oval 7"/>
-            <p:cNvSpPr>
-              <a:spLocks noChangeArrowheads="1"/>
-            </p:cNvSpPr>
-            <p:nvPr/>
-          </p:nvSpPr>
-          <p:spPr bwMode="auto">
-            <a:xfrm>
-              <a:off x="4448175" y="4016375"/>
-              <a:ext cx="207963" cy="207963"/>
-            </a:xfrm>
-            <a:prstGeom prst="ellipse">
-              <a:avLst/>
-            </a:prstGeom>
-            <a:solidFill>
-              <a:schemeClr val="folHlink"/>
-            </a:solidFill>
-            <a:ln w="19050">
-              <a:solidFill>
-                <a:schemeClr val="tx1"/>
-              </a:solidFill>
-              <a:round/>
-              <a:headEnd/>
-              <a:tailEnd type="none" w="lg" len="lg"/>
-            </a:ln>
-          </p:spPr>
-          <p:txBody>
-            <a:bodyPr wrap="none" anchor="ctr"/>
-            <a:lstStyle/>
-            <a:p>
-              <a:endParaRPr lang="en-US"/>
-            </a:p>
-          </p:txBody>
-        </p:sp>
-        <p:sp>
-          <p:nvSpPr>
-            <p:cNvPr id="23563" name="Oval 8"/>
-            <p:cNvSpPr>
-              <a:spLocks noChangeArrowheads="1"/>
-            </p:cNvSpPr>
-            <p:nvPr/>
-          </p:nvSpPr>
-          <p:spPr bwMode="auto">
-            <a:xfrm>
-              <a:off x="5418138" y="4597400"/>
-              <a:ext cx="207963" cy="207963"/>
-            </a:xfrm>
-            <a:prstGeom prst="ellipse">
-              <a:avLst/>
-            </a:prstGeom>
-            <a:solidFill>
-              <a:schemeClr val="bg1"/>
-            </a:solidFill>
-            <a:ln w="19050">
-              <a:solidFill>
-                <a:schemeClr val="tx1"/>
-              </a:solidFill>
-              <a:round/>
-              <a:headEnd/>
-              <a:tailEnd type="none" w="lg" len="lg"/>
-            </a:ln>
-          </p:spPr>
-          <p:txBody>
-            <a:bodyPr wrap="none" anchor="ctr"/>
-            <a:lstStyle/>
-            <a:p>
-              <a:endParaRPr lang="en-US"/>
-            </a:p>
-          </p:txBody>
-        </p:sp>
-        <p:sp>
-          <p:nvSpPr>
-            <p:cNvPr id="23564" name="Oval 9"/>
-            <p:cNvSpPr>
-              <a:spLocks noChangeArrowheads="1"/>
-            </p:cNvSpPr>
-            <p:nvPr/>
-          </p:nvSpPr>
-          <p:spPr bwMode="auto">
-            <a:xfrm>
-              <a:off x="3492500" y="5638800"/>
-              <a:ext cx="207963" cy="207963"/>
-            </a:xfrm>
-            <a:prstGeom prst="ellipse">
-              <a:avLst/>
-            </a:prstGeom>
-            <a:solidFill>
-              <a:schemeClr val="bg1"/>
-            </a:solidFill>
-            <a:ln w="19050">
-              <a:solidFill>
-                <a:schemeClr val="tx1"/>
-              </a:solidFill>
-              <a:round/>
-              <a:headEnd/>
-              <a:tailEnd type="none" w="lg" len="lg"/>
-            </a:ln>
-          </p:spPr>
-          <p:txBody>
-            <a:bodyPr wrap="none" anchor="ctr"/>
-            <a:lstStyle/>
-            <a:p>
-              <a:endParaRPr lang="en-US"/>
-            </a:p>
-          </p:txBody>
-        </p:sp>
-        <p:sp>
-          <p:nvSpPr>
-            <p:cNvPr id="23565" name="Oval 10"/>
-            <p:cNvSpPr>
-              <a:spLocks noChangeArrowheads="1"/>
-            </p:cNvSpPr>
-            <p:nvPr/>
-          </p:nvSpPr>
-          <p:spPr bwMode="auto">
-            <a:xfrm>
-              <a:off x="5418138" y="5638800"/>
-              <a:ext cx="207963" cy="207963"/>
-            </a:xfrm>
-            <a:prstGeom prst="ellipse">
-              <a:avLst/>
-            </a:prstGeom>
-            <a:solidFill>
-              <a:schemeClr val="bg1"/>
-            </a:solidFill>
-            <a:ln w="19050">
-              <a:solidFill>
-                <a:schemeClr val="tx1"/>
-              </a:solidFill>
-              <a:round/>
-              <a:headEnd/>
-              <a:tailEnd type="none" w="lg" len="lg"/>
-            </a:ln>
-          </p:spPr>
-          <p:txBody>
-            <a:bodyPr wrap="none" anchor="ctr"/>
-            <a:lstStyle/>
-            <a:p>
-              <a:endParaRPr lang="en-US"/>
-            </a:p>
-          </p:txBody>
-        </p:sp>
-        <p:sp>
-          <p:nvSpPr>
-            <p:cNvPr id="23566" name="Oval 11"/>
-            <p:cNvSpPr>
-              <a:spLocks noChangeArrowheads="1"/>
-            </p:cNvSpPr>
-            <p:nvPr/>
-          </p:nvSpPr>
-          <p:spPr bwMode="auto">
-            <a:xfrm>
-              <a:off x="4448175" y="6272213"/>
-              <a:ext cx="207963" cy="207963"/>
-            </a:xfrm>
-            <a:prstGeom prst="ellipse">
-              <a:avLst/>
-            </a:prstGeom>
-            <a:solidFill>
-              <a:schemeClr val="bg1"/>
-            </a:solidFill>
-            <a:ln w="19050">
-              <a:solidFill>
-                <a:schemeClr val="tx1"/>
-              </a:solidFill>
-              <a:round/>
-              <a:headEnd/>
-              <a:tailEnd type="none" w="lg" len="lg"/>
-            </a:ln>
-          </p:spPr>
-          <p:txBody>
-            <a:bodyPr wrap="none" anchor="ctr"/>
-            <a:lstStyle/>
-            <a:p>
-              <a:endParaRPr lang="en-US"/>
-            </a:p>
-          </p:txBody>
-        </p:sp>
-        <p:cxnSp>
-          <p:nvCxnSpPr>
-            <p:cNvPr id="23567" name="AutoShape 19"/>
-            <p:cNvCxnSpPr>
-              <a:cxnSpLocks noChangeShapeType="1"/>
-              <a:stCxn id="23562" idx="6"/>
-              <a:endCxn id="23563" idx="1"/>
-            </p:cNvCxnSpPr>
-            <p:nvPr/>
-          </p:nvCxnSpPr>
-          <p:spPr bwMode="auto">
-            <a:xfrm>
-              <a:off x="4676775" y="4121150"/>
-              <a:ext cx="771525" cy="506413"/>
-            </a:xfrm>
-            <a:prstGeom prst="straightConnector1">
-              <a:avLst/>
-            </a:prstGeom>
-            <a:noFill/>
-            <a:ln w="19050">
-              <a:solidFill>
-                <a:schemeClr val="tx1"/>
-              </a:solidFill>
-              <a:round/>
-              <a:headEnd/>
-              <a:tailEnd type="none" w="lg" len="lg"/>
-            </a:ln>
-          </p:spPr>
-        </p:cxnSp>
-        <p:cxnSp>
-          <p:nvCxnSpPr>
-            <p:cNvPr id="23568" name="AutoShape 20"/>
-            <p:cNvCxnSpPr>
-              <a:cxnSpLocks noChangeShapeType="1"/>
-              <a:stCxn id="23566" idx="0"/>
-              <a:endCxn id="23562" idx="4"/>
-            </p:cNvCxnSpPr>
-            <p:nvPr/>
-          </p:nvCxnSpPr>
-          <p:spPr bwMode="auto">
-            <a:xfrm flipV="1">
-              <a:off x="4552950" y="4243388"/>
-              <a:ext cx="0" cy="2028825"/>
-            </a:xfrm>
-            <a:prstGeom prst="straightConnector1">
-              <a:avLst/>
-            </a:prstGeom>
-            <a:noFill/>
-            <a:ln w="19050">
-              <a:solidFill>
-                <a:schemeClr val="tx1"/>
-              </a:solidFill>
-              <a:round/>
-              <a:headEnd/>
-              <a:tailEnd type="none" w="lg" len="lg"/>
-            </a:ln>
-          </p:spPr>
-        </p:cxnSp>
-        <p:cxnSp>
-          <p:nvCxnSpPr>
-            <p:cNvPr id="23569" name="AutoShape 25"/>
-            <p:cNvCxnSpPr>
-              <a:cxnSpLocks noChangeShapeType="1"/>
-              <a:stCxn id="23562" idx="3"/>
-              <a:endCxn id="23564" idx="7"/>
-            </p:cNvCxnSpPr>
-            <p:nvPr/>
-          </p:nvCxnSpPr>
-          <p:spPr bwMode="auto">
-            <a:xfrm flipH="1">
-              <a:off x="3670300" y="4213225"/>
-              <a:ext cx="808038" cy="1455738"/>
-            </a:xfrm>
-            <a:prstGeom prst="straightConnector1">
-              <a:avLst/>
-            </a:prstGeom>
-            <a:noFill/>
-            <a:ln w="19050">
-              <a:solidFill>
-                <a:schemeClr val="tx1"/>
-              </a:solidFill>
-              <a:round/>
-              <a:headEnd/>
-              <a:tailEnd type="none" w="lg" len="lg"/>
-            </a:ln>
-          </p:spPr>
-        </p:cxnSp>
-        <p:sp>
-          <p:nvSpPr>
-            <p:cNvPr id="23570" name="Oval 54"/>
-            <p:cNvSpPr>
-              <a:spLocks noChangeArrowheads="1"/>
-            </p:cNvSpPr>
-            <p:nvPr/>
-          </p:nvSpPr>
-          <p:spPr bwMode="auto">
-            <a:xfrm>
-              <a:off x="3492500" y="4597400"/>
-              <a:ext cx="207963" cy="207963"/>
-            </a:xfrm>
-            <a:prstGeom prst="ellipse">
-              <a:avLst/>
-            </a:prstGeom>
-            <a:solidFill>
-              <a:schemeClr val="bg1"/>
-            </a:solidFill>
-            <a:ln w="19050">
-              <a:solidFill>
-                <a:schemeClr val="tx1"/>
-              </a:solidFill>
-              <a:round/>
-              <a:headEnd/>
-              <a:tailEnd type="none" w="lg" len="lg"/>
-            </a:ln>
-          </p:spPr>
-          <p:txBody>
-            <a:bodyPr wrap="none" anchor="ctr"/>
-            <a:lstStyle/>
-            <a:p>
-              <a:endParaRPr lang="en-US"/>
-            </a:p>
-          </p:txBody>
-        </p:sp>
-        <p:sp>
-          <p:nvSpPr>
-            <p:cNvPr id="23571" name="Oval 55"/>
-            <p:cNvSpPr>
-              <a:spLocks noChangeArrowheads="1"/>
-            </p:cNvSpPr>
-            <p:nvPr/>
-          </p:nvSpPr>
-          <p:spPr bwMode="auto">
-            <a:xfrm>
-              <a:off x="4448175" y="4016375"/>
-              <a:ext cx="207963" cy="207963"/>
-            </a:xfrm>
-            <a:prstGeom prst="ellipse">
-              <a:avLst/>
-            </a:prstGeom>
-            <a:solidFill>
-              <a:srgbClr val="BB0FAB"/>
-            </a:solidFill>
-            <a:ln w="19050">
-              <a:solidFill>
-                <a:schemeClr val="tx1"/>
-              </a:solidFill>
-              <a:round/>
-              <a:headEnd/>
-              <a:tailEnd type="none" w="lg" len="lg"/>
-            </a:ln>
-          </p:spPr>
-          <p:txBody>
-            <a:bodyPr wrap="none" anchor="ctr"/>
-            <a:lstStyle/>
-            <a:p>
-              <a:endParaRPr lang="en-US"/>
-            </a:p>
-          </p:txBody>
-        </p:sp>
-        <p:sp>
-          <p:nvSpPr>
-            <p:cNvPr id="23572" name="Oval 58"/>
-            <p:cNvSpPr>
-              <a:spLocks noChangeArrowheads="1"/>
-            </p:cNvSpPr>
-            <p:nvPr/>
-          </p:nvSpPr>
-          <p:spPr bwMode="auto">
-            <a:xfrm>
-              <a:off x="5418138" y="5638800"/>
-              <a:ext cx="207963" cy="207963"/>
-            </a:xfrm>
-            <a:prstGeom prst="ellipse">
-              <a:avLst/>
-            </a:prstGeom>
-            <a:solidFill>
-              <a:schemeClr val="bg1"/>
-            </a:solidFill>
-            <a:ln w="19050">
-              <a:solidFill>
-                <a:schemeClr val="tx1"/>
-              </a:solidFill>
-              <a:round/>
-              <a:headEnd/>
-              <a:tailEnd type="none" w="lg" len="lg"/>
-            </a:ln>
-          </p:spPr>
-          <p:txBody>
-            <a:bodyPr wrap="none" anchor="ctr"/>
-            <a:lstStyle/>
-            <a:p>
-              <a:endParaRPr lang="en-US"/>
-            </a:p>
-          </p:txBody>
-        </p:sp>
-        <p:grpSp>
-          <p:nvGrpSpPr>
-            <p:cNvPr id="3" name="Group 33"/>
-            <p:cNvGrpSpPr>
-              <a:grpSpLocks/>
-            </p:cNvGrpSpPr>
-            <p:nvPr/>
-          </p:nvGrpSpPr>
-          <p:grpSpPr bwMode="auto">
-            <a:xfrm>
-              <a:off x="3492500" y="4597400"/>
-              <a:ext cx="2133601" cy="1882776"/>
-              <a:chOff x="3492500" y="4597400"/>
-              <a:chExt cx="2133601" cy="1882776"/>
-            </a:xfrm>
-          </p:grpSpPr>
-          <p:sp>
-            <p:nvSpPr>
-              <p:cNvPr id="23578" name="Oval 56"/>
-              <p:cNvSpPr>
-                <a:spLocks noChangeArrowheads="1"/>
-              </p:cNvSpPr>
-              <p:nvPr/>
-            </p:nvSpPr>
-            <p:spPr bwMode="auto">
-              <a:xfrm>
-                <a:off x="5418138" y="4597400"/>
-                <a:ext cx="207963" cy="207963"/>
-              </a:xfrm>
-              <a:prstGeom prst="ellipse">
-                <a:avLst/>
-              </a:prstGeom>
-              <a:solidFill>
-                <a:schemeClr val="bg1"/>
-              </a:solidFill>
-              <a:ln w="19050">
-                <a:solidFill>
-                  <a:schemeClr val="tx1"/>
-                </a:solidFill>
-                <a:round/>
-                <a:headEnd/>
-                <a:tailEnd type="none" w="lg" len="lg"/>
-              </a:ln>
-            </p:spPr>
-            <p:txBody>
-              <a:bodyPr wrap="none" anchor="ctr"/>
-              <a:lstStyle/>
-              <a:p>
-                <a:endParaRPr lang="en-US"/>
-              </a:p>
-            </p:txBody>
-          </p:sp>
-          <p:sp>
-            <p:nvSpPr>
-              <p:cNvPr id="23579" name="Oval 57"/>
-              <p:cNvSpPr>
-                <a:spLocks noChangeArrowheads="1"/>
-              </p:cNvSpPr>
-              <p:nvPr/>
-            </p:nvSpPr>
-            <p:spPr bwMode="auto">
-              <a:xfrm>
-                <a:off x="3492500" y="5638800"/>
-                <a:ext cx="207963" cy="207963"/>
-              </a:xfrm>
-              <a:prstGeom prst="ellipse">
-                <a:avLst/>
-              </a:prstGeom>
-              <a:solidFill>
-                <a:schemeClr val="bg1"/>
-              </a:solidFill>
-              <a:ln w="19050">
-                <a:solidFill>
-                  <a:schemeClr val="tx1"/>
-                </a:solidFill>
-                <a:round/>
-                <a:headEnd/>
-                <a:tailEnd type="none" w="lg" len="lg"/>
-              </a:ln>
-            </p:spPr>
-            <p:txBody>
-              <a:bodyPr wrap="none" anchor="ctr"/>
-              <a:lstStyle/>
-              <a:p>
-                <a:endParaRPr lang="en-US"/>
-              </a:p>
-            </p:txBody>
-          </p:sp>
-          <p:sp>
-            <p:nvSpPr>
-              <p:cNvPr id="23580" name="Oval 59"/>
-              <p:cNvSpPr>
-                <a:spLocks noChangeArrowheads="1"/>
-              </p:cNvSpPr>
-              <p:nvPr/>
-            </p:nvSpPr>
-            <p:spPr bwMode="auto">
-              <a:xfrm>
-                <a:off x="4448175" y="6272213"/>
-                <a:ext cx="207963" cy="207963"/>
-              </a:xfrm>
-              <a:prstGeom prst="ellipse">
-                <a:avLst/>
-              </a:prstGeom>
-              <a:solidFill>
-                <a:schemeClr val="bg1"/>
-              </a:solidFill>
-              <a:ln w="19050">
-                <a:solidFill>
-                  <a:schemeClr val="tx1"/>
-                </a:solidFill>
-                <a:round/>
-                <a:headEnd/>
-                <a:tailEnd type="none" w="lg" len="lg"/>
-              </a:ln>
-            </p:spPr>
-            <p:txBody>
-              <a:bodyPr wrap="none" anchor="ctr"/>
-              <a:lstStyle/>
-              <a:p>
-                <a:endParaRPr lang="en-US"/>
-              </a:p>
-            </p:txBody>
-          </p:sp>
-        </p:grpSp>
-        <p:cxnSp>
-          <p:nvCxnSpPr>
-            <p:cNvPr id="23574" name="AutoShape 61"/>
-            <p:cNvCxnSpPr>
-              <a:cxnSpLocks noChangeShapeType="1"/>
-              <a:stCxn id="23571" idx="6"/>
-              <a:endCxn id="23578" idx="1"/>
-            </p:cNvCxnSpPr>
-            <p:nvPr/>
-          </p:nvCxnSpPr>
-          <p:spPr bwMode="auto">
-            <a:xfrm>
-              <a:off x="4676775" y="4121150"/>
-              <a:ext cx="771525" cy="506413"/>
-            </a:xfrm>
-            <a:prstGeom prst="straightConnector1">
-              <a:avLst/>
-            </a:prstGeom>
-            <a:noFill/>
-            <a:ln w="28575">
-              <a:solidFill>
-                <a:schemeClr val="accent2"/>
-              </a:solidFill>
-              <a:round/>
-              <a:headEnd/>
-              <a:tailEnd type="none" w="lg" len="lg"/>
-            </a:ln>
-          </p:spPr>
-        </p:cxnSp>
-        <p:cxnSp>
-          <p:nvCxnSpPr>
-            <p:cNvPr id="23575" name="AutoShape 62"/>
-            <p:cNvCxnSpPr>
-              <a:cxnSpLocks noChangeShapeType="1"/>
-              <a:stCxn id="23580" idx="0"/>
-              <a:endCxn id="23571" idx="4"/>
-            </p:cNvCxnSpPr>
-            <p:nvPr/>
-          </p:nvCxnSpPr>
-          <p:spPr bwMode="auto">
-            <a:xfrm flipV="1">
-              <a:off x="4552950" y="4243388"/>
-              <a:ext cx="0" cy="2028825"/>
-            </a:xfrm>
-            <a:prstGeom prst="straightConnector1">
-              <a:avLst/>
-            </a:prstGeom>
-            <a:noFill/>
-            <a:ln w="28575">
-              <a:solidFill>
-                <a:schemeClr val="accent2"/>
-              </a:solidFill>
-              <a:round/>
-              <a:headEnd/>
-              <a:tailEnd type="none" w="lg" len="lg"/>
-            </a:ln>
-          </p:spPr>
-        </p:cxnSp>
-        <p:cxnSp>
-          <p:nvCxnSpPr>
-            <p:cNvPr id="23576" name="AutoShape 63"/>
-            <p:cNvCxnSpPr>
-              <a:cxnSpLocks noChangeShapeType="1"/>
-              <a:stCxn id="23571" idx="3"/>
-              <a:endCxn id="23579" idx="7"/>
-            </p:cNvCxnSpPr>
-            <p:nvPr/>
-          </p:nvCxnSpPr>
-          <p:spPr bwMode="auto">
-            <a:xfrm flipH="1">
-              <a:off x="3670300" y="4213225"/>
-              <a:ext cx="808038" cy="1455738"/>
-            </a:xfrm>
-            <a:prstGeom prst="straightConnector1">
-              <a:avLst/>
-            </a:prstGeom>
-            <a:noFill/>
-            <a:ln w="28575">
-              <a:solidFill>
-                <a:schemeClr val="accent2"/>
-              </a:solidFill>
-              <a:round/>
-              <a:headEnd/>
-              <a:tailEnd type="none" w="lg" len="lg"/>
-            </a:ln>
-          </p:spPr>
-        </p:cxnSp>
-        <p:grpSp>
-          <p:nvGrpSpPr>
-            <p:cNvPr id="4" name="Group 34"/>
-            <p:cNvGrpSpPr/>
-            <p:nvPr/>
-          </p:nvGrpSpPr>
-          <p:grpSpPr>
-            <a:xfrm>
-              <a:off x="3505199" y="4587875"/>
-              <a:ext cx="2133601" cy="1882776"/>
-              <a:chOff x="3492500" y="4597400"/>
-              <a:chExt cx="2133601" cy="1882776"/>
-            </a:xfrm>
-            <a:solidFill>
-              <a:srgbClr val="C00000"/>
-            </a:solidFill>
-          </p:grpSpPr>
-          <p:sp>
-            <p:nvSpPr>
-              <p:cNvPr id="53" name="Oval 56"/>
-              <p:cNvSpPr>
-                <a:spLocks noChangeArrowheads="1"/>
-              </p:cNvSpPr>
-              <p:nvPr/>
-            </p:nvSpPr>
-            <p:spPr bwMode="auto">
-              <a:xfrm>
-                <a:off x="5418138" y="4597400"/>
-                <a:ext cx="207963" cy="207963"/>
-              </a:xfrm>
-              <a:prstGeom prst="ellipse">
-                <a:avLst/>
-              </a:prstGeom>
-              <a:grpFill/>
-              <a:ln w="19050">
-                <a:solidFill>
-                  <a:schemeClr val="tx1"/>
-                </a:solidFill>
-                <a:round/>
-                <a:headEnd/>
-                <a:tailEnd type="none" w="lg" len="lg"/>
-              </a:ln>
-              <a:effectLst/>
-            </p:spPr>
-            <p:txBody>
-              <a:bodyPr wrap="none" anchor="ctr"/>
-              <a:lstStyle/>
-              <a:p>
-                <a:pPr>
-                  <a:defRPr/>
-                </a:pPr>
-                <a:endParaRPr lang="en-US"/>
-              </a:p>
-            </p:txBody>
-          </p:sp>
-          <p:sp>
-            <p:nvSpPr>
-              <p:cNvPr id="54" name="Oval 57"/>
-              <p:cNvSpPr>
-                <a:spLocks noChangeArrowheads="1"/>
-              </p:cNvSpPr>
-              <p:nvPr/>
-            </p:nvSpPr>
-            <p:spPr bwMode="auto">
-              <a:xfrm>
-                <a:off x="3492500" y="5638800"/>
-                <a:ext cx="207963" cy="207963"/>
-              </a:xfrm>
-              <a:prstGeom prst="ellipse">
-                <a:avLst/>
-              </a:prstGeom>
-              <a:grpFill/>
-              <a:ln w="19050">
-                <a:solidFill>
-                  <a:schemeClr val="tx1"/>
-                </a:solidFill>
-                <a:round/>
-                <a:headEnd/>
-                <a:tailEnd type="none" w="lg" len="lg"/>
-              </a:ln>
-              <a:effectLst/>
-            </p:spPr>
-            <p:txBody>
-              <a:bodyPr wrap="none" anchor="ctr"/>
-              <a:lstStyle/>
-              <a:p>
-                <a:pPr>
-                  <a:defRPr/>
-                </a:pPr>
-                <a:endParaRPr lang="en-US"/>
-              </a:p>
-            </p:txBody>
-          </p:sp>
-          <p:sp>
-            <p:nvSpPr>
-              <p:cNvPr id="55" name="Oval 59"/>
-              <p:cNvSpPr>
-                <a:spLocks noChangeArrowheads="1"/>
-              </p:cNvSpPr>
-              <p:nvPr/>
-            </p:nvSpPr>
-            <p:spPr bwMode="auto">
-              <a:xfrm>
-                <a:off x="4448175" y="6272213"/>
-                <a:ext cx="207963" cy="207963"/>
-              </a:xfrm>
-              <a:prstGeom prst="ellipse">
-                <a:avLst/>
-              </a:prstGeom>
-              <a:grpFill/>
-              <a:ln w="19050">
-                <a:solidFill>
-                  <a:schemeClr val="tx1"/>
-                </a:solidFill>
-                <a:round/>
-                <a:headEnd/>
-                <a:tailEnd type="none" w="lg" len="lg"/>
-              </a:ln>
-              <a:effectLst/>
-            </p:spPr>
-            <p:txBody>
-              <a:bodyPr wrap="none" anchor="ctr"/>
-              <a:lstStyle/>
-              <a:p>
-                <a:pPr>
-                  <a:defRPr/>
-                </a:pPr>
-                <a:endParaRPr lang="en-US"/>
-              </a:p>
-            </p:txBody>
-          </p:sp>
-        </p:grpSp>
-      </p:grpSp>
-      <p:cxnSp>
-        <p:nvCxnSpPr>
-          <p:cNvPr id="60" name="AutoShape 1072"/>
-          <p:cNvCxnSpPr>
-            <a:cxnSpLocks noChangeShapeType="1"/>
-          </p:cNvCxnSpPr>
-          <p:nvPr/>
-        </p:nvCxnSpPr>
-        <p:spPr bwMode="auto">
-          <a:xfrm>
-            <a:off x="3716338" y="5724525"/>
-            <a:ext cx="777875" cy="558800"/>
-          </a:xfrm>
-          <a:prstGeom prst="straightConnector1">
-            <a:avLst/>
-          </a:prstGeom>
-          <a:noFill/>
-          <a:ln w="38100">
-            <a:solidFill>
-              <a:srgbClr val="0066FF"/>
-            </a:solidFill>
-            <a:round/>
-            <a:headEnd/>
-            <a:tailEnd type="none" w="lg" len="lg"/>
-          </a:ln>
-        </p:spPr>
-      </p:cxnSp>
-      <p:cxnSp>
-        <p:nvCxnSpPr>
-          <p:cNvPr id="61" name="AutoShape 1073"/>
-          <p:cNvCxnSpPr>
-            <a:cxnSpLocks noChangeShapeType="1"/>
-          </p:cNvCxnSpPr>
-          <p:nvPr/>
-        </p:nvCxnSpPr>
-        <p:spPr bwMode="auto">
-          <a:xfrm flipV="1">
-            <a:off x="3716338" y="4756150"/>
-            <a:ext cx="1747837" cy="968375"/>
-          </a:xfrm>
-          <a:prstGeom prst="straightConnector1">
-            <a:avLst/>
-          </a:prstGeom>
-          <a:noFill/>
-          <a:ln w="38100">
-            <a:solidFill>
-              <a:srgbClr val="0066FF"/>
-            </a:solidFill>
-            <a:round/>
-            <a:headEnd/>
-            <a:tailEnd type="none" w="lg" len="lg"/>
-          </a:ln>
-        </p:spPr>
-      </p:cxnSp>
-      <p:cxnSp>
-        <p:nvCxnSpPr>
-          <p:cNvPr id="62" name="AutoShape 1074"/>
-          <p:cNvCxnSpPr>
-            <a:cxnSpLocks noChangeShapeType="1"/>
-          </p:cNvCxnSpPr>
-          <p:nvPr/>
-        </p:nvCxnSpPr>
-        <p:spPr bwMode="auto">
-          <a:xfrm flipV="1">
-            <a:off x="4641850" y="4756150"/>
-            <a:ext cx="822325" cy="1527175"/>
-          </a:xfrm>
-          <a:prstGeom prst="straightConnector1">
-            <a:avLst/>
-          </a:prstGeom>
-          <a:noFill/>
-          <a:ln w="38100">
-            <a:solidFill>
-              <a:srgbClr val="0066FF"/>
-            </a:solidFill>
-            <a:round/>
-            <a:headEnd/>
-            <a:tailEnd type="none" w="lg" len="lg"/>
-          </a:ln>
-        </p:spPr>
-      </p:cxnSp>
       <p:sp>
         <p:nvSpPr>
-          <p:cNvPr id="32" name="Oval 55"/>
-          <p:cNvSpPr>
-            <a:spLocks noChangeArrowheads="1"/>
-          </p:cNvSpPr>
-          <p:nvPr/>
-        </p:nvSpPr>
-        <p:spPr bwMode="auto">
-          <a:xfrm>
-            <a:off x="7738681" y="1752583"/>
-            <a:ext cx="236538" cy="250825"/>
-          </a:xfrm>
-          <a:prstGeom prst="ellipse">
-            <a:avLst/>
-          </a:prstGeom>
-          <a:solidFill>
-            <a:srgbClr val="BB0FAB"/>
-          </a:solidFill>
-          <a:ln w="19050">
-            <a:solidFill>
-              <a:schemeClr val="tx1"/>
-            </a:solidFill>
-            <a:round/>
-            <a:headEnd/>
-            <a:tailEnd type="none" w="lg" len="lg"/>
-          </a:ln>
-        </p:spPr>
-        <p:txBody>
-          <a:bodyPr wrap="none" anchor="ctr"/>
-          <a:lstStyle/>
-          <a:p>
-            <a:endParaRPr lang="en-US"/>
-          </a:p>
-        </p:txBody>
-      </p:sp>
-      <p:sp>
-        <p:nvSpPr>
-          <p:cNvPr id="33" name="Rectangle 11"/>
+          <p:cNvPr id="5" name="Rectangle 11"/>
           <p:cNvSpPr>
             <a:spLocks noGrp="1" noChangeArrowheads="1"/>
           </p:cNvSpPr>
@@ -13758,8 +12584,8 @@
         </p:nvSpPr>
         <p:spPr>
           <a:xfrm>
-            <a:off x="7728813" y="6594296"/>
-            <a:ext cx="1415190" cy="261610"/>
+            <a:off x="7665307" y="6594296"/>
+            <a:ext cx="1478696" cy="261610"/>
           </a:xfrm>
           <a:ln/>
         </p:spPr>
@@ -13789,6 +12615,40 @@
           </a:p>
         </p:txBody>
       </p:sp>
+      <p:sp>
+        <p:nvSpPr>
+          <p:cNvPr id="2" name="TextBox 1"/>
+          <p:cNvSpPr txBox="1"/>
+          <p:nvPr/>
+        </p:nvSpPr>
+        <p:spPr>
+          <a:xfrm>
+            <a:off x="3698963" y="4401383"/>
+            <a:ext cx="1723849" cy="923330"/>
+          </a:xfrm>
+          <a:prstGeom prst="rect">
+            <a:avLst/>
+          </a:prstGeom>
+          <a:noFill/>
+        </p:spPr>
+        <p:txBody>
+          <a:bodyPr wrap="none" rtlCol="0">
+            <a:spAutoFit/>
+          </a:bodyPr>
+          <a:lstStyle/>
+          <a:p>
+            <a:r>
+              <a:rPr lang="en-US" sz="5400" dirty="0" smtClean="0">
+                <a:solidFill>
+                  <a:srgbClr val="006600"/>
+                </a:solidFill>
+                <a:latin typeface="Comic Sans MS" pitchFamily="66" charset="0"/>
+              </a:rPr>
+              <a:t>QED</a:t>
+            </a:r>
+          </a:p>
+        </p:txBody>
+      </p:sp>
     </p:spTree>
   </p:cSld>
   <p:clrMapOvr>
@@ -13797,12 +12657,12 @@
   <mc:AlternateContent xmlns:mc="http://schemas.openxmlformats.org/markup-compatibility/2006" xmlns:p14="http://schemas.microsoft.com/office/powerpoint/2010/main">
     <mc:Choice Requires="p14">
       <p:transition spd="med" p14:dur="700" advClick="0">
-        <p:fade/>
+        <p:fade thruBlk="1"/>
       </p:transition>
     </mc:Choice>
     <mc:Fallback xmlns="">
       <p:transition xmlns:p14="http://schemas.microsoft.com/office/powerpoint/2010/main" spd="med" advClick="0">
-        <p:fade/>
+        <p:fade thruBlk="1"/>
       </p:transition>
     </mc:Fallback>
   </mc:AlternateContent>
@@ -13827,7 +12687,7 @@
                             </p:stCondLst>
                             <p:childTnLst>
                               <p:par>
-                                <p:cTn id="5" presetID="1" presetClass="entr" presetSubtype="0" fill="hold" nodeType="clickEffect">
+                                <p:cTn id="5" presetID="49" presetClass="entr" presetSubtype="0" decel="100000" fill="hold" nodeType="clickEffect">
                                   <p:stCondLst>
                                     <p:cond delay="0"/>
                                   </p:stCondLst>
@@ -13840,9 +12700,9 @@
                                           </p:stCondLst>
                                         </p:cTn>
                                         <p:tgtEl>
-                                          <p:spTgt spid="347139">
+                                          <p:spTgt spid="2">
                                             <p:txEl>
-                                              <p:pRg st="2" end="2"/>
+                                              <p:pRg st="0" end="0"/>
                                             </p:txEl>
                                           </p:spTgt>
                                         </p:tgtEl>
@@ -13854,126 +12714,96 @@
                                         <p:strVal val="visible"/>
                                       </p:to>
                                     </p:set>
-                                  </p:childTnLst>
-                                </p:cTn>
-                              </p:par>
-                            </p:childTnLst>
-                          </p:cTn>
-                        </p:par>
-                      </p:childTnLst>
-                    </p:cTn>
-                  </p:par>
-                  <p:par>
-                    <p:cTn id="7" fill="hold">
-                      <p:stCondLst>
-                        <p:cond delay="indefinite"/>
-                      </p:stCondLst>
-                      <p:childTnLst>
-                        <p:par>
-                          <p:cTn id="8" fill="hold">
-                            <p:stCondLst>
-                              <p:cond delay="0"/>
-                            </p:stCondLst>
-                            <p:childTnLst>
-                              <p:par>
-                                <p:cTn id="9" presetID="9" presetClass="entr" presetSubtype="0" fill="hold" nodeType="clickEffect">
-                                  <p:stCondLst>
-                                    <p:cond delay="0"/>
-                                  </p:stCondLst>
-                                  <p:childTnLst>
-                                    <p:set>
+                                    <p:anim calcmode="lin" valueType="num">
                                       <p:cBhvr>
-                                        <p:cTn id="10" dur="1" fill="hold">
-                                          <p:stCondLst>
-                                            <p:cond delay="0"/>
-                                          </p:stCondLst>
-                                        </p:cTn>
+                                        <p:cTn id="7" dur="1000" fill="hold"/>
                                         <p:tgtEl>
-                                          <p:spTgt spid="62"/>
+                                          <p:spTgt spid="2">
+                                            <p:txEl>
+                                              <p:pRg st="0" end="0"/>
+                                            </p:txEl>
+                                          </p:spTgt>
                                         </p:tgtEl>
                                         <p:attrNameLst>
-                                          <p:attrName>style.visibility</p:attrName>
+                                          <p:attrName>ppt_w</p:attrName>
                                         </p:attrNameLst>
                                       </p:cBhvr>
-                                      <p:to>
-                                        <p:strVal val="visible"/>
-                                      </p:to>
-                                    </p:set>
-                                    <p:animEffect transition="in" filter="dissolve">
+                                      <p:tavLst>
+                                        <p:tav tm="0">
+                                          <p:val>
+                                            <p:fltVal val="0"/>
+                                          </p:val>
+                                        </p:tav>
+                                        <p:tav tm="100000">
+                                          <p:val>
+                                            <p:strVal val="#ppt_w"/>
+                                          </p:val>
+                                        </p:tav>
+                                      </p:tavLst>
+                                    </p:anim>
+                                    <p:anim calcmode="lin" valueType="num">
                                       <p:cBhvr>
-                                        <p:cTn id="11" dur="500"/>
+                                        <p:cTn id="8" dur="1000" fill="hold"/>
                                         <p:tgtEl>
-                                          <p:spTgt spid="62"/>
-                                        </p:tgtEl>
-                                      </p:cBhvr>
-                                    </p:animEffect>
-                                  </p:childTnLst>
-                                </p:cTn>
-                              </p:par>
-                              <p:par>
-                                <p:cTn id="12" presetID="9" presetClass="entr" presetSubtype="0" fill="hold" nodeType="withEffect">
-                                  <p:stCondLst>
-                                    <p:cond delay="0"/>
-                                  </p:stCondLst>
-                                  <p:childTnLst>
-                                    <p:set>
-                                      <p:cBhvr>
-                                        <p:cTn id="13" dur="1" fill="hold">
-                                          <p:stCondLst>
-                                            <p:cond delay="0"/>
-                                          </p:stCondLst>
-                                        </p:cTn>
-                                        <p:tgtEl>
-                                          <p:spTgt spid="60"/>
+                                          <p:spTgt spid="2">
+                                            <p:txEl>
+                                              <p:pRg st="0" end="0"/>
+                                            </p:txEl>
+                                          </p:spTgt>
                                         </p:tgtEl>
                                         <p:attrNameLst>
-                                          <p:attrName>style.visibility</p:attrName>
+                                          <p:attrName>ppt_h</p:attrName>
                                         </p:attrNameLst>
                                       </p:cBhvr>
-                                      <p:to>
-                                        <p:strVal val="visible"/>
-                                      </p:to>
-                                    </p:set>
-                                    <p:animEffect transition="in" filter="dissolve">
+                                      <p:tavLst>
+                                        <p:tav tm="0">
+                                          <p:val>
+                                            <p:fltVal val="0"/>
+                                          </p:val>
+                                        </p:tav>
+                                        <p:tav tm="100000">
+                                          <p:val>
+                                            <p:strVal val="#ppt_h"/>
+                                          </p:val>
+                                        </p:tav>
+                                      </p:tavLst>
+                                    </p:anim>
+                                    <p:anim calcmode="lin" valueType="num">
                                       <p:cBhvr>
-                                        <p:cTn id="14" dur="500"/>
+                                        <p:cTn id="9" dur="1000" fill="hold"/>
                                         <p:tgtEl>
-                                          <p:spTgt spid="60"/>
-                                        </p:tgtEl>
-                                      </p:cBhvr>
-                                    </p:animEffect>
-                                  </p:childTnLst>
-                                </p:cTn>
-                              </p:par>
-                              <p:par>
-                                <p:cTn id="15" presetID="9" presetClass="entr" presetSubtype="0" fill="hold" nodeType="withEffect">
-                                  <p:stCondLst>
-                                    <p:cond delay="0"/>
-                                  </p:stCondLst>
-                                  <p:childTnLst>
-                                    <p:set>
-                                      <p:cBhvr>
-                                        <p:cTn id="16" dur="1" fill="hold">
-                                          <p:stCondLst>
-                                            <p:cond delay="0"/>
-                                          </p:stCondLst>
-                                        </p:cTn>
-                                        <p:tgtEl>
-                                          <p:spTgt spid="61"/>
+                                          <p:spTgt spid="2">
+                                            <p:txEl>
+                                              <p:pRg st="0" end="0"/>
+                                            </p:txEl>
+                                          </p:spTgt>
                                         </p:tgtEl>
                                         <p:attrNameLst>
-                                          <p:attrName>style.visibility</p:attrName>
+                                          <p:attrName>style.rotation</p:attrName>
                                         </p:attrNameLst>
                                       </p:cBhvr>
-                                      <p:to>
-                                        <p:strVal val="visible"/>
-                                      </p:to>
-                                    </p:set>
-                                    <p:animEffect transition="in" filter="dissolve">
+                                      <p:tavLst>
+                                        <p:tav tm="0">
+                                          <p:val>
+                                            <p:fltVal val="360"/>
+                                          </p:val>
+                                        </p:tav>
+                                        <p:tav tm="100000">
+                                          <p:val>
+                                            <p:fltVal val="0"/>
+                                          </p:val>
+                                        </p:tav>
+                                      </p:tavLst>
+                                    </p:anim>
+                                    <p:animEffect transition="in" filter="fade">
                                       <p:cBhvr>
-                                        <p:cTn id="17" dur="500"/>
+                                        <p:cTn id="10" dur="1000"/>
                                         <p:tgtEl>
-                                          <p:spTgt spid="61"/>
+                                          <p:spTgt spid="2">
+                                            <p:txEl>
+                                              <p:pRg st="0" end="0"/>
+                                            </p:txEl>
+                                          </p:spTgt>
                                         </p:tgtEl>
                                       </p:cBhvr>
                                     </p:animEffect>
